--- a/units/3/lessons/3/resources/petascale-lesson-3.3-slides.pptx
+++ b/units/3/lessons/3/resources/petascale-lesson-3.3-slides.pptx
@@ -1,27 +1,28 @@
 
 <file path=ppt/presentation.xml><?xml version="1.0" encoding="utf-8"?>
-<p:presentation xmlns:a="http://schemas.openxmlformats.org/drawingml/2006/main" xmlns:r="http://schemas.openxmlformats.org/officeDocument/2006/relationships" xmlns:mc="http://schemas.openxmlformats.org/markup-compatibility/2006" xmlns:mv="urn:schemas-microsoft-com:mac:vml" xmlns:p="http://schemas.openxmlformats.org/presentationml/2006/main" xmlns:c="http://schemas.openxmlformats.org/drawingml/2006/chart" xmlns:dgm="http://schemas.openxmlformats.org/drawingml/2006/diagram" xmlns:o="urn:schemas-microsoft-com:office:office" xmlns:v="urn:schemas-microsoft-com:vml" xmlns:pvml="urn:schemas-microsoft-com:office:powerpoint" xmlns:com="http://schemas.openxmlformats.org/drawingml/2006/compatibility" xmlns:p14="http://schemas.microsoft.com/office/powerpoint/2010/main" xmlns:p15="http://schemas.microsoft.com/office/powerpoint/2012/main" autoCompressPictures="0" strictFirstAndLastChars="0" saveSubsetFonts="1">
+<p:presentation xmlns:a="http://schemas.openxmlformats.org/drawingml/2006/main" xmlns:r="http://schemas.openxmlformats.org/officeDocument/2006/relationships" xmlns:p="http://schemas.openxmlformats.org/presentationml/2006/main" strictFirstAndLastChars="0" saveSubsetFonts="1" autoCompressPictures="0">
   <p:sldMasterIdLst>
-    <p:sldMasterId id="2147483659" r:id="rId4"/>
+    <p:sldMasterId id="2147483659" r:id="rId1"/>
   </p:sldMasterIdLst>
   <p:notesMasterIdLst>
-    <p:notesMasterId r:id="rId5"/>
+    <p:notesMasterId r:id="rId12"/>
   </p:notesMasterIdLst>
   <p:sldIdLst>
-    <p:sldId id="256" r:id="rId6"/>
-    <p:sldId id="257" r:id="rId7"/>
-    <p:sldId id="258" r:id="rId8"/>
-    <p:sldId id="259" r:id="rId9"/>
-    <p:sldId id="260" r:id="rId10"/>
-    <p:sldId id="261" r:id="rId11"/>
-    <p:sldId id="262" r:id="rId12"/>
-    <p:sldId id="263" r:id="rId13"/>
-    <p:sldId id="264" r:id="rId14"/>
+    <p:sldId id="265" r:id="rId2"/>
+    <p:sldId id="266" r:id="rId3"/>
+    <p:sldId id="257" r:id="rId4"/>
+    <p:sldId id="258" r:id="rId5"/>
+    <p:sldId id="259" r:id="rId6"/>
+    <p:sldId id="260" r:id="rId7"/>
+    <p:sldId id="261" r:id="rId8"/>
+    <p:sldId id="262" r:id="rId9"/>
+    <p:sldId id="263" r:id="rId10"/>
+    <p:sldId id="264" r:id="rId11"/>
   </p:sldIdLst>
-  <p:sldSz cy="5143500" cx="9144000"/>
+  <p:sldSz cx="9144000" cy="5143500" type="screen16x9"/>
   <p:notesSz cx="6858000" cy="9144000"/>
   <p:defaultTextStyle>
-    <a:defPPr lvl="0" marR="0" rtl="0" algn="l">
+    <a:defPPr marR="0" lvl="0" algn="l" rtl="0">
       <a:lnSpc>
         <a:spcPct val="100000"/>
       </a:lnSpc>
@@ -32,7 +33,7 @@
         <a:spcPts val="0"/>
       </a:spcAft>
     </a:defPPr>
-    <a:lvl1pPr lvl="0" marR="0" rtl="0" algn="l">
+    <a:lvl1pPr marR="0" lvl="0" algn="l" rtl="0">
       <a:lnSpc>
         <a:spcPct val="100000"/>
       </a:lnSpc>
@@ -46,7 +47,7 @@
         <a:srgbClr val="000000"/>
       </a:buClr>
       <a:buFont typeface="Arial"/>
-      <a:defRPr b="0" i="0" sz="1400" u="none" cap="none" strike="noStrike">
+      <a:defRPr sz="1400" b="0" i="0" u="none" strike="noStrike" cap="none">
         <a:solidFill>
           <a:srgbClr val="000000"/>
         </a:solidFill>
@@ -56,7 +57,7 @@
         <a:sym typeface="Arial"/>
       </a:defRPr>
     </a:lvl1pPr>
-    <a:lvl2pPr lvl="1" marR="0" rtl="0" algn="l">
+    <a:lvl2pPr marR="0" lvl="1" algn="l" rtl="0">
       <a:lnSpc>
         <a:spcPct val="100000"/>
       </a:lnSpc>
@@ -70,7 +71,7 @@
         <a:srgbClr val="000000"/>
       </a:buClr>
       <a:buFont typeface="Arial"/>
-      <a:defRPr b="0" i="0" sz="1400" u="none" cap="none" strike="noStrike">
+      <a:defRPr sz="1400" b="0" i="0" u="none" strike="noStrike" cap="none">
         <a:solidFill>
           <a:srgbClr val="000000"/>
         </a:solidFill>
@@ -80,7 +81,7 @@
         <a:sym typeface="Arial"/>
       </a:defRPr>
     </a:lvl2pPr>
-    <a:lvl3pPr lvl="2" marR="0" rtl="0" algn="l">
+    <a:lvl3pPr marR="0" lvl="2" algn="l" rtl="0">
       <a:lnSpc>
         <a:spcPct val="100000"/>
       </a:lnSpc>
@@ -94,7 +95,7 @@
         <a:srgbClr val="000000"/>
       </a:buClr>
       <a:buFont typeface="Arial"/>
-      <a:defRPr b="0" i="0" sz="1400" u="none" cap="none" strike="noStrike">
+      <a:defRPr sz="1400" b="0" i="0" u="none" strike="noStrike" cap="none">
         <a:solidFill>
           <a:srgbClr val="000000"/>
         </a:solidFill>
@@ -104,7 +105,7 @@
         <a:sym typeface="Arial"/>
       </a:defRPr>
     </a:lvl3pPr>
-    <a:lvl4pPr lvl="3" marR="0" rtl="0" algn="l">
+    <a:lvl4pPr marR="0" lvl="3" algn="l" rtl="0">
       <a:lnSpc>
         <a:spcPct val="100000"/>
       </a:lnSpc>
@@ -118,7 +119,7 @@
         <a:srgbClr val="000000"/>
       </a:buClr>
       <a:buFont typeface="Arial"/>
-      <a:defRPr b="0" i="0" sz="1400" u="none" cap="none" strike="noStrike">
+      <a:defRPr sz="1400" b="0" i="0" u="none" strike="noStrike" cap="none">
         <a:solidFill>
           <a:srgbClr val="000000"/>
         </a:solidFill>
@@ -128,7 +129,7 @@
         <a:sym typeface="Arial"/>
       </a:defRPr>
     </a:lvl4pPr>
-    <a:lvl5pPr lvl="4" marR="0" rtl="0" algn="l">
+    <a:lvl5pPr marR="0" lvl="4" algn="l" rtl="0">
       <a:lnSpc>
         <a:spcPct val="100000"/>
       </a:lnSpc>
@@ -142,7 +143,7 @@
         <a:srgbClr val="000000"/>
       </a:buClr>
       <a:buFont typeface="Arial"/>
-      <a:defRPr b="0" i="0" sz="1400" u="none" cap="none" strike="noStrike">
+      <a:defRPr sz="1400" b="0" i="0" u="none" strike="noStrike" cap="none">
         <a:solidFill>
           <a:srgbClr val="000000"/>
         </a:solidFill>
@@ -152,7 +153,7 @@
         <a:sym typeface="Arial"/>
       </a:defRPr>
     </a:lvl5pPr>
-    <a:lvl6pPr lvl="5" marR="0" rtl="0" algn="l">
+    <a:lvl6pPr marR="0" lvl="5" algn="l" rtl="0">
       <a:lnSpc>
         <a:spcPct val="100000"/>
       </a:lnSpc>
@@ -166,7 +167,7 @@
         <a:srgbClr val="000000"/>
       </a:buClr>
       <a:buFont typeface="Arial"/>
-      <a:defRPr b="0" i="0" sz="1400" u="none" cap="none" strike="noStrike">
+      <a:defRPr sz="1400" b="0" i="0" u="none" strike="noStrike" cap="none">
         <a:solidFill>
           <a:srgbClr val="000000"/>
         </a:solidFill>
@@ -176,7 +177,7 @@
         <a:sym typeface="Arial"/>
       </a:defRPr>
     </a:lvl6pPr>
-    <a:lvl7pPr lvl="6" marR="0" rtl="0" algn="l">
+    <a:lvl7pPr marR="0" lvl="6" algn="l" rtl="0">
       <a:lnSpc>
         <a:spcPct val="100000"/>
       </a:lnSpc>
@@ -190,7 +191,7 @@
         <a:srgbClr val="000000"/>
       </a:buClr>
       <a:buFont typeface="Arial"/>
-      <a:defRPr b="0" i="0" sz="1400" u="none" cap="none" strike="noStrike">
+      <a:defRPr sz="1400" b="0" i="0" u="none" strike="noStrike" cap="none">
         <a:solidFill>
           <a:srgbClr val="000000"/>
         </a:solidFill>
@@ -200,7 +201,7 @@
         <a:sym typeface="Arial"/>
       </a:defRPr>
     </a:lvl7pPr>
-    <a:lvl8pPr lvl="7" marR="0" rtl="0" algn="l">
+    <a:lvl8pPr marR="0" lvl="7" algn="l" rtl="0">
       <a:lnSpc>
         <a:spcPct val="100000"/>
       </a:lnSpc>
@@ -214,7 +215,7 @@
         <a:srgbClr val="000000"/>
       </a:buClr>
       <a:buFont typeface="Arial"/>
-      <a:defRPr b="0" i="0" sz="1400" u="none" cap="none" strike="noStrike">
+      <a:defRPr sz="1400" b="0" i="0" u="none" strike="noStrike" cap="none">
         <a:solidFill>
           <a:srgbClr val="000000"/>
         </a:solidFill>
@@ -224,7 +225,7 @@
         <a:sym typeface="Arial"/>
       </a:defRPr>
     </a:lvl8pPr>
-    <a:lvl9pPr lvl="8" marR="0" rtl="0" algn="l">
+    <a:lvl9pPr marR="0" lvl="8" algn="l" rtl="0">
       <a:lnSpc>
         <a:spcPct val="100000"/>
       </a:lnSpc>
@@ -238,7 +239,7 @@
         <a:srgbClr val="000000"/>
       </a:buClr>
       <a:buFont typeface="Arial"/>
-      <a:defRPr b="0" i="0" sz="1400" u="none" cap="none" strike="noStrike">
+      <a:defRPr sz="1400" b="0" i="0" u="none" strike="noStrike" cap="none">
         <a:solidFill>
           <a:srgbClr val="000000"/>
         </a:solidFill>
@@ -251,7 +252,7 @@
   </p:defaultTextStyle>
   <p:extLst>
     <p:ext uri="{EFAFB233-063F-42B5-8137-9DF3F51BA10A}">
-      <p15:sldGuideLst>
+      <p15:sldGuideLst xmlns:p15="http://schemas.microsoft.com/office/powerpoint/2012/main">
         <p15:guide id="1" orient="horz" pos="1620">
           <p15:clr>
             <a:srgbClr val="A4A3A4"/>
@@ -269,11 +270,16 @@
 </file>
 
 <file path=ppt/notesMasters/notesMaster1.xml><?xml version="1.0" encoding="utf-8"?>
-<p:notesMaster xmlns:a="http://schemas.openxmlformats.org/drawingml/2006/main" xmlns:r="http://schemas.openxmlformats.org/officeDocument/2006/relationships" xmlns:mc="http://schemas.openxmlformats.org/markup-compatibility/2006" xmlns:mv="urn:schemas-microsoft-com:mac:vml" xmlns:p="http://schemas.openxmlformats.org/presentationml/2006/main" xmlns:c="http://schemas.openxmlformats.org/drawingml/2006/chart" xmlns:dgm="http://schemas.openxmlformats.org/drawingml/2006/diagram" xmlns:o="urn:schemas-microsoft-com:office:office" xmlns:v="urn:schemas-microsoft-com:vml" xmlns:pvml="urn:schemas-microsoft-com:office:powerpoint" xmlns:com="http://schemas.openxmlformats.org/drawingml/2006/compatibility" xmlns:p14="http://schemas.microsoft.com/office/powerpoint/2010/main" xmlns:p15="http://schemas.microsoft.com/office/powerpoint/2012/main">
+<p:notesMaster xmlns:a="http://schemas.openxmlformats.org/drawingml/2006/main" xmlns:r="http://schemas.openxmlformats.org/officeDocument/2006/relationships" xmlns:p="http://schemas.openxmlformats.org/presentationml/2006/main">
   <p:cSld>
+    <p:bg>
+      <p:bgRef idx="1001">
+        <a:schemeClr val="bg1"/>
+      </p:bgRef>
+    </p:bg>
     <p:spTree>
       <p:nvGrpSpPr>
-        <p:cNvPr id="2" name="Shape 2"/>
+        <p:cNvPr id="1" name="Shape 2"/>
         <p:cNvGrpSpPr/>
         <p:nvPr/>
       </p:nvGrpSpPr>
@@ -288,9 +294,11 @@
       <p:sp>
         <p:nvSpPr>
           <p:cNvPr id="3" name="Google Shape;3;n"/>
-          <p:cNvSpPr/>
+          <p:cNvSpPr>
+            <a:spLocks noGrp="1" noRot="1" noChangeAspect="1"/>
+          </p:cNvSpPr>
           <p:nvPr>
-            <p:ph idx="2" type="sldImg"/>
+            <p:ph type="sldImg" idx="2"/>
           </p:nvPr>
         </p:nvSpPr>
         <p:spPr>
@@ -299,9 +307,13 @@
             <a:ext cx="6096075" cy="3429000"/>
           </a:xfrm>
           <a:custGeom>
-            <a:rect b="b" l="l" r="r" t="t"/>
+            <a:avLst/>
+            <a:gdLst/>
+            <a:ahLst/>
+            <a:cxnLst/>
+            <a:rect l="l" t="t" r="r" b="b"/>
             <a:pathLst>
-              <a:path extrusionOk="0" h="120000" w="120000">
+              <a:path w="120000" h="120000" extrusionOk="0">
                 <a:moveTo>
                   <a:pt x="0" y="0"/>
                 </a:moveTo>
@@ -319,23 +331,25 @@
             </a:pathLst>
           </a:custGeom>
           <a:noFill/>
-          <a:ln cap="flat" cmpd="sng" w="9525">
+          <a:ln w="9525" cap="flat" cmpd="sng">
             <a:solidFill>
               <a:srgbClr val="000000"/>
             </a:solidFill>
             <a:prstDash val="solid"/>
             <a:round/>
-            <a:headEnd len="sm" w="sm" type="none"/>
-            <a:tailEnd len="sm" w="sm" type="none"/>
+            <a:headEnd type="none" w="sm" len="sm"/>
+            <a:tailEnd type="none" w="sm" len="sm"/>
           </a:ln>
         </p:spPr>
       </p:sp>
       <p:sp>
         <p:nvSpPr>
           <p:cNvPr id="4" name="Google Shape;4;n"/>
-          <p:cNvSpPr txBox="1"/>
+          <p:cNvSpPr txBox="1">
+            <a:spLocks noGrp="1"/>
+          </p:cNvSpPr>
           <p:nvPr>
-            <p:ph idx="1" type="body"/>
+            <p:ph type="body" idx="1"/>
           </p:nvPr>
         </p:nvSpPr>
         <p:spPr>
@@ -352,11 +366,11 @@
           </a:ln>
         </p:spPr>
         <p:txBody>
-          <a:bodyPr anchorCtr="0" anchor="t" bIns="91425" lIns="91425" spcFirstLastPara="1" rIns="91425" wrap="square" tIns="91425">
+          <a:bodyPr spcFirstLastPara="1" wrap="square" lIns="91425" tIns="91425" rIns="91425" bIns="91425" anchor="t" anchorCtr="0">
             <a:noAutofit/>
           </a:bodyPr>
           <a:lstStyle>
-            <a:lvl1pPr indent="-298450" lvl="0" marL="457200">
+            <a:lvl1pPr marL="457200" lvl="0" indent="-298450">
               <a:spcBef>
                 <a:spcPts val="0"/>
               </a:spcBef>
@@ -367,7 +381,7 @@
               <a:buChar char="●"/>
               <a:defRPr sz="1100"/>
             </a:lvl1pPr>
-            <a:lvl2pPr indent="-298450" lvl="1" marL="914400">
+            <a:lvl2pPr marL="914400" lvl="1" indent="-298450">
               <a:spcBef>
                 <a:spcPts val="0"/>
               </a:spcBef>
@@ -378,7 +392,7 @@
               <a:buChar char="○"/>
               <a:defRPr sz="1100"/>
             </a:lvl2pPr>
-            <a:lvl3pPr indent="-298450" lvl="2" marL="1371600">
+            <a:lvl3pPr marL="1371600" lvl="2" indent="-298450">
               <a:spcBef>
                 <a:spcPts val="0"/>
               </a:spcBef>
@@ -389,7 +403,7 @@
               <a:buChar char="■"/>
               <a:defRPr sz="1100"/>
             </a:lvl3pPr>
-            <a:lvl4pPr indent="-298450" lvl="3" marL="1828800">
+            <a:lvl4pPr marL="1828800" lvl="3" indent="-298450">
               <a:spcBef>
                 <a:spcPts val="0"/>
               </a:spcBef>
@@ -400,7 +414,7 @@
               <a:buChar char="●"/>
               <a:defRPr sz="1100"/>
             </a:lvl4pPr>
-            <a:lvl5pPr indent="-298450" lvl="4" marL="2286000">
+            <a:lvl5pPr marL="2286000" lvl="4" indent="-298450">
               <a:spcBef>
                 <a:spcPts val="0"/>
               </a:spcBef>
@@ -411,7 +425,7 @@
               <a:buChar char="○"/>
               <a:defRPr sz="1100"/>
             </a:lvl5pPr>
-            <a:lvl6pPr indent="-298450" lvl="5" marL="2743200">
+            <a:lvl6pPr marL="2743200" lvl="5" indent="-298450">
               <a:spcBef>
                 <a:spcPts val="0"/>
               </a:spcBef>
@@ -422,7 +436,7 @@
               <a:buChar char="■"/>
               <a:defRPr sz="1100"/>
             </a:lvl6pPr>
-            <a:lvl7pPr indent="-298450" lvl="6" marL="3200400">
+            <a:lvl7pPr marL="3200400" lvl="6" indent="-298450">
               <a:spcBef>
                 <a:spcPts val="0"/>
               </a:spcBef>
@@ -433,7 +447,7 @@
               <a:buChar char="●"/>
               <a:defRPr sz="1100"/>
             </a:lvl7pPr>
-            <a:lvl8pPr indent="-298450" lvl="7" marL="3657600">
+            <a:lvl8pPr marL="3657600" lvl="7" indent="-298450">
               <a:spcBef>
                 <a:spcPts val="0"/>
               </a:spcBef>
@@ -444,7 +458,7 @@
               <a:buChar char="○"/>
               <a:defRPr sz="1100"/>
             </a:lvl8pPr>
-            <a:lvl9pPr indent="-298450" lvl="8" marL="4114800">
+            <a:lvl9pPr marL="4114800" lvl="8" indent="-298450">
               <a:spcBef>
                 <a:spcPts val="0"/>
               </a:spcBef>
@@ -456,14 +470,16 @@
               <a:defRPr sz="1100"/>
             </a:lvl9pPr>
           </a:lstStyle>
-          <a:p/>
+          <a:p>
+            <a:endParaRPr/>
+          </a:p>
         </p:txBody>
       </p:sp>
     </p:spTree>
   </p:cSld>
-  <p:clrMap accent1="accent1" accent2="accent2" accent3="accent3" accent4="accent4" accent5="accent5" accent6="accent6" bg1="lt1" bg2="dk2" tx1="dk1" tx2="lt2" folHlink="folHlink" hlink="hlink"/>
+  <p:clrMap bg1="lt1" tx1="dk1" bg2="dk2" tx2="lt2" accent1="accent1" accent2="accent2" accent3="accent3" accent4="accent4" accent5="accent5" accent6="accent6" hlink="hlink" folHlink="folHlink"/>
   <p:notesStyle>
-    <a:defPPr lvl="0" marR="0" rtl="0" algn="l">
+    <a:defPPr marR="0" lvl="0" algn="l" rtl="0">
       <a:lnSpc>
         <a:spcPct val="100000"/>
       </a:lnSpc>
@@ -474,7 +490,7 @@
         <a:spcPts val="0"/>
       </a:spcAft>
     </a:defPPr>
-    <a:lvl1pPr lvl="0" marR="0" rtl="0" algn="l">
+    <a:lvl1pPr marR="0" lvl="0" algn="l" rtl="0">
       <a:lnSpc>
         <a:spcPct val="100000"/>
       </a:lnSpc>
@@ -488,7 +504,7 @@
         <a:srgbClr val="000000"/>
       </a:buClr>
       <a:buFont typeface="Arial"/>
-      <a:defRPr b="0" i="0" sz="1400" u="none" cap="none" strike="noStrike">
+      <a:defRPr sz="1400" b="0" i="0" u="none" strike="noStrike" cap="none">
         <a:solidFill>
           <a:srgbClr val="000000"/>
         </a:solidFill>
@@ -498,7 +514,7 @@
         <a:sym typeface="Arial"/>
       </a:defRPr>
     </a:lvl1pPr>
-    <a:lvl2pPr lvl="1" marR="0" rtl="0" algn="l">
+    <a:lvl2pPr marR="0" lvl="1" algn="l" rtl="0">
       <a:lnSpc>
         <a:spcPct val="100000"/>
       </a:lnSpc>
@@ -512,7 +528,7 @@
         <a:srgbClr val="000000"/>
       </a:buClr>
       <a:buFont typeface="Arial"/>
-      <a:defRPr b="0" i="0" sz="1400" u="none" cap="none" strike="noStrike">
+      <a:defRPr sz="1400" b="0" i="0" u="none" strike="noStrike" cap="none">
         <a:solidFill>
           <a:srgbClr val="000000"/>
         </a:solidFill>
@@ -522,7 +538,7 @@
         <a:sym typeface="Arial"/>
       </a:defRPr>
     </a:lvl2pPr>
-    <a:lvl3pPr lvl="2" marR="0" rtl="0" algn="l">
+    <a:lvl3pPr marR="0" lvl="2" algn="l" rtl="0">
       <a:lnSpc>
         <a:spcPct val="100000"/>
       </a:lnSpc>
@@ -536,7 +552,7 @@
         <a:srgbClr val="000000"/>
       </a:buClr>
       <a:buFont typeface="Arial"/>
-      <a:defRPr b="0" i="0" sz="1400" u="none" cap="none" strike="noStrike">
+      <a:defRPr sz="1400" b="0" i="0" u="none" strike="noStrike" cap="none">
         <a:solidFill>
           <a:srgbClr val="000000"/>
         </a:solidFill>
@@ -546,7 +562,7 @@
         <a:sym typeface="Arial"/>
       </a:defRPr>
     </a:lvl3pPr>
-    <a:lvl4pPr lvl="3" marR="0" rtl="0" algn="l">
+    <a:lvl4pPr marR="0" lvl="3" algn="l" rtl="0">
       <a:lnSpc>
         <a:spcPct val="100000"/>
       </a:lnSpc>
@@ -560,7 +576,7 @@
         <a:srgbClr val="000000"/>
       </a:buClr>
       <a:buFont typeface="Arial"/>
-      <a:defRPr b="0" i="0" sz="1400" u="none" cap="none" strike="noStrike">
+      <a:defRPr sz="1400" b="0" i="0" u="none" strike="noStrike" cap="none">
         <a:solidFill>
           <a:srgbClr val="000000"/>
         </a:solidFill>
@@ -570,7 +586,7 @@
         <a:sym typeface="Arial"/>
       </a:defRPr>
     </a:lvl4pPr>
-    <a:lvl5pPr lvl="4" marR="0" rtl="0" algn="l">
+    <a:lvl5pPr marR="0" lvl="4" algn="l" rtl="0">
       <a:lnSpc>
         <a:spcPct val="100000"/>
       </a:lnSpc>
@@ -584,7 +600,7 @@
         <a:srgbClr val="000000"/>
       </a:buClr>
       <a:buFont typeface="Arial"/>
-      <a:defRPr b="0" i="0" sz="1400" u="none" cap="none" strike="noStrike">
+      <a:defRPr sz="1400" b="0" i="0" u="none" strike="noStrike" cap="none">
         <a:solidFill>
           <a:srgbClr val="000000"/>
         </a:solidFill>
@@ -594,7 +610,7 @@
         <a:sym typeface="Arial"/>
       </a:defRPr>
     </a:lvl5pPr>
-    <a:lvl6pPr lvl="5" marR="0" rtl="0" algn="l">
+    <a:lvl6pPr marR="0" lvl="5" algn="l" rtl="0">
       <a:lnSpc>
         <a:spcPct val="100000"/>
       </a:lnSpc>
@@ -608,7 +624,7 @@
         <a:srgbClr val="000000"/>
       </a:buClr>
       <a:buFont typeface="Arial"/>
-      <a:defRPr b="0" i="0" sz="1400" u="none" cap="none" strike="noStrike">
+      <a:defRPr sz="1400" b="0" i="0" u="none" strike="noStrike" cap="none">
         <a:solidFill>
           <a:srgbClr val="000000"/>
         </a:solidFill>
@@ -618,7 +634,7 @@
         <a:sym typeface="Arial"/>
       </a:defRPr>
     </a:lvl6pPr>
-    <a:lvl7pPr lvl="6" marR="0" rtl="0" algn="l">
+    <a:lvl7pPr marR="0" lvl="6" algn="l" rtl="0">
       <a:lnSpc>
         <a:spcPct val="100000"/>
       </a:lnSpc>
@@ -632,7 +648,7 @@
         <a:srgbClr val="000000"/>
       </a:buClr>
       <a:buFont typeface="Arial"/>
-      <a:defRPr b="0" i="0" sz="1400" u="none" cap="none" strike="noStrike">
+      <a:defRPr sz="1400" b="0" i="0" u="none" strike="noStrike" cap="none">
         <a:solidFill>
           <a:srgbClr val="000000"/>
         </a:solidFill>
@@ -642,7 +658,7 @@
         <a:sym typeface="Arial"/>
       </a:defRPr>
     </a:lvl7pPr>
-    <a:lvl8pPr lvl="7" marR="0" rtl="0" algn="l">
+    <a:lvl8pPr marR="0" lvl="7" algn="l" rtl="0">
       <a:lnSpc>
         <a:spcPct val="100000"/>
       </a:lnSpc>
@@ -656,7 +672,7 @@
         <a:srgbClr val="000000"/>
       </a:buClr>
       <a:buFont typeface="Arial"/>
-      <a:defRPr b="0" i="0" sz="1400" u="none" cap="none" strike="noStrike">
+      <a:defRPr sz="1400" b="0" i="0" u="none" strike="noStrike" cap="none">
         <a:solidFill>
           <a:srgbClr val="000000"/>
         </a:solidFill>
@@ -666,7 +682,7 @@
         <a:sym typeface="Arial"/>
       </a:defRPr>
     </a:lvl8pPr>
-    <a:lvl9pPr lvl="8" marR="0" rtl="0" algn="l">
+    <a:lvl9pPr marR="0" lvl="8" algn="l" rtl="0">
       <a:lnSpc>
         <a:spcPct val="100000"/>
       </a:lnSpc>
@@ -680,7 +696,7 @@
         <a:srgbClr val="000000"/>
       </a:buClr>
       <a:buFont typeface="Arial"/>
-      <a:defRPr b="0" i="0" sz="1400" u="none" cap="none" strike="noStrike">
+      <a:defRPr sz="1400" b="0" i="0" u="none" strike="noStrike" cap="none">
         <a:solidFill>
           <a:srgbClr val="000000"/>
         </a:solidFill>
@@ -695,110 +711,11 @@
 </file>
 
 <file path=ppt/notesSlides/notesSlide1.xml><?xml version="1.0" encoding="utf-8"?>
-<p:notes xmlns:a="http://schemas.openxmlformats.org/drawingml/2006/main" xmlns:r="http://schemas.openxmlformats.org/officeDocument/2006/relationships" xmlns:mc="http://schemas.openxmlformats.org/markup-compatibility/2006" xmlns:mv="urn:schemas-microsoft-com:mac:vml" xmlns:p="http://schemas.openxmlformats.org/presentationml/2006/main" xmlns:c="http://schemas.openxmlformats.org/drawingml/2006/chart" xmlns:dgm="http://schemas.openxmlformats.org/drawingml/2006/diagram" xmlns:o="urn:schemas-microsoft-com:office:office" xmlns:v="urn:schemas-microsoft-com:vml" xmlns:pvml="urn:schemas-microsoft-com:office:powerpoint" xmlns:com="http://schemas.openxmlformats.org/drawingml/2006/compatibility" xmlns:p14="http://schemas.microsoft.com/office/powerpoint/2010/main" xmlns:p15="http://schemas.microsoft.com/office/powerpoint/2012/main" showMasterPhAnim="0" showMasterSp="0">
+<p:notes xmlns:a="http://schemas.openxmlformats.org/drawingml/2006/main" xmlns:r="http://schemas.openxmlformats.org/officeDocument/2006/relationships" xmlns:p="http://schemas.openxmlformats.org/presentationml/2006/main" showMasterSp="0" showMasterPhAnim="0">
   <p:cSld>
     <p:spTree>
       <p:nvGrpSpPr>
-        <p:cNvPr id="51" name="Shape 51"/>
-        <p:cNvGrpSpPr/>
-        <p:nvPr/>
-      </p:nvGrpSpPr>
-      <p:grpSpPr>
-        <a:xfrm>
-          <a:off x="0" y="0"/>
-          <a:ext cx="0" cy="0"/>
-          <a:chOff x="0" y="0"/>
-          <a:chExt cx="0" cy="0"/>
-        </a:xfrm>
-      </p:grpSpPr>
-      <p:sp>
-        <p:nvSpPr>
-          <p:cNvPr id="52" name="Google Shape;52;p:notes"/>
-          <p:cNvSpPr/>
-          <p:nvPr>
-            <p:ph idx="2" type="sldImg"/>
-          </p:nvPr>
-        </p:nvSpPr>
-        <p:spPr>
-          <a:xfrm>
-            <a:off x="381300" y="685800"/>
-            <a:ext cx="6096075" cy="3429000"/>
-          </a:xfrm>
-          <a:custGeom>
-            <a:rect b="b" l="l" r="r" t="t"/>
-            <a:pathLst>
-              <a:path extrusionOk="0" h="120000" w="120000">
-                <a:moveTo>
-                  <a:pt x="0" y="0"/>
-                </a:moveTo>
-                <a:lnTo>
-                  <a:pt x="120000" y="0"/>
-                </a:lnTo>
-                <a:lnTo>
-                  <a:pt x="120000" y="120000"/>
-                </a:lnTo>
-                <a:lnTo>
-                  <a:pt x="0" y="120000"/>
-                </a:lnTo>
-                <a:close/>
-              </a:path>
-            </a:pathLst>
-          </a:custGeom>
-        </p:spPr>
-      </p:sp>
-      <p:sp>
-        <p:nvSpPr>
-          <p:cNvPr id="53" name="Google Shape;53;p:notes"/>
-          <p:cNvSpPr txBox="1"/>
-          <p:nvPr>
-            <p:ph idx="1" type="body"/>
-          </p:nvPr>
-        </p:nvSpPr>
-        <p:spPr>
-          <a:xfrm>
-            <a:off x="685800" y="4343400"/>
-            <a:ext cx="5486400" cy="4114800"/>
-          </a:xfrm>
-          <a:prstGeom prst="rect">
-            <a:avLst/>
-          </a:prstGeom>
-        </p:spPr>
-        <p:txBody>
-          <a:bodyPr anchorCtr="0" anchor="t" bIns="91425" lIns="91425" spcFirstLastPara="1" rIns="91425" wrap="square" tIns="91425">
-            <a:noAutofit/>
-          </a:bodyPr>
-          <a:lstStyle/>
-          <a:p>
-            <a:pPr indent="0" lvl="0" marL="0" rtl="0" algn="l">
-              <a:spcBef>
-                <a:spcPts val="0"/>
-              </a:spcBef>
-              <a:spcAft>
-                <a:spcPts val="0"/>
-              </a:spcAft>
-              <a:buNone/>
-            </a:pPr>
-            <a:r>
-              <a:t/>
-            </a:r>
-            <a:endParaRPr/>
-          </a:p>
-        </p:txBody>
-      </p:sp>
-    </p:spTree>
-  </p:cSld>
-  <p:clrMapOvr>
-    <a:masterClrMapping/>
-  </p:clrMapOvr>
-</p:notes>
-</file>
-
-<file path=ppt/notesSlides/notesSlide2.xml><?xml version="1.0" encoding="utf-8"?>
-<p:notes xmlns:a="http://schemas.openxmlformats.org/drawingml/2006/main" xmlns:r="http://schemas.openxmlformats.org/officeDocument/2006/relationships" xmlns:mc="http://schemas.openxmlformats.org/markup-compatibility/2006" xmlns:mv="urn:schemas-microsoft-com:mac:vml" xmlns:p="http://schemas.openxmlformats.org/presentationml/2006/main" xmlns:c="http://schemas.openxmlformats.org/drawingml/2006/chart" xmlns:dgm="http://schemas.openxmlformats.org/drawingml/2006/diagram" xmlns:o="urn:schemas-microsoft-com:office:office" xmlns:v="urn:schemas-microsoft-com:vml" xmlns:pvml="urn:schemas-microsoft-com:office:powerpoint" xmlns:com="http://schemas.openxmlformats.org/drawingml/2006/compatibility" xmlns:p14="http://schemas.microsoft.com/office/powerpoint/2010/main" xmlns:p15="http://schemas.microsoft.com/office/powerpoint/2012/main" showMasterPhAnim="0" showMasterSp="0">
-  <p:cSld>
-    <p:spTree>
-      <p:nvGrpSpPr>
-        <p:cNvPr id="57" name="Shape 57"/>
+        <p:cNvPr id="1" name="Shape 57"/>
         <p:cNvGrpSpPr/>
         <p:nvPr/>
       </p:nvGrpSpPr>
@@ -813,20 +730,26 @@
       <p:sp>
         <p:nvSpPr>
           <p:cNvPr id="58" name="Google Shape;58;g87ada24208_0_0:notes"/>
-          <p:cNvSpPr/>
+          <p:cNvSpPr>
+            <a:spLocks noGrp="1" noRot="1" noChangeAspect="1"/>
+          </p:cNvSpPr>
           <p:nvPr>
-            <p:ph idx="2" type="sldImg"/>
+            <p:ph type="sldImg" idx="2"/>
           </p:nvPr>
         </p:nvSpPr>
         <p:spPr>
           <a:xfrm>
-            <a:off x="381300" y="685800"/>
+            <a:off x="381000" y="685800"/>
             <a:ext cx="6096000" cy="3429000"/>
           </a:xfrm>
           <a:custGeom>
-            <a:rect b="b" l="l" r="r" t="t"/>
+            <a:avLst/>
+            <a:gdLst/>
+            <a:ahLst/>
+            <a:cxnLst/>
+            <a:rect l="l" t="t" r="r" b="b"/>
             <a:pathLst>
-              <a:path extrusionOk="0" h="120000" w="120000">
+              <a:path w="120000" h="120000" extrusionOk="0">
                 <a:moveTo>
                   <a:pt x="0" y="0"/>
                 </a:moveTo>
@@ -848,9 +771,11 @@
       <p:sp>
         <p:nvSpPr>
           <p:cNvPr id="59" name="Google Shape;59;g87ada24208_0_0:notes"/>
-          <p:cNvSpPr txBox="1"/>
+          <p:cNvSpPr txBox="1">
+            <a:spLocks noGrp="1"/>
+          </p:cNvSpPr>
           <p:nvPr>
-            <p:ph idx="1" type="body"/>
+            <p:ph type="body" idx="1"/>
           </p:nvPr>
         </p:nvSpPr>
         <p:spPr>
@@ -863,12 +788,12 @@
           </a:prstGeom>
         </p:spPr>
         <p:txBody>
-          <a:bodyPr anchorCtr="0" anchor="t" bIns="91425" lIns="91425" spcFirstLastPara="1" rIns="91425" wrap="square" tIns="91425">
+          <a:bodyPr spcFirstLastPara="1" wrap="square" lIns="91425" tIns="91425" rIns="91425" bIns="91425" anchor="t" anchorCtr="0">
             <a:noAutofit/>
           </a:bodyPr>
           <a:lstStyle/>
           <a:p>
-            <a:pPr indent="0" lvl="0" marL="0" rtl="0" algn="l">
+            <a:pPr marL="0" lvl="0" indent="0" algn="l" rtl="0">
               <a:spcBef>
                 <a:spcPts val="0"/>
               </a:spcBef>
@@ -877,9 +802,6 @@
               </a:spcAft>
               <a:buNone/>
             </a:pPr>
-            <a:r>
-              <a:t/>
-            </a:r>
             <a:endParaRPr/>
           </a:p>
         </p:txBody>
@@ -892,12 +814,12 @@
 </p:notes>
 </file>
 
-<file path=ppt/notesSlides/notesSlide3.xml><?xml version="1.0" encoding="utf-8"?>
-<p:notes xmlns:a="http://schemas.openxmlformats.org/drawingml/2006/main" xmlns:r="http://schemas.openxmlformats.org/officeDocument/2006/relationships" xmlns:mc="http://schemas.openxmlformats.org/markup-compatibility/2006" xmlns:mv="urn:schemas-microsoft-com:mac:vml" xmlns:p="http://schemas.openxmlformats.org/presentationml/2006/main" xmlns:c="http://schemas.openxmlformats.org/drawingml/2006/chart" xmlns:dgm="http://schemas.openxmlformats.org/drawingml/2006/diagram" xmlns:o="urn:schemas-microsoft-com:office:office" xmlns:v="urn:schemas-microsoft-com:vml" xmlns:pvml="urn:schemas-microsoft-com:office:powerpoint" xmlns:com="http://schemas.openxmlformats.org/drawingml/2006/compatibility" xmlns:p14="http://schemas.microsoft.com/office/powerpoint/2010/main" xmlns:p15="http://schemas.microsoft.com/office/powerpoint/2012/main" showMasterPhAnim="0" showMasterSp="0">
+<file path=ppt/notesSlides/notesSlide2.xml><?xml version="1.0" encoding="utf-8"?>
+<p:notes xmlns:a="http://schemas.openxmlformats.org/drawingml/2006/main" xmlns:r="http://schemas.openxmlformats.org/officeDocument/2006/relationships" xmlns:p="http://schemas.openxmlformats.org/presentationml/2006/main" showMasterSp="0" showMasterPhAnim="0">
   <p:cSld>
     <p:spTree>
       <p:nvGrpSpPr>
-        <p:cNvPr id="64" name="Shape 64"/>
+        <p:cNvPr id="1" name="Shape 64"/>
         <p:cNvGrpSpPr/>
         <p:nvPr/>
       </p:nvGrpSpPr>
@@ -912,20 +834,26 @@
       <p:sp>
         <p:nvSpPr>
           <p:cNvPr id="65" name="Google Shape;65;g80b28c9f29_0_3:notes"/>
-          <p:cNvSpPr/>
+          <p:cNvSpPr>
+            <a:spLocks noGrp="1" noRot="1" noChangeAspect="1"/>
+          </p:cNvSpPr>
           <p:nvPr>
-            <p:ph idx="2" type="sldImg"/>
+            <p:ph type="sldImg" idx="2"/>
           </p:nvPr>
         </p:nvSpPr>
         <p:spPr>
           <a:xfrm>
-            <a:off x="381300" y="685800"/>
+            <a:off x="381000" y="685800"/>
             <a:ext cx="6096000" cy="3429000"/>
           </a:xfrm>
           <a:custGeom>
-            <a:rect b="b" l="l" r="r" t="t"/>
+            <a:avLst/>
+            <a:gdLst/>
+            <a:ahLst/>
+            <a:cxnLst/>
+            <a:rect l="l" t="t" r="r" b="b"/>
             <a:pathLst>
-              <a:path extrusionOk="0" h="120000" w="120000">
+              <a:path w="120000" h="120000" extrusionOk="0">
                 <a:moveTo>
                   <a:pt x="0" y="0"/>
                 </a:moveTo>
@@ -947,9 +875,11 @@
       <p:sp>
         <p:nvSpPr>
           <p:cNvPr id="66" name="Google Shape;66;g80b28c9f29_0_3:notes"/>
-          <p:cNvSpPr txBox="1"/>
+          <p:cNvSpPr txBox="1">
+            <a:spLocks noGrp="1"/>
+          </p:cNvSpPr>
           <p:nvPr>
-            <p:ph idx="1" type="body"/>
+            <p:ph type="body" idx="1"/>
           </p:nvPr>
         </p:nvSpPr>
         <p:spPr>
@@ -962,12 +892,12 @@
           </a:prstGeom>
         </p:spPr>
         <p:txBody>
-          <a:bodyPr anchorCtr="0" anchor="t" bIns="91425" lIns="91425" spcFirstLastPara="1" rIns="91425" wrap="square" tIns="91425">
+          <a:bodyPr spcFirstLastPara="1" wrap="square" lIns="91425" tIns="91425" rIns="91425" bIns="91425" anchor="t" anchorCtr="0">
             <a:noAutofit/>
           </a:bodyPr>
           <a:lstStyle/>
           <a:p>
-            <a:pPr indent="0" lvl="0" marL="0" rtl="0" algn="l">
+            <a:pPr marL="0" lvl="0" indent="0" algn="l" rtl="0">
               <a:spcBef>
                 <a:spcPts val="0"/>
               </a:spcBef>
@@ -976,9 +906,6 @@
               </a:spcAft>
               <a:buNone/>
             </a:pPr>
-            <a:r>
-              <a:t/>
-            </a:r>
             <a:endParaRPr/>
           </a:p>
         </p:txBody>
@@ -991,12 +918,12 @@
 </p:notes>
 </file>
 
-<file path=ppt/notesSlides/notesSlide4.xml><?xml version="1.0" encoding="utf-8"?>
-<p:notes xmlns:a="http://schemas.openxmlformats.org/drawingml/2006/main" xmlns:r="http://schemas.openxmlformats.org/officeDocument/2006/relationships" xmlns:mc="http://schemas.openxmlformats.org/markup-compatibility/2006" xmlns:mv="urn:schemas-microsoft-com:mac:vml" xmlns:p="http://schemas.openxmlformats.org/presentationml/2006/main" xmlns:c="http://schemas.openxmlformats.org/drawingml/2006/chart" xmlns:dgm="http://schemas.openxmlformats.org/drawingml/2006/diagram" xmlns:o="urn:schemas-microsoft-com:office:office" xmlns:v="urn:schemas-microsoft-com:vml" xmlns:pvml="urn:schemas-microsoft-com:office:powerpoint" xmlns:com="http://schemas.openxmlformats.org/drawingml/2006/compatibility" xmlns:p14="http://schemas.microsoft.com/office/powerpoint/2010/main" xmlns:p15="http://schemas.microsoft.com/office/powerpoint/2012/main" showMasterPhAnim="0" showMasterSp="0">
+<file path=ppt/notesSlides/notesSlide3.xml><?xml version="1.0" encoding="utf-8"?>
+<p:notes xmlns:a="http://schemas.openxmlformats.org/drawingml/2006/main" xmlns:r="http://schemas.openxmlformats.org/officeDocument/2006/relationships" xmlns:p="http://schemas.openxmlformats.org/presentationml/2006/main" showMasterSp="0" showMasterPhAnim="0">
   <p:cSld>
     <p:spTree>
       <p:nvGrpSpPr>
-        <p:cNvPr id="70" name="Shape 70"/>
+        <p:cNvPr id="1" name="Shape 70"/>
         <p:cNvGrpSpPr/>
         <p:nvPr/>
       </p:nvGrpSpPr>
@@ -1011,20 +938,26 @@
       <p:sp>
         <p:nvSpPr>
           <p:cNvPr id="71" name="Google Shape;71;g80b28c9f29_0_8:notes"/>
-          <p:cNvSpPr/>
+          <p:cNvSpPr>
+            <a:spLocks noGrp="1" noRot="1" noChangeAspect="1"/>
+          </p:cNvSpPr>
           <p:nvPr>
-            <p:ph idx="2" type="sldImg"/>
+            <p:ph type="sldImg" idx="2"/>
           </p:nvPr>
         </p:nvSpPr>
         <p:spPr>
           <a:xfrm>
-            <a:off x="381300" y="685800"/>
+            <a:off x="381000" y="685800"/>
             <a:ext cx="6096000" cy="3429000"/>
           </a:xfrm>
           <a:custGeom>
-            <a:rect b="b" l="l" r="r" t="t"/>
+            <a:avLst/>
+            <a:gdLst/>
+            <a:ahLst/>
+            <a:cxnLst/>
+            <a:rect l="l" t="t" r="r" b="b"/>
             <a:pathLst>
-              <a:path extrusionOk="0" h="120000" w="120000">
+              <a:path w="120000" h="120000" extrusionOk="0">
                 <a:moveTo>
                   <a:pt x="0" y="0"/>
                 </a:moveTo>
@@ -1046,9 +979,11 @@
       <p:sp>
         <p:nvSpPr>
           <p:cNvPr id="72" name="Google Shape;72;g80b28c9f29_0_8:notes"/>
-          <p:cNvSpPr txBox="1"/>
+          <p:cNvSpPr txBox="1">
+            <a:spLocks noGrp="1"/>
+          </p:cNvSpPr>
           <p:nvPr>
-            <p:ph idx="1" type="body"/>
+            <p:ph type="body" idx="1"/>
           </p:nvPr>
         </p:nvSpPr>
         <p:spPr>
@@ -1061,12 +996,12 @@
           </a:prstGeom>
         </p:spPr>
         <p:txBody>
-          <a:bodyPr anchorCtr="0" anchor="t" bIns="91425" lIns="91425" spcFirstLastPara="1" rIns="91425" wrap="square" tIns="91425">
+          <a:bodyPr spcFirstLastPara="1" wrap="square" lIns="91425" tIns="91425" rIns="91425" bIns="91425" anchor="t" anchorCtr="0">
             <a:noAutofit/>
           </a:bodyPr>
           <a:lstStyle/>
           <a:p>
-            <a:pPr indent="0" lvl="0" marL="0" rtl="0" algn="l">
+            <a:pPr marL="0" lvl="0" indent="0" algn="l" rtl="0">
               <a:spcBef>
                 <a:spcPts val="0"/>
               </a:spcBef>
@@ -1075,9 +1010,6 @@
               </a:spcAft>
               <a:buNone/>
             </a:pPr>
-            <a:r>
-              <a:t/>
-            </a:r>
             <a:endParaRPr/>
           </a:p>
         </p:txBody>
@@ -1090,12 +1022,12 @@
 </p:notes>
 </file>
 
-<file path=ppt/notesSlides/notesSlide5.xml><?xml version="1.0" encoding="utf-8"?>
-<p:notes xmlns:a="http://schemas.openxmlformats.org/drawingml/2006/main" xmlns:r="http://schemas.openxmlformats.org/officeDocument/2006/relationships" xmlns:mc="http://schemas.openxmlformats.org/markup-compatibility/2006" xmlns:mv="urn:schemas-microsoft-com:mac:vml" xmlns:p="http://schemas.openxmlformats.org/presentationml/2006/main" xmlns:c="http://schemas.openxmlformats.org/drawingml/2006/chart" xmlns:dgm="http://schemas.openxmlformats.org/drawingml/2006/diagram" xmlns:o="urn:schemas-microsoft-com:office:office" xmlns:v="urn:schemas-microsoft-com:vml" xmlns:pvml="urn:schemas-microsoft-com:office:powerpoint" xmlns:com="http://schemas.openxmlformats.org/drawingml/2006/compatibility" xmlns:p14="http://schemas.microsoft.com/office/powerpoint/2010/main" xmlns:p15="http://schemas.microsoft.com/office/powerpoint/2012/main" showMasterPhAnim="0" showMasterSp="0">
+<file path=ppt/notesSlides/notesSlide4.xml><?xml version="1.0" encoding="utf-8"?>
+<p:notes xmlns:a="http://schemas.openxmlformats.org/drawingml/2006/main" xmlns:r="http://schemas.openxmlformats.org/officeDocument/2006/relationships" xmlns:p="http://schemas.openxmlformats.org/presentationml/2006/main" showMasterSp="0" showMasterPhAnim="0">
   <p:cSld>
     <p:spTree>
       <p:nvGrpSpPr>
-        <p:cNvPr id="76" name="Shape 76"/>
+        <p:cNvPr id="1" name="Shape 76"/>
         <p:cNvGrpSpPr/>
         <p:nvPr/>
       </p:nvGrpSpPr>
@@ -1110,20 +1042,26 @@
       <p:sp>
         <p:nvSpPr>
           <p:cNvPr id="77" name="Google Shape;77;g80b28c9f29_0_13:notes"/>
-          <p:cNvSpPr/>
+          <p:cNvSpPr>
+            <a:spLocks noGrp="1" noRot="1" noChangeAspect="1"/>
+          </p:cNvSpPr>
           <p:nvPr>
-            <p:ph idx="2" type="sldImg"/>
+            <p:ph type="sldImg" idx="2"/>
           </p:nvPr>
         </p:nvSpPr>
         <p:spPr>
           <a:xfrm>
-            <a:off x="381300" y="685800"/>
+            <a:off x="381000" y="685800"/>
             <a:ext cx="6096000" cy="3429000"/>
           </a:xfrm>
           <a:custGeom>
-            <a:rect b="b" l="l" r="r" t="t"/>
+            <a:avLst/>
+            <a:gdLst/>
+            <a:ahLst/>
+            <a:cxnLst/>
+            <a:rect l="l" t="t" r="r" b="b"/>
             <a:pathLst>
-              <a:path extrusionOk="0" h="120000" w="120000">
+              <a:path w="120000" h="120000" extrusionOk="0">
                 <a:moveTo>
                   <a:pt x="0" y="0"/>
                 </a:moveTo>
@@ -1145,9 +1083,11 @@
       <p:sp>
         <p:nvSpPr>
           <p:cNvPr id="78" name="Google Shape;78;g80b28c9f29_0_13:notes"/>
-          <p:cNvSpPr txBox="1"/>
+          <p:cNvSpPr txBox="1">
+            <a:spLocks noGrp="1"/>
+          </p:cNvSpPr>
           <p:nvPr>
-            <p:ph idx="1" type="body"/>
+            <p:ph type="body" idx="1"/>
           </p:nvPr>
         </p:nvSpPr>
         <p:spPr>
@@ -1160,12 +1100,12 @@
           </a:prstGeom>
         </p:spPr>
         <p:txBody>
-          <a:bodyPr anchorCtr="0" anchor="t" bIns="91425" lIns="91425" spcFirstLastPara="1" rIns="91425" wrap="square" tIns="91425">
+          <a:bodyPr spcFirstLastPara="1" wrap="square" lIns="91425" tIns="91425" rIns="91425" bIns="91425" anchor="t" anchorCtr="0">
             <a:noAutofit/>
           </a:bodyPr>
           <a:lstStyle/>
           <a:p>
-            <a:pPr indent="0" lvl="0" marL="0" rtl="0" algn="l">
+            <a:pPr marL="0" lvl="0" indent="0" algn="l" rtl="0">
               <a:spcBef>
                 <a:spcPts val="0"/>
               </a:spcBef>
@@ -1174,9 +1114,6 @@
               </a:spcAft>
               <a:buNone/>
             </a:pPr>
-            <a:r>
-              <a:t/>
-            </a:r>
             <a:endParaRPr/>
           </a:p>
         </p:txBody>
@@ -1189,12 +1126,12 @@
 </p:notes>
 </file>
 
-<file path=ppt/notesSlides/notesSlide6.xml><?xml version="1.0" encoding="utf-8"?>
-<p:notes xmlns:a="http://schemas.openxmlformats.org/drawingml/2006/main" xmlns:r="http://schemas.openxmlformats.org/officeDocument/2006/relationships" xmlns:mc="http://schemas.openxmlformats.org/markup-compatibility/2006" xmlns:mv="urn:schemas-microsoft-com:mac:vml" xmlns:p="http://schemas.openxmlformats.org/presentationml/2006/main" xmlns:c="http://schemas.openxmlformats.org/drawingml/2006/chart" xmlns:dgm="http://schemas.openxmlformats.org/drawingml/2006/diagram" xmlns:o="urn:schemas-microsoft-com:office:office" xmlns:v="urn:schemas-microsoft-com:vml" xmlns:pvml="urn:schemas-microsoft-com:office:powerpoint" xmlns:com="http://schemas.openxmlformats.org/drawingml/2006/compatibility" xmlns:p14="http://schemas.microsoft.com/office/powerpoint/2010/main" xmlns:p15="http://schemas.microsoft.com/office/powerpoint/2012/main" showMasterPhAnim="0" showMasterSp="0">
+<file path=ppt/notesSlides/notesSlide5.xml><?xml version="1.0" encoding="utf-8"?>
+<p:notes xmlns:a="http://schemas.openxmlformats.org/drawingml/2006/main" xmlns:r="http://schemas.openxmlformats.org/officeDocument/2006/relationships" xmlns:p="http://schemas.openxmlformats.org/presentationml/2006/main" showMasterSp="0" showMasterPhAnim="0">
   <p:cSld>
     <p:spTree>
       <p:nvGrpSpPr>
-        <p:cNvPr id="82" name="Shape 82"/>
+        <p:cNvPr id="1" name="Shape 82"/>
         <p:cNvGrpSpPr/>
         <p:nvPr/>
       </p:nvGrpSpPr>
@@ -1209,20 +1146,26 @@
       <p:sp>
         <p:nvSpPr>
           <p:cNvPr id="83" name="Google Shape;83;g80b28c9f29_0_18:notes"/>
-          <p:cNvSpPr/>
+          <p:cNvSpPr>
+            <a:spLocks noGrp="1" noRot="1" noChangeAspect="1"/>
+          </p:cNvSpPr>
           <p:nvPr>
-            <p:ph idx="2" type="sldImg"/>
+            <p:ph type="sldImg" idx="2"/>
           </p:nvPr>
         </p:nvSpPr>
         <p:spPr>
           <a:xfrm>
-            <a:off x="381300" y="685800"/>
+            <a:off x="381000" y="685800"/>
             <a:ext cx="6096000" cy="3429000"/>
           </a:xfrm>
           <a:custGeom>
-            <a:rect b="b" l="l" r="r" t="t"/>
+            <a:avLst/>
+            <a:gdLst/>
+            <a:ahLst/>
+            <a:cxnLst/>
+            <a:rect l="l" t="t" r="r" b="b"/>
             <a:pathLst>
-              <a:path extrusionOk="0" h="120000" w="120000">
+              <a:path w="120000" h="120000" extrusionOk="0">
                 <a:moveTo>
                   <a:pt x="0" y="0"/>
                 </a:moveTo>
@@ -1244,9 +1187,11 @@
       <p:sp>
         <p:nvSpPr>
           <p:cNvPr id="84" name="Google Shape;84;g80b28c9f29_0_18:notes"/>
-          <p:cNvSpPr txBox="1"/>
+          <p:cNvSpPr txBox="1">
+            <a:spLocks noGrp="1"/>
+          </p:cNvSpPr>
           <p:nvPr>
-            <p:ph idx="1" type="body"/>
+            <p:ph type="body" idx="1"/>
           </p:nvPr>
         </p:nvSpPr>
         <p:spPr>
@@ -1259,12 +1204,12 @@
           </a:prstGeom>
         </p:spPr>
         <p:txBody>
-          <a:bodyPr anchorCtr="0" anchor="t" bIns="91425" lIns="91425" spcFirstLastPara="1" rIns="91425" wrap="square" tIns="91425">
+          <a:bodyPr spcFirstLastPara="1" wrap="square" lIns="91425" tIns="91425" rIns="91425" bIns="91425" anchor="t" anchorCtr="0">
             <a:noAutofit/>
           </a:bodyPr>
           <a:lstStyle/>
           <a:p>
-            <a:pPr indent="0" lvl="0" marL="0" rtl="0" algn="l">
+            <a:pPr marL="0" lvl="0" indent="0" algn="l" rtl="0">
               <a:spcBef>
                 <a:spcPts val="0"/>
               </a:spcBef>
@@ -1273,9 +1218,6 @@
               </a:spcAft>
               <a:buNone/>
             </a:pPr>
-            <a:r>
-              <a:t/>
-            </a:r>
             <a:endParaRPr/>
           </a:p>
         </p:txBody>
@@ -1288,12 +1230,12 @@
 </p:notes>
 </file>
 
-<file path=ppt/notesSlides/notesSlide7.xml><?xml version="1.0" encoding="utf-8"?>
-<p:notes xmlns:a="http://schemas.openxmlformats.org/drawingml/2006/main" xmlns:r="http://schemas.openxmlformats.org/officeDocument/2006/relationships" xmlns:mc="http://schemas.openxmlformats.org/markup-compatibility/2006" xmlns:mv="urn:schemas-microsoft-com:mac:vml" xmlns:p="http://schemas.openxmlformats.org/presentationml/2006/main" xmlns:c="http://schemas.openxmlformats.org/drawingml/2006/chart" xmlns:dgm="http://schemas.openxmlformats.org/drawingml/2006/diagram" xmlns:o="urn:schemas-microsoft-com:office:office" xmlns:v="urn:schemas-microsoft-com:vml" xmlns:pvml="urn:schemas-microsoft-com:office:powerpoint" xmlns:com="http://schemas.openxmlformats.org/drawingml/2006/compatibility" xmlns:p14="http://schemas.microsoft.com/office/powerpoint/2010/main" xmlns:p15="http://schemas.microsoft.com/office/powerpoint/2012/main" showMasterPhAnim="0" showMasterSp="0">
+<file path=ppt/notesSlides/notesSlide6.xml><?xml version="1.0" encoding="utf-8"?>
+<p:notes xmlns:a="http://schemas.openxmlformats.org/drawingml/2006/main" xmlns:r="http://schemas.openxmlformats.org/officeDocument/2006/relationships" xmlns:p="http://schemas.openxmlformats.org/presentationml/2006/main" showMasterSp="0" showMasterPhAnim="0">
   <p:cSld>
     <p:spTree>
       <p:nvGrpSpPr>
-        <p:cNvPr id="88" name="Shape 88"/>
+        <p:cNvPr id="1" name="Shape 88"/>
         <p:cNvGrpSpPr/>
         <p:nvPr/>
       </p:nvGrpSpPr>
@@ -1308,20 +1250,26 @@
       <p:sp>
         <p:nvSpPr>
           <p:cNvPr id="89" name="Google Shape;89;g80b28c9f29_0_23:notes"/>
-          <p:cNvSpPr/>
+          <p:cNvSpPr>
+            <a:spLocks noGrp="1" noRot="1" noChangeAspect="1"/>
+          </p:cNvSpPr>
           <p:nvPr>
-            <p:ph idx="2" type="sldImg"/>
+            <p:ph type="sldImg" idx="2"/>
           </p:nvPr>
         </p:nvSpPr>
         <p:spPr>
           <a:xfrm>
-            <a:off x="381300" y="685800"/>
+            <a:off x="381000" y="685800"/>
             <a:ext cx="6096000" cy="3429000"/>
           </a:xfrm>
           <a:custGeom>
-            <a:rect b="b" l="l" r="r" t="t"/>
+            <a:avLst/>
+            <a:gdLst/>
+            <a:ahLst/>
+            <a:cxnLst/>
+            <a:rect l="l" t="t" r="r" b="b"/>
             <a:pathLst>
-              <a:path extrusionOk="0" h="120000" w="120000">
+              <a:path w="120000" h="120000" extrusionOk="0">
                 <a:moveTo>
                   <a:pt x="0" y="0"/>
                 </a:moveTo>
@@ -1343,9 +1291,11 @@
       <p:sp>
         <p:nvSpPr>
           <p:cNvPr id="90" name="Google Shape;90;g80b28c9f29_0_23:notes"/>
-          <p:cNvSpPr txBox="1"/>
+          <p:cNvSpPr txBox="1">
+            <a:spLocks noGrp="1"/>
+          </p:cNvSpPr>
           <p:nvPr>
-            <p:ph idx="1" type="body"/>
+            <p:ph type="body" idx="1"/>
           </p:nvPr>
         </p:nvSpPr>
         <p:spPr>
@@ -1358,12 +1308,12 @@
           </a:prstGeom>
         </p:spPr>
         <p:txBody>
-          <a:bodyPr anchorCtr="0" anchor="t" bIns="91425" lIns="91425" spcFirstLastPara="1" rIns="91425" wrap="square" tIns="91425">
+          <a:bodyPr spcFirstLastPara="1" wrap="square" lIns="91425" tIns="91425" rIns="91425" bIns="91425" anchor="t" anchorCtr="0">
             <a:noAutofit/>
           </a:bodyPr>
           <a:lstStyle/>
           <a:p>
-            <a:pPr indent="0" lvl="0" marL="0" rtl="0" algn="l">
+            <a:pPr marL="0" lvl="0" indent="0" algn="l" rtl="0">
               <a:spcBef>
                 <a:spcPts val="0"/>
               </a:spcBef>
@@ -1372,9 +1322,6 @@
               </a:spcAft>
               <a:buNone/>
             </a:pPr>
-            <a:r>
-              <a:t/>
-            </a:r>
             <a:endParaRPr/>
           </a:p>
         </p:txBody>
@@ -1387,12 +1334,12 @@
 </p:notes>
 </file>
 
-<file path=ppt/notesSlides/notesSlide8.xml><?xml version="1.0" encoding="utf-8"?>
-<p:notes xmlns:a="http://schemas.openxmlformats.org/drawingml/2006/main" xmlns:r="http://schemas.openxmlformats.org/officeDocument/2006/relationships" xmlns:mc="http://schemas.openxmlformats.org/markup-compatibility/2006" xmlns:mv="urn:schemas-microsoft-com:mac:vml" xmlns:p="http://schemas.openxmlformats.org/presentationml/2006/main" xmlns:c="http://schemas.openxmlformats.org/drawingml/2006/chart" xmlns:dgm="http://schemas.openxmlformats.org/drawingml/2006/diagram" xmlns:o="urn:schemas-microsoft-com:office:office" xmlns:v="urn:schemas-microsoft-com:vml" xmlns:pvml="urn:schemas-microsoft-com:office:powerpoint" xmlns:com="http://schemas.openxmlformats.org/drawingml/2006/compatibility" xmlns:p14="http://schemas.microsoft.com/office/powerpoint/2010/main" xmlns:p15="http://schemas.microsoft.com/office/powerpoint/2012/main" showMasterPhAnim="0" showMasterSp="0">
+<file path=ppt/notesSlides/notesSlide7.xml><?xml version="1.0" encoding="utf-8"?>
+<p:notes xmlns:a="http://schemas.openxmlformats.org/drawingml/2006/main" xmlns:r="http://schemas.openxmlformats.org/officeDocument/2006/relationships" xmlns:p="http://schemas.openxmlformats.org/presentationml/2006/main" showMasterSp="0" showMasterPhAnim="0">
   <p:cSld>
     <p:spTree>
       <p:nvGrpSpPr>
-        <p:cNvPr id="94" name="Shape 94"/>
+        <p:cNvPr id="1" name="Shape 94"/>
         <p:cNvGrpSpPr/>
         <p:nvPr/>
       </p:nvGrpSpPr>
@@ -1407,20 +1354,26 @@
       <p:sp>
         <p:nvSpPr>
           <p:cNvPr id="95" name="Google Shape;95;g80b28c9f29_0_28:notes"/>
-          <p:cNvSpPr/>
+          <p:cNvSpPr>
+            <a:spLocks noGrp="1" noRot="1" noChangeAspect="1"/>
+          </p:cNvSpPr>
           <p:nvPr>
-            <p:ph idx="2" type="sldImg"/>
+            <p:ph type="sldImg" idx="2"/>
           </p:nvPr>
         </p:nvSpPr>
         <p:spPr>
           <a:xfrm>
-            <a:off x="381300" y="685800"/>
+            <a:off x="381000" y="685800"/>
             <a:ext cx="6096000" cy="3429000"/>
           </a:xfrm>
           <a:custGeom>
-            <a:rect b="b" l="l" r="r" t="t"/>
+            <a:avLst/>
+            <a:gdLst/>
+            <a:ahLst/>
+            <a:cxnLst/>
+            <a:rect l="l" t="t" r="r" b="b"/>
             <a:pathLst>
-              <a:path extrusionOk="0" h="120000" w="120000">
+              <a:path w="120000" h="120000" extrusionOk="0">
                 <a:moveTo>
                   <a:pt x="0" y="0"/>
                 </a:moveTo>
@@ -1442,9 +1395,11 @@
       <p:sp>
         <p:nvSpPr>
           <p:cNvPr id="96" name="Google Shape;96;g80b28c9f29_0_28:notes"/>
-          <p:cNvSpPr txBox="1"/>
+          <p:cNvSpPr txBox="1">
+            <a:spLocks noGrp="1"/>
+          </p:cNvSpPr>
           <p:nvPr>
-            <p:ph idx="1" type="body"/>
+            <p:ph type="body" idx="1"/>
           </p:nvPr>
         </p:nvSpPr>
         <p:spPr>
@@ -1457,12 +1412,12 @@
           </a:prstGeom>
         </p:spPr>
         <p:txBody>
-          <a:bodyPr anchorCtr="0" anchor="t" bIns="91425" lIns="91425" spcFirstLastPara="1" rIns="91425" wrap="square" tIns="91425">
+          <a:bodyPr spcFirstLastPara="1" wrap="square" lIns="91425" tIns="91425" rIns="91425" bIns="91425" anchor="t" anchorCtr="0">
             <a:noAutofit/>
           </a:bodyPr>
           <a:lstStyle/>
           <a:p>
-            <a:pPr indent="0" lvl="0" marL="0" rtl="0" algn="l">
+            <a:pPr marL="0" lvl="0" indent="0" algn="l" rtl="0">
               <a:spcBef>
                 <a:spcPts val="0"/>
               </a:spcBef>
@@ -1471,9 +1426,6 @@
               </a:spcAft>
               <a:buNone/>
             </a:pPr>
-            <a:r>
-              <a:t/>
-            </a:r>
             <a:endParaRPr/>
           </a:p>
         </p:txBody>
@@ -1486,12 +1438,12 @@
 </p:notes>
 </file>
 
-<file path=ppt/notesSlides/notesSlide9.xml><?xml version="1.0" encoding="utf-8"?>
-<p:notes xmlns:a="http://schemas.openxmlformats.org/drawingml/2006/main" xmlns:r="http://schemas.openxmlformats.org/officeDocument/2006/relationships" xmlns:mc="http://schemas.openxmlformats.org/markup-compatibility/2006" xmlns:mv="urn:schemas-microsoft-com:mac:vml" xmlns:p="http://schemas.openxmlformats.org/presentationml/2006/main" xmlns:c="http://schemas.openxmlformats.org/drawingml/2006/chart" xmlns:dgm="http://schemas.openxmlformats.org/drawingml/2006/diagram" xmlns:o="urn:schemas-microsoft-com:office:office" xmlns:v="urn:schemas-microsoft-com:vml" xmlns:pvml="urn:schemas-microsoft-com:office:powerpoint" xmlns:com="http://schemas.openxmlformats.org/drawingml/2006/compatibility" xmlns:p14="http://schemas.microsoft.com/office/powerpoint/2010/main" xmlns:p15="http://schemas.microsoft.com/office/powerpoint/2012/main" showMasterPhAnim="0" showMasterSp="0">
+<file path=ppt/notesSlides/notesSlide8.xml><?xml version="1.0" encoding="utf-8"?>
+<p:notes xmlns:a="http://schemas.openxmlformats.org/drawingml/2006/main" xmlns:r="http://schemas.openxmlformats.org/officeDocument/2006/relationships" xmlns:p="http://schemas.openxmlformats.org/presentationml/2006/main" showMasterSp="0" showMasterPhAnim="0">
   <p:cSld>
     <p:spTree>
       <p:nvGrpSpPr>
-        <p:cNvPr id="100" name="Shape 100"/>
+        <p:cNvPr id="1" name="Shape 100"/>
         <p:cNvGrpSpPr/>
         <p:nvPr/>
       </p:nvGrpSpPr>
@@ -1506,20 +1458,26 @@
       <p:sp>
         <p:nvSpPr>
           <p:cNvPr id="101" name="Google Shape;101;g80b28c9f29_0_35:notes"/>
-          <p:cNvSpPr/>
+          <p:cNvSpPr>
+            <a:spLocks noGrp="1" noRot="1" noChangeAspect="1"/>
+          </p:cNvSpPr>
           <p:nvPr>
-            <p:ph idx="2" type="sldImg"/>
+            <p:ph type="sldImg" idx="2"/>
           </p:nvPr>
         </p:nvSpPr>
         <p:spPr>
           <a:xfrm>
-            <a:off x="381300" y="685800"/>
+            <a:off x="381000" y="685800"/>
             <a:ext cx="6096000" cy="3429000"/>
           </a:xfrm>
           <a:custGeom>
-            <a:rect b="b" l="l" r="r" t="t"/>
+            <a:avLst/>
+            <a:gdLst/>
+            <a:ahLst/>
+            <a:cxnLst/>
+            <a:rect l="l" t="t" r="r" b="b"/>
             <a:pathLst>
-              <a:path extrusionOk="0" h="120000" w="120000">
+              <a:path w="120000" h="120000" extrusionOk="0">
                 <a:moveTo>
                   <a:pt x="0" y="0"/>
                 </a:moveTo>
@@ -1541,9 +1499,11 @@
       <p:sp>
         <p:nvSpPr>
           <p:cNvPr id="102" name="Google Shape;102;g80b28c9f29_0_35:notes"/>
-          <p:cNvSpPr txBox="1"/>
+          <p:cNvSpPr txBox="1">
+            <a:spLocks noGrp="1"/>
+          </p:cNvSpPr>
           <p:nvPr>
-            <p:ph idx="1" type="body"/>
+            <p:ph type="body" idx="1"/>
           </p:nvPr>
         </p:nvSpPr>
         <p:spPr>
@@ -1556,12 +1516,12 @@
           </a:prstGeom>
         </p:spPr>
         <p:txBody>
-          <a:bodyPr anchorCtr="0" anchor="t" bIns="91425" lIns="91425" spcFirstLastPara="1" rIns="91425" wrap="square" tIns="91425">
+          <a:bodyPr spcFirstLastPara="1" wrap="square" lIns="91425" tIns="91425" rIns="91425" bIns="91425" anchor="t" anchorCtr="0">
             <a:noAutofit/>
           </a:bodyPr>
           <a:lstStyle/>
           <a:p>
-            <a:pPr indent="0" lvl="0" marL="0" rtl="0" algn="l">
+            <a:pPr marL="0" lvl="0" indent="0" algn="l" rtl="0">
               <a:spcBef>
                 <a:spcPts val="0"/>
               </a:spcBef>
@@ -1570,9 +1530,6 @@
               </a:spcAft>
               <a:buNone/>
             </a:pPr>
-            <a:r>
-              <a:t/>
-            </a:r>
             <a:endParaRPr/>
           </a:p>
         </p:txBody>
@@ -1586,11 +1543,11 @@
 </file>
 
 <file path=ppt/slideLayouts/slideLayout1.xml><?xml version="1.0" encoding="utf-8"?>
-<p:sldLayout xmlns:a="http://schemas.openxmlformats.org/drawingml/2006/main" xmlns:r="http://schemas.openxmlformats.org/officeDocument/2006/relationships" xmlns:mc="http://schemas.openxmlformats.org/markup-compatibility/2006" xmlns:mv="urn:schemas-microsoft-com:mac:vml" xmlns:p="http://schemas.openxmlformats.org/presentationml/2006/main" xmlns:c="http://schemas.openxmlformats.org/drawingml/2006/chart" xmlns:dgm="http://schemas.openxmlformats.org/drawingml/2006/diagram" xmlns:o="urn:schemas-microsoft-com:office:office" xmlns:v="urn:schemas-microsoft-com:vml" xmlns:pvml="urn:schemas-microsoft-com:office:powerpoint" xmlns:com="http://schemas.openxmlformats.org/drawingml/2006/compatibility" xmlns:p14="http://schemas.microsoft.com/office/powerpoint/2010/main" xmlns:p15="http://schemas.microsoft.com/office/powerpoint/2012/main" matchingName="Title slide" type="title">
+<p:sldLayout xmlns:a="http://schemas.openxmlformats.org/drawingml/2006/main" xmlns:r="http://schemas.openxmlformats.org/officeDocument/2006/relationships" xmlns:p="http://schemas.openxmlformats.org/presentationml/2006/main" matchingName="Title slide" type="title">
   <p:cSld name="TITLE">
     <p:spTree>
       <p:nvGrpSpPr>
-        <p:cNvPr id="10" name="Shape 10"/>
+        <p:cNvPr id="1" name="Shape 10"/>
         <p:cNvGrpSpPr/>
         <p:nvPr/>
       </p:nvGrpSpPr>
@@ -1605,7 +1562,9 @@
       <p:sp>
         <p:nvSpPr>
           <p:cNvPr id="11" name="Google Shape;11;p2"/>
-          <p:cNvSpPr txBox="1"/>
+          <p:cNvSpPr txBox="1">
+            <a:spLocks noGrp="1"/>
+          </p:cNvSpPr>
           <p:nvPr>
             <p:ph type="ctrTitle"/>
           </p:nvPr>
@@ -1620,7 +1579,7 @@
           </a:prstGeom>
         </p:spPr>
         <p:txBody>
-          <a:bodyPr anchorCtr="0" anchor="b" bIns="91425" lIns="91425" spcFirstLastPara="1" rIns="91425" wrap="square" tIns="91425">
+          <a:bodyPr spcFirstLastPara="1" wrap="square" lIns="91425" tIns="91425" rIns="91425" bIns="91425" anchor="b" anchorCtr="0">
             <a:noAutofit/>
           </a:bodyPr>
           <a:lstStyle>
@@ -1724,15 +1683,19 @@
               <a:defRPr sz="5200"/>
             </a:lvl9pPr>
           </a:lstStyle>
-          <a:p/>
+          <a:p>
+            <a:endParaRPr/>
+          </a:p>
         </p:txBody>
       </p:sp>
       <p:sp>
         <p:nvSpPr>
           <p:cNvPr id="12" name="Google Shape;12;p2"/>
-          <p:cNvSpPr txBox="1"/>
+          <p:cNvSpPr txBox="1">
+            <a:spLocks noGrp="1"/>
+          </p:cNvSpPr>
           <p:nvPr>
-            <p:ph idx="1" type="subTitle"/>
+            <p:ph type="subTitle" idx="1"/>
           </p:nvPr>
         </p:nvSpPr>
         <p:spPr>
@@ -1745,7 +1708,7 @@
           </a:prstGeom>
         </p:spPr>
         <p:txBody>
-          <a:bodyPr anchorCtr="0" anchor="t" bIns="91425" lIns="91425" spcFirstLastPara="1" rIns="91425" wrap="square" tIns="91425">
+          <a:bodyPr spcFirstLastPara="1" wrap="square" lIns="91425" tIns="91425" rIns="91425" bIns="91425" anchor="t" anchorCtr="0">
             <a:noAutofit/>
           </a:bodyPr>
           <a:lstStyle>
@@ -1876,15 +1839,19 @@
               <a:defRPr sz="2800"/>
             </a:lvl9pPr>
           </a:lstStyle>
-          <a:p/>
+          <a:p>
+            <a:endParaRPr/>
+          </a:p>
         </p:txBody>
       </p:sp>
       <p:sp>
         <p:nvSpPr>
           <p:cNvPr id="13" name="Google Shape;13;p2"/>
-          <p:cNvSpPr txBox="1"/>
+          <p:cNvSpPr txBox="1">
+            <a:spLocks noGrp="1"/>
+          </p:cNvSpPr>
           <p:nvPr>
-            <p:ph idx="12" type="sldNum"/>
+            <p:ph type="sldNum" idx="12"/>
           </p:nvPr>
         </p:nvSpPr>
         <p:spPr>
@@ -1897,7 +1864,7 @@
           </a:prstGeom>
         </p:spPr>
         <p:txBody>
-          <a:bodyPr anchorCtr="0" anchor="ctr" bIns="91425" lIns="91425" spcFirstLastPara="1" rIns="91425" wrap="square" tIns="91425">
+          <a:bodyPr spcFirstLastPara="1" wrap="square" lIns="91425" tIns="91425" rIns="91425" bIns="91425" anchor="ctr" anchorCtr="0">
             <a:noAutofit/>
           </a:bodyPr>
           <a:lstStyle>
@@ -1939,7 +1906,7 @@
             </a:lvl9pPr>
           </a:lstStyle>
           <a:p>
-            <a:pPr indent="0" lvl="0" marL="0" rtl="0" algn="r">
+            <a:pPr marL="0" lvl="0" indent="0" algn="r" rtl="0">
               <a:spcBef>
                 <a:spcPts val="0"/>
               </a:spcBef>
@@ -1961,15 +1928,22 @@
   <p:clrMapOvr>
     <a:masterClrMapping/>
   </p:clrMapOvr>
+  <p:timing>
+    <p:tnLst>
+      <p:par>
+        <p:cTn id="1" dur="indefinite" restart="never" nodeType="tmRoot"/>
+      </p:par>
+    </p:tnLst>
+  </p:timing>
 </p:sldLayout>
 </file>
 
 <file path=ppt/slideLayouts/slideLayout10.xml><?xml version="1.0" encoding="utf-8"?>
-<p:sldLayout xmlns:a="http://schemas.openxmlformats.org/drawingml/2006/main" xmlns:r="http://schemas.openxmlformats.org/officeDocument/2006/relationships" xmlns:mc="http://schemas.openxmlformats.org/markup-compatibility/2006" xmlns:mv="urn:schemas-microsoft-com:mac:vml" xmlns:p="http://schemas.openxmlformats.org/presentationml/2006/main" xmlns:c="http://schemas.openxmlformats.org/drawingml/2006/chart" xmlns:dgm="http://schemas.openxmlformats.org/drawingml/2006/diagram" xmlns:o="urn:schemas-microsoft-com:office:office" xmlns:v="urn:schemas-microsoft-com:vml" xmlns:pvml="urn:schemas-microsoft-com:office:powerpoint" xmlns:com="http://schemas.openxmlformats.org/drawingml/2006/compatibility" xmlns:p14="http://schemas.microsoft.com/office/powerpoint/2010/main" xmlns:p15="http://schemas.microsoft.com/office/powerpoint/2012/main" matchingName="Big number">
+<p:sldLayout xmlns:a="http://schemas.openxmlformats.org/drawingml/2006/main" xmlns:r="http://schemas.openxmlformats.org/officeDocument/2006/relationships" xmlns:p="http://schemas.openxmlformats.org/presentationml/2006/main" matchingName="Big number">
   <p:cSld name="BIG_NUMBER">
     <p:spTree>
       <p:nvGrpSpPr>
-        <p:cNvPr id="45" name="Shape 45"/>
+        <p:cNvPr id="1" name="Shape 45"/>
         <p:cNvGrpSpPr/>
         <p:nvPr/>
       </p:nvGrpSpPr>
@@ -1984,9 +1958,11 @@
       <p:sp>
         <p:nvSpPr>
           <p:cNvPr id="46" name="Google Shape;46;p11"/>
-          <p:cNvSpPr txBox="1"/>
+          <p:cNvSpPr txBox="1">
+            <a:spLocks noGrp="1"/>
+          </p:cNvSpPr>
           <p:nvPr>
-            <p:ph hasCustomPrompt="1" type="title"/>
+            <p:ph type="title" hasCustomPrompt="1"/>
           </p:nvPr>
         </p:nvSpPr>
         <p:spPr>
@@ -1999,7 +1975,7 @@
           </a:prstGeom>
         </p:spPr>
         <p:txBody>
-          <a:bodyPr anchorCtr="0" anchor="b" bIns="91425" lIns="91425" spcFirstLastPara="1" rIns="91425" wrap="square" tIns="91425">
+          <a:bodyPr spcFirstLastPara="1" wrap="square" lIns="91425" tIns="91425" rIns="91425" bIns="91425" anchor="b" anchorCtr="0">
             <a:noAutofit/>
           </a:bodyPr>
           <a:lstStyle>
@@ -2113,9 +2089,11 @@
       <p:sp>
         <p:nvSpPr>
           <p:cNvPr id="47" name="Google Shape;47;p11"/>
-          <p:cNvSpPr txBox="1"/>
+          <p:cNvSpPr txBox="1">
+            <a:spLocks noGrp="1"/>
+          </p:cNvSpPr>
           <p:nvPr>
-            <p:ph idx="1" type="body"/>
+            <p:ph type="body" idx="1"/>
           </p:nvPr>
         </p:nvSpPr>
         <p:spPr>
@@ -2128,11 +2106,11 @@
           </a:prstGeom>
         </p:spPr>
         <p:txBody>
-          <a:bodyPr anchorCtr="0" anchor="t" bIns="91425" lIns="91425" spcFirstLastPara="1" rIns="91425" wrap="square" tIns="91425">
+          <a:bodyPr spcFirstLastPara="1" wrap="square" lIns="91425" tIns="91425" rIns="91425" bIns="91425" anchor="t" anchorCtr="0">
             <a:noAutofit/>
           </a:bodyPr>
           <a:lstStyle>
-            <a:lvl1pPr indent="-342900" lvl="0" marL="457200" algn="ctr">
+            <a:lvl1pPr marL="457200" lvl="0" indent="-342900" algn="ctr">
               <a:spcBef>
                 <a:spcPts val="0"/>
               </a:spcBef>
@@ -2143,7 +2121,7 @@
               <a:buChar char="●"/>
               <a:defRPr/>
             </a:lvl1pPr>
-            <a:lvl2pPr indent="-317500" lvl="1" marL="914400" algn="ctr">
+            <a:lvl2pPr marL="914400" lvl="1" indent="-317500" algn="ctr">
               <a:spcBef>
                 <a:spcPts val="1600"/>
               </a:spcBef>
@@ -2154,7 +2132,7 @@
               <a:buChar char="○"/>
               <a:defRPr/>
             </a:lvl2pPr>
-            <a:lvl3pPr indent="-317500" lvl="2" marL="1371600" algn="ctr">
+            <a:lvl3pPr marL="1371600" lvl="2" indent="-317500" algn="ctr">
               <a:spcBef>
                 <a:spcPts val="1600"/>
               </a:spcBef>
@@ -2165,7 +2143,7 @@
               <a:buChar char="■"/>
               <a:defRPr/>
             </a:lvl3pPr>
-            <a:lvl4pPr indent="-317500" lvl="3" marL="1828800" algn="ctr">
+            <a:lvl4pPr marL="1828800" lvl="3" indent="-317500" algn="ctr">
               <a:spcBef>
                 <a:spcPts val="1600"/>
               </a:spcBef>
@@ -2176,7 +2154,7 @@
               <a:buChar char="●"/>
               <a:defRPr/>
             </a:lvl4pPr>
-            <a:lvl5pPr indent="-317500" lvl="4" marL="2286000" algn="ctr">
+            <a:lvl5pPr marL="2286000" lvl="4" indent="-317500" algn="ctr">
               <a:spcBef>
                 <a:spcPts val="1600"/>
               </a:spcBef>
@@ -2187,7 +2165,7 @@
               <a:buChar char="○"/>
               <a:defRPr/>
             </a:lvl5pPr>
-            <a:lvl6pPr indent="-317500" lvl="5" marL="2743200" algn="ctr">
+            <a:lvl6pPr marL="2743200" lvl="5" indent="-317500" algn="ctr">
               <a:spcBef>
                 <a:spcPts val="1600"/>
               </a:spcBef>
@@ -2198,7 +2176,7 @@
               <a:buChar char="■"/>
               <a:defRPr/>
             </a:lvl6pPr>
-            <a:lvl7pPr indent="-317500" lvl="6" marL="3200400" algn="ctr">
+            <a:lvl7pPr marL="3200400" lvl="6" indent="-317500" algn="ctr">
               <a:spcBef>
                 <a:spcPts val="1600"/>
               </a:spcBef>
@@ -2209,7 +2187,7 @@
               <a:buChar char="●"/>
               <a:defRPr/>
             </a:lvl7pPr>
-            <a:lvl8pPr indent="-317500" lvl="7" marL="3657600" algn="ctr">
+            <a:lvl8pPr marL="3657600" lvl="7" indent="-317500" algn="ctr">
               <a:spcBef>
                 <a:spcPts val="1600"/>
               </a:spcBef>
@@ -2220,7 +2198,7 @@
               <a:buChar char="○"/>
               <a:defRPr/>
             </a:lvl8pPr>
-            <a:lvl9pPr indent="-317500" lvl="8" marL="4114800" algn="ctr">
+            <a:lvl9pPr marL="4114800" lvl="8" indent="-317500" algn="ctr">
               <a:spcBef>
                 <a:spcPts val="1600"/>
               </a:spcBef>
@@ -2232,15 +2210,19 @@
               <a:defRPr/>
             </a:lvl9pPr>
           </a:lstStyle>
-          <a:p/>
+          <a:p>
+            <a:endParaRPr/>
+          </a:p>
         </p:txBody>
       </p:sp>
       <p:sp>
         <p:nvSpPr>
           <p:cNvPr id="48" name="Google Shape;48;p11"/>
-          <p:cNvSpPr txBox="1"/>
+          <p:cNvSpPr txBox="1">
+            <a:spLocks noGrp="1"/>
+          </p:cNvSpPr>
           <p:nvPr>
-            <p:ph idx="12" type="sldNum"/>
+            <p:ph type="sldNum" idx="12"/>
           </p:nvPr>
         </p:nvSpPr>
         <p:spPr>
@@ -2253,7 +2235,7 @@
           </a:prstGeom>
         </p:spPr>
         <p:txBody>
-          <a:bodyPr anchorCtr="0" anchor="ctr" bIns="91425" lIns="91425" spcFirstLastPara="1" rIns="91425" wrap="square" tIns="91425">
+          <a:bodyPr spcFirstLastPara="1" wrap="square" lIns="91425" tIns="91425" rIns="91425" bIns="91425" anchor="ctr" anchorCtr="0">
             <a:noAutofit/>
           </a:bodyPr>
           <a:lstStyle>
@@ -2295,7 +2277,7 @@
             </a:lvl9pPr>
           </a:lstStyle>
           <a:p>
-            <a:pPr indent="0" lvl="0" marL="0" rtl="0" algn="r">
+            <a:pPr marL="0" lvl="0" indent="0" algn="r" rtl="0">
               <a:spcBef>
                 <a:spcPts val="0"/>
               </a:spcBef>
@@ -2321,11 +2303,11 @@
 </file>
 
 <file path=ppt/slideLayouts/slideLayout11.xml><?xml version="1.0" encoding="utf-8"?>
-<p:sldLayout xmlns:a="http://schemas.openxmlformats.org/drawingml/2006/main" xmlns:r="http://schemas.openxmlformats.org/officeDocument/2006/relationships" xmlns:mc="http://schemas.openxmlformats.org/markup-compatibility/2006" xmlns:mv="urn:schemas-microsoft-com:mac:vml" xmlns:p="http://schemas.openxmlformats.org/presentationml/2006/main" xmlns:c="http://schemas.openxmlformats.org/drawingml/2006/chart" xmlns:dgm="http://schemas.openxmlformats.org/drawingml/2006/diagram" xmlns:o="urn:schemas-microsoft-com:office:office" xmlns:v="urn:schemas-microsoft-com:vml" xmlns:pvml="urn:schemas-microsoft-com:office:powerpoint" xmlns:com="http://schemas.openxmlformats.org/drawingml/2006/compatibility" xmlns:p14="http://schemas.microsoft.com/office/powerpoint/2010/main" xmlns:p15="http://schemas.microsoft.com/office/powerpoint/2012/main" matchingName="Blank" type="blank">
+<p:sldLayout xmlns:a="http://schemas.openxmlformats.org/drawingml/2006/main" xmlns:r="http://schemas.openxmlformats.org/officeDocument/2006/relationships" xmlns:p="http://schemas.openxmlformats.org/presentationml/2006/main" matchingName="Blank" type="blank">
   <p:cSld name="BLANK">
     <p:spTree>
       <p:nvGrpSpPr>
-        <p:cNvPr id="49" name="Shape 49"/>
+        <p:cNvPr id="1" name="Shape 49"/>
         <p:cNvGrpSpPr/>
         <p:nvPr/>
       </p:nvGrpSpPr>
@@ -2340,9 +2322,11 @@
       <p:sp>
         <p:nvSpPr>
           <p:cNvPr id="50" name="Google Shape;50;p12"/>
-          <p:cNvSpPr txBox="1"/>
+          <p:cNvSpPr txBox="1">
+            <a:spLocks noGrp="1"/>
+          </p:cNvSpPr>
           <p:nvPr>
-            <p:ph idx="12" type="sldNum"/>
+            <p:ph type="sldNum" idx="12"/>
           </p:nvPr>
         </p:nvSpPr>
         <p:spPr>
@@ -2355,7 +2339,7 @@
           </a:prstGeom>
         </p:spPr>
         <p:txBody>
-          <a:bodyPr anchorCtr="0" anchor="ctr" bIns="91425" lIns="91425" spcFirstLastPara="1" rIns="91425" wrap="square" tIns="91425">
+          <a:bodyPr spcFirstLastPara="1" wrap="square" lIns="91425" tIns="91425" rIns="91425" bIns="91425" anchor="ctr" anchorCtr="0">
             <a:noAutofit/>
           </a:bodyPr>
           <a:lstStyle>
@@ -2397,7 +2381,7 @@
             </a:lvl9pPr>
           </a:lstStyle>
           <a:p>
-            <a:pPr indent="0" lvl="0" marL="0" rtl="0" algn="r">
+            <a:pPr marL="0" lvl="0" indent="0" algn="r" rtl="0">
               <a:spcBef>
                 <a:spcPts val="0"/>
               </a:spcBef>
@@ -2423,11 +2407,11 @@
 </file>
 
 <file path=ppt/slideLayouts/slideLayout2.xml><?xml version="1.0" encoding="utf-8"?>
-<p:sldLayout xmlns:a="http://schemas.openxmlformats.org/drawingml/2006/main" xmlns:r="http://schemas.openxmlformats.org/officeDocument/2006/relationships" xmlns:mc="http://schemas.openxmlformats.org/markup-compatibility/2006" xmlns:mv="urn:schemas-microsoft-com:mac:vml" xmlns:p="http://schemas.openxmlformats.org/presentationml/2006/main" xmlns:c="http://schemas.openxmlformats.org/drawingml/2006/chart" xmlns:dgm="http://schemas.openxmlformats.org/drawingml/2006/diagram" xmlns:o="urn:schemas-microsoft-com:office:office" xmlns:v="urn:schemas-microsoft-com:vml" xmlns:pvml="urn:schemas-microsoft-com:office:powerpoint" xmlns:com="http://schemas.openxmlformats.org/drawingml/2006/compatibility" xmlns:p14="http://schemas.microsoft.com/office/powerpoint/2010/main" xmlns:p15="http://schemas.microsoft.com/office/powerpoint/2012/main" matchingName="Section header" type="secHead">
+<p:sldLayout xmlns:a="http://schemas.openxmlformats.org/drawingml/2006/main" xmlns:r="http://schemas.openxmlformats.org/officeDocument/2006/relationships" xmlns:p="http://schemas.openxmlformats.org/presentationml/2006/main" matchingName="Section header" type="secHead">
   <p:cSld name="SECTION_HEADER">
     <p:spTree>
       <p:nvGrpSpPr>
-        <p:cNvPr id="14" name="Shape 14"/>
+        <p:cNvPr id="1" name="Shape 14"/>
         <p:cNvGrpSpPr/>
         <p:nvPr/>
       </p:nvGrpSpPr>
@@ -2442,7 +2426,9 @@
       <p:sp>
         <p:nvSpPr>
           <p:cNvPr id="15" name="Google Shape;15;p3"/>
-          <p:cNvSpPr txBox="1"/>
+          <p:cNvSpPr txBox="1">
+            <a:spLocks noGrp="1"/>
+          </p:cNvSpPr>
           <p:nvPr>
             <p:ph type="title"/>
           </p:nvPr>
@@ -2457,7 +2443,7 @@
           </a:prstGeom>
         </p:spPr>
         <p:txBody>
-          <a:bodyPr anchorCtr="0" anchor="ctr" bIns="91425" lIns="91425" spcFirstLastPara="1" rIns="91425" wrap="square" tIns="91425">
+          <a:bodyPr spcFirstLastPara="1" wrap="square" lIns="91425" tIns="91425" rIns="91425" bIns="91425" anchor="ctr" anchorCtr="0">
             <a:noAutofit/>
           </a:bodyPr>
           <a:lstStyle>
@@ -2561,15 +2547,19 @@
               <a:defRPr sz="3600"/>
             </a:lvl9pPr>
           </a:lstStyle>
-          <a:p/>
+          <a:p>
+            <a:endParaRPr/>
+          </a:p>
         </p:txBody>
       </p:sp>
       <p:sp>
         <p:nvSpPr>
           <p:cNvPr id="16" name="Google Shape;16;p3"/>
-          <p:cNvSpPr txBox="1"/>
+          <p:cNvSpPr txBox="1">
+            <a:spLocks noGrp="1"/>
+          </p:cNvSpPr>
           <p:nvPr>
-            <p:ph idx="12" type="sldNum"/>
+            <p:ph type="sldNum" idx="12"/>
           </p:nvPr>
         </p:nvSpPr>
         <p:spPr>
@@ -2582,7 +2572,7 @@
           </a:prstGeom>
         </p:spPr>
         <p:txBody>
-          <a:bodyPr anchorCtr="0" anchor="ctr" bIns="91425" lIns="91425" spcFirstLastPara="1" rIns="91425" wrap="square" tIns="91425">
+          <a:bodyPr spcFirstLastPara="1" wrap="square" lIns="91425" tIns="91425" rIns="91425" bIns="91425" anchor="ctr" anchorCtr="0">
             <a:noAutofit/>
           </a:bodyPr>
           <a:lstStyle>
@@ -2624,7 +2614,7 @@
             </a:lvl9pPr>
           </a:lstStyle>
           <a:p>
-            <a:pPr indent="0" lvl="0" marL="0" rtl="0" algn="r">
+            <a:pPr marL="0" lvl="0" indent="0" algn="r" rtl="0">
               <a:spcBef>
                 <a:spcPts val="0"/>
               </a:spcBef>
@@ -2650,11 +2640,11 @@
 </file>
 
 <file path=ppt/slideLayouts/slideLayout3.xml><?xml version="1.0" encoding="utf-8"?>
-<p:sldLayout xmlns:a="http://schemas.openxmlformats.org/drawingml/2006/main" xmlns:r="http://schemas.openxmlformats.org/officeDocument/2006/relationships" xmlns:mc="http://schemas.openxmlformats.org/markup-compatibility/2006" xmlns:mv="urn:schemas-microsoft-com:mac:vml" xmlns:p="http://schemas.openxmlformats.org/presentationml/2006/main" xmlns:c="http://schemas.openxmlformats.org/drawingml/2006/chart" xmlns:dgm="http://schemas.openxmlformats.org/drawingml/2006/diagram" xmlns:o="urn:schemas-microsoft-com:office:office" xmlns:v="urn:schemas-microsoft-com:vml" xmlns:pvml="urn:schemas-microsoft-com:office:powerpoint" xmlns:com="http://schemas.openxmlformats.org/drawingml/2006/compatibility" xmlns:p14="http://schemas.microsoft.com/office/powerpoint/2010/main" xmlns:p15="http://schemas.microsoft.com/office/powerpoint/2012/main" matchingName="Title and body" type="tx">
+<p:sldLayout xmlns:a="http://schemas.openxmlformats.org/drawingml/2006/main" xmlns:r="http://schemas.openxmlformats.org/officeDocument/2006/relationships" xmlns:p="http://schemas.openxmlformats.org/presentationml/2006/main" matchingName="Title and body" type="tx">
   <p:cSld name="TITLE_AND_BODY">
     <p:spTree>
       <p:nvGrpSpPr>
-        <p:cNvPr id="17" name="Shape 17"/>
+        <p:cNvPr id="1" name="Shape 17"/>
         <p:cNvGrpSpPr/>
         <p:nvPr/>
       </p:nvGrpSpPr>
@@ -2669,7 +2659,9 @@
       <p:sp>
         <p:nvSpPr>
           <p:cNvPr id="18" name="Google Shape;18;p4"/>
-          <p:cNvSpPr txBox="1"/>
+          <p:cNvSpPr txBox="1">
+            <a:spLocks noGrp="1"/>
+          </p:cNvSpPr>
           <p:nvPr>
             <p:ph type="title"/>
           </p:nvPr>
@@ -2684,7 +2676,7 @@
           </a:prstGeom>
         </p:spPr>
         <p:txBody>
-          <a:bodyPr anchorCtr="0" anchor="t" bIns="91425" lIns="91425" spcFirstLastPara="1" rIns="91425" wrap="square" tIns="91425">
+          <a:bodyPr spcFirstLastPara="1" wrap="square" lIns="91425" tIns="91425" rIns="91425" bIns="91425" anchor="t" anchorCtr="0">
             <a:noAutofit/>
           </a:bodyPr>
           <a:lstStyle>
@@ -2788,15 +2780,19 @@
               <a:defRPr/>
             </a:lvl9pPr>
           </a:lstStyle>
-          <a:p/>
+          <a:p>
+            <a:endParaRPr/>
+          </a:p>
         </p:txBody>
       </p:sp>
       <p:sp>
         <p:nvSpPr>
           <p:cNvPr id="19" name="Google Shape;19;p4"/>
-          <p:cNvSpPr txBox="1"/>
+          <p:cNvSpPr txBox="1">
+            <a:spLocks noGrp="1"/>
+          </p:cNvSpPr>
           <p:nvPr>
-            <p:ph idx="1" type="body"/>
+            <p:ph type="body" idx="1"/>
           </p:nvPr>
         </p:nvSpPr>
         <p:spPr>
@@ -2809,11 +2805,11 @@
           </a:prstGeom>
         </p:spPr>
         <p:txBody>
-          <a:bodyPr anchorCtr="0" anchor="t" bIns="91425" lIns="91425" spcFirstLastPara="1" rIns="91425" wrap="square" tIns="91425">
+          <a:bodyPr spcFirstLastPara="1" wrap="square" lIns="91425" tIns="91425" rIns="91425" bIns="91425" anchor="t" anchorCtr="0">
             <a:noAutofit/>
           </a:bodyPr>
           <a:lstStyle>
-            <a:lvl1pPr indent="-342900" lvl="0" marL="457200">
+            <a:lvl1pPr marL="457200" lvl="0" indent="-342900">
               <a:spcBef>
                 <a:spcPts val="0"/>
               </a:spcBef>
@@ -2824,7 +2820,7 @@
               <a:buChar char="●"/>
               <a:defRPr/>
             </a:lvl1pPr>
-            <a:lvl2pPr indent="-317500" lvl="1" marL="914400">
+            <a:lvl2pPr marL="914400" lvl="1" indent="-317500">
               <a:spcBef>
                 <a:spcPts val="1600"/>
               </a:spcBef>
@@ -2835,7 +2831,7 @@
               <a:buChar char="○"/>
               <a:defRPr/>
             </a:lvl2pPr>
-            <a:lvl3pPr indent="-317500" lvl="2" marL="1371600">
+            <a:lvl3pPr marL="1371600" lvl="2" indent="-317500">
               <a:spcBef>
                 <a:spcPts val="1600"/>
               </a:spcBef>
@@ -2846,7 +2842,7 @@
               <a:buChar char="■"/>
               <a:defRPr/>
             </a:lvl3pPr>
-            <a:lvl4pPr indent="-317500" lvl="3" marL="1828800">
+            <a:lvl4pPr marL="1828800" lvl="3" indent="-317500">
               <a:spcBef>
                 <a:spcPts val="1600"/>
               </a:spcBef>
@@ -2857,7 +2853,7 @@
               <a:buChar char="●"/>
               <a:defRPr/>
             </a:lvl4pPr>
-            <a:lvl5pPr indent="-317500" lvl="4" marL="2286000">
+            <a:lvl5pPr marL="2286000" lvl="4" indent="-317500">
               <a:spcBef>
                 <a:spcPts val="1600"/>
               </a:spcBef>
@@ -2868,7 +2864,7 @@
               <a:buChar char="○"/>
               <a:defRPr/>
             </a:lvl5pPr>
-            <a:lvl6pPr indent="-317500" lvl="5" marL="2743200">
+            <a:lvl6pPr marL="2743200" lvl="5" indent="-317500">
               <a:spcBef>
                 <a:spcPts val="1600"/>
               </a:spcBef>
@@ -2879,7 +2875,7 @@
               <a:buChar char="■"/>
               <a:defRPr/>
             </a:lvl6pPr>
-            <a:lvl7pPr indent="-317500" lvl="6" marL="3200400">
+            <a:lvl7pPr marL="3200400" lvl="6" indent="-317500">
               <a:spcBef>
                 <a:spcPts val="1600"/>
               </a:spcBef>
@@ -2890,7 +2886,7 @@
               <a:buChar char="●"/>
               <a:defRPr/>
             </a:lvl7pPr>
-            <a:lvl8pPr indent="-317500" lvl="7" marL="3657600">
+            <a:lvl8pPr marL="3657600" lvl="7" indent="-317500">
               <a:spcBef>
                 <a:spcPts val="1600"/>
               </a:spcBef>
@@ -2901,7 +2897,7 @@
               <a:buChar char="○"/>
               <a:defRPr/>
             </a:lvl8pPr>
-            <a:lvl9pPr indent="-317500" lvl="8" marL="4114800">
+            <a:lvl9pPr marL="4114800" lvl="8" indent="-317500">
               <a:spcBef>
                 <a:spcPts val="1600"/>
               </a:spcBef>
@@ -2913,15 +2909,19 @@
               <a:defRPr/>
             </a:lvl9pPr>
           </a:lstStyle>
-          <a:p/>
+          <a:p>
+            <a:endParaRPr/>
+          </a:p>
         </p:txBody>
       </p:sp>
       <p:sp>
         <p:nvSpPr>
           <p:cNvPr id="20" name="Google Shape;20;p4"/>
-          <p:cNvSpPr txBox="1"/>
+          <p:cNvSpPr txBox="1">
+            <a:spLocks noGrp="1"/>
+          </p:cNvSpPr>
           <p:nvPr>
-            <p:ph idx="12" type="sldNum"/>
+            <p:ph type="sldNum" idx="12"/>
           </p:nvPr>
         </p:nvSpPr>
         <p:spPr>
@@ -2934,7 +2934,7 @@
           </a:prstGeom>
         </p:spPr>
         <p:txBody>
-          <a:bodyPr anchorCtr="0" anchor="ctr" bIns="91425" lIns="91425" spcFirstLastPara="1" rIns="91425" wrap="square" tIns="91425">
+          <a:bodyPr spcFirstLastPara="1" wrap="square" lIns="91425" tIns="91425" rIns="91425" bIns="91425" anchor="ctr" anchorCtr="0">
             <a:noAutofit/>
           </a:bodyPr>
           <a:lstStyle>
@@ -2976,7 +2976,7 @@
             </a:lvl9pPr>
           </a:lstStyle>
           <a:p>
-            <a:pPr indent="0" lvl="0" marL="0" rtl="0" algn="r">
+            <a:pPr marL="0" lvl="0" indent="0" algn="r" rtl="0">
               <a:spcBef>
                 <a:spcPts val="0"/>
               </a:spcBef>
@@ -3002,11 +3002,11 @@
 </file>
 
 <file path=ppt/slideLayouts/slideLayout4.xml><?xml version="1.0" encoding="utf-8"?>
-<p:sldLayout xmlns:a="http://schemas.openxmlformats.org/drawingml/2006/main" xmlns:r="http://schemas.openxmlformats.org/officeDocument/2006/relationships" xmlns:mc="http://schemas.openxmlformats.org/markup-compatibility/2006" xmlns:mv="urn:schemas-microsoft-com:mac:vml" xmlns:p="http://schemas.openxmlformats.org/presentationml/2006/main" xmlns:c="http://schemas.openxmlformats.org/drawingml/2006/chart" xmlns:dgm="http://schemas.openxmlformats.org/drawingml/2006/diagram" xmlns:o="urn:schemas-microsoft-com:office:office" xmlns:v="urn:schemas-microsoft-com:vml" xmlns:pvml="urn:schemas-microsoft-com:office:powerpoint" xmlns:com="http://schemas.openxmlformats.org/drawingml/2006/compatibility" xmlns:p14="http://schemas.microsoft.com/office/powerpoint/2010/main" xmlns:p15="http://schemas.microsoft.com/office/powerpoint/2012/main" matchingName="Title and two columns" type="twoColTx">
+<p:sldLayout xmlns:a="http://schemas.openxmlformats.org/drawingml/2006/main" xmlns:r="http://schemas.openxmlformats.org/officeDocument/2006/relationships" xmlns:p="http://schemas.openxmlformats.org/presentationml/2006/main" matchingName="Title and two columns" type="twoColTx">
   <p:cSld name="TITLE_AND_TWO_COLUMNS">
     <p:spTree>
       <p:nvGrpSpPr>
-        <p:cNvPr id="21" name="Shape 21"/>
+        <p:cNvPr id="1" name="Shape 21"/>
         <p:cNvGrpSpPr/>
         <p:nvPr/>
       </p:nvGrpSpPr>
@@ -3021,7 +3021,9 @@
       <p:sp>
         <p:nvSpPr>
           <p:cNvPr id="22" name="Google Shape;22;p5"/>
-          <p:cNvSpPr txBox="1"/>
+          <p:cNvSpPr txBox="1">
+            <a:spLocks noGrp="1"/>
+          </p:cNvSpPr>
           <p:nvPr>
             <p:ph type="title"/>
           </p:nvPr>
@@ -3036,7 +3038,7 @@
           </a:prstGeom>
         </p:spPr>
         <p:txBody>
-          <a:bodyPr anchorCtr="0" anchor="t" bIns="91425" lIns="91425" spcFirstLastPara="1" rIns="91425" wrap="square" tIns="91425">
+          <a:bodyPr spcFirstLastPara="1" wrap="square" lIns="91425" tIns="91425" rIns="91425" bIns="91425" anchor="t" anchorCtr="0">
             <a:noAutofit/>
           </a:bodyPr>
           <a:lstStyle>
@@ -3140,15 +3142,19 @@
               <a:defRPr/>
             </a:lvl9pPr>
           </a:lstStyle>
-          <a:p/>
+          <a:p>
+            <a:endParaRPr/>
+          </a:p>
         </p:txBody>
       </p:sp>
       <p:sp>
         <p:nvSpPr>
           <p:cNvPr id="23" name="Google Shape;23;p5"/>
-          <p:cNvSpPr txBox="1"/>
+          <p:cNvSpPr txBox="1">
+            <a:spLocks noGrp="1"/>
+          </p:cNvSpPr>
           <p:nvPr>
-            <p:ph idx="1" type="body"/>
+            <p:ph type="body" idx="1"/>
           </p:nvPr>
         </p:nvSpPr>
         <p:spPr>
@@ -3161,11 +3167,11 @@
           </a:prstGeom>
         </p:spPr>
         <p:txBody>
-          <a:bodyPr anchorCtr="0" anchor="t" bIns="91425" lIns="91425" spcFirstLastPara="1" rIns="91425" wrap="square" tIns="91425">
+          <a:bodyPr spcFirstLastPara="1" wrap="square" lIns="91425" tIns="91425" rIns="91425" bIns="91425" anchor="t" anchorCtr="0">
             <a:noAutofit/>
           </a:bodyPr>
           <a:lstStyle>
-            <a:lvl1pPr indent="-317500" lvl="0" marL="457200">
+            <a:lvl1pPr marL="457200" lvl="0" indent="-317500">
               <a:spcBef>
                 <a:spcPts val="0"/>
               </a:spcBef>
@@ -3176,7 +3182,7 @@
               <a:buChar char="●"/>
               <a:defRPr sz="1400"/>
             </a:lvl1pPr>
-            <a:lvl2pPr indent="-304800" lvl="1" marL="914400">
+            <a:lvl2pPr marL="914400" lvl="1" indent="-304800">
               <a:spcBef>
                 <a:spcPts val="1600"/>
               </a:spcBef>
@@ -3187,7 +3193,7 @@
               <a:buChar char="○"/>
               <a:defRPr sz="1200"/>
             </a:lvl2pPr>
-            <a:lvl3pPr indent="-304800" lvl="2" marL="1371600">
+            <a:lvl3pPr marL="1371600" lvl="2" indent="-304800">
               <a:spcBef>
                 <a:spcPts val="1600"/>
               </a:spcBef>
@@ -3198,7 +3204,7 @@
               <a:buChar char="■"/>
               <a:defRPr sz="1200"/>
             </a:lvl3pPr>
-            <a:lvl4pPr indent="-304800" lvl="3" marL="1828800">
+            <a:lvl4pPr marL="1828800" lvl="3" indent="-304800">
               <a:spcBef>
                 <a:spcPts val="1600"/>
               </a:spcBef>
@@ -3209,7 +3215,7 @@
               <a:buChar char="●"/>
               <a:defRPr sz="1200"/>
             </a:lvl4pPr>
-            <a:lvl5pPr indent="-304800" lvl="4" marL="2286000">
+            <a:lvl5pPr marL="2286000" lvl="4" indent="-304800">
               <a:spcBef>
                 <a:spcPts val="1600"/>
               </a:spcBef>
@@ -3220,7 +3226,7 @@
               <a:buChar char="○"/>
               <a:defRPr sz="1200"/>
             </a:lvl5pPr>
-            <a:lvl6pPr indent="-304800" lvl="5" marL="2743200">
+            <a:lvl6pPr marL="2743200" lvl="5" indent="-304800">
               <a:spcBef>
                 <a:spcPts val="1600"/>
               </a:spcBef>
@@ -3231,7 +3237,7 @@
               <a:buChar char="■"/>
               <a:defRPr sz="1200"/>
             </a:lvl6pPr>
-            <a:lvl7pPr indent="-304800" lvl="6" marL="3200400">
+            <a:lvl7pPr marL="3200400" lvl="6" indent="-304800">
               <a:spcBef>
                 <a:spcPts val="1600"/>
               </a:spcBef>
@@ -3242,7 +3248,7 @@
               <a:buChar char="●"/>
               <a:defRPr sz="1200"/>
             </a:lvl7pPr>
-            <a:lvl8pPr indent="-304800" lvl="7" marL="3657600">
+            <a:lvl8pPr marL="3657600" lvl="7" indent="-304800">
               <a:spcBef>
                 <a:spcPts val="1600"/>
               </a:spcBef>
@@ -3253,7 +3259,7 @@
               <a:buChar char="○"/>
               <a:defRPr sz="1200"/>
             </a:lvl8pPr>
-            <a:lvl9pPr indent="-304800" lvl="8" marL="4114800">
+            <a:lvl9pPr marL="4114800" lvl="8" indent="-304800">
               <a:spcBef>
                 <a:spcPts val="1600"/>
               </a:spcBef>
@@ -3265,15 +3271,19 @@
               <a:defRPr sz="1200"/>
             </a:lvl9pPr>
           </a:lstStyle>
-          <a:p/>
+          <a:p>
+            <a:endParaRPr/>
+          </a:p>
         </p:txBody>
       </p:sp>
       <p:sp>
         <p:nvSpPr>
           <p:cNvPr id="24" name="Google Shape;24;p5"/>
-          <p:cNvSpPr txBox="1"/>
+          <p:cNvSpPr txBox="1">
+            <a:spLocks noGrp="1"/>
+          </p:cNvSpPr>
           <p:nvPr>
-            <p:ph idx="2" type="body"/>
+            <p:ph type="body" idx="2"/>
           </p:nvPr>
         </p:nvSpPr>
         <p:spPr>
@@ -3286,11 +3296,11 @@
           </a:prstGeom>
         </p:spPr>
         <p:txBody>
-          <a:bodyPr anchorCtr="0" anchor="t" bIns="91425" lIns="91425" spcFirstLastPara="1" rIns="91425" wrap="square" tIns="91425">
+          <a:bodyPr spcFirstLastPara="1" wrap="square" lIns="91425" tIns="91425" rIns="91425" bIns="91425" anchor="t" anchorCtr="0">
             <a:noAutofit/>
           </a:bodyPr>
           <a:lstStyle>
-            <a:lvl1pPr indent="-317500" lvl="0" marL="457200">
+            <a:lvl1pPr marL="457200" lvl="0" indent="-317500">
               <a:spcBef>
                 <a:spcPts val="0"/>
               </a:spcBef>
@@ -3301,7 +3311,7 @@
               <a:buChar char="●"/>
               <a:defRPr sz="1400"/>
             </a:lvl1pPr>
-            <a:lvl2pPr indent="-304800" lvl="1" marL="914400">
+            <a:lvl2pPr marL="914400" lvl="1" indent="-304800">
               <a:spcBef>
                 <a:spcPts val="1600"/>
               </a:spcBef>
@@ -3312,7 +3322,7 @@
               <a:buChar char="○"/>
               <a:defRPr sz="1200"/>
             </a:lvl2pPr>
-            <a:lvl3pPr indent="-304800" lvl="2" marL="1371600">
+            <a:lvl3pPr marL="1371600" lvl="2" indent="-304800">
               <a:spcBef>
                 <a:spcPts val="1600"/>
               </a:spcBef>
@@ -3323,7 +3333,7 @@
               <a:buChar char="■"/>
               <a:defRPr sz="1200"/>
             </a:lvl3pPr>
-            <a:lvl4pPr indent="-304800" lvl="3" marL="1828800">
+            <a:lvl4pPr marL="1828800" lvl="3" indent="-304800">
               <a:spcBef>
                 <a:spcPts val="1600"/>
               </a:spcBef>
@@ -3334,7 +3344,7 @@
               <a:buChar char="●"/>
               <a:defRPr sz="1200"/>
             </a:lvl4pPr>
-            <a:lvl5pPr indent="-304800" lvl="4" marL="2286000">
+            <a:lvl5pPr marL="2286000" lvl="4" indent="-304800">
               <a:spcBef>
                 <a:spcPts val="1600"/>
               </a:spcBef>
@@ -3345,7 +3355,7 @@
               <a:buChar char="○"/>
               <a:defRPr sz="1200"/>
             </a:lvl5pPr>
-            <a:lvl6pPr indent="-304800" lvl="5" marL="2743200">
+            <a:lvl6pPr marL="2743200" lvl="5" indent="-304800">
               <a:spcBef>
                 <a:spcPts val="1600"/>
               </a:spcBef>
@@ -3356,7 +3366,7 @@
               <a:buChar char="■"/>
               <a:defRPr sz="1200"/>
             </a:lvl6pPr>
-            <a:lvl7pPr indent="-304800" lvl="6" marL="3200400">
+            <a:lvl7pPr marL="3200400" lvl="6" indent="-304800">
               <a:spcBef>
                 <a:spcPts val="1600"/>
               </a:spcBef>
@@ -3367,7 +3377,7 @@
               <a:buChar char="●"/>
               <a:defRPr sz="1200"/>
             </a:lvl7pPr>
-            <a:lvl8pPr indent="-304800" lvl="7" marL="3657600">
+            <a:lvl8pPr marL="3657600" lvl="7" indent="-304800">
               <a:spcBef>
                 <a:spcPts val="1600"/>
               </a:spcBef>
@@ -3378,7 +3388,7 @@
               <a:buChar char="○"/>
               <a:defRPr sz="1200"/>
             </a:lvl8pPr>
-            <a:lvl9pPr indent="-304800" lvl="8" marL="4114800">
+            <a:lvl9pPr marL="4114800" lvl="8" indent="-304800">
               <a:spcBef>
                 <a:spcPts val="1600"/>
               </a:spcBef>
@@ -3390,15 +3400,19 @@
               <a:defRPr sz="1200"/>
             </a:lvl9pPr>
           </a:lstStyle>
-          <a:p/>
+          <a:p>
+            <a:endParaRPr/>
+          </a:p>
         </p:txBody>
       </p:sp>
       <p:sp>
         <p:nvSpPr>
           <p:cNvPr id="25" name="Google Shape;25;p5"/>
-          <p:cNvSpPr txBox="1"/>
+          <p:cNvSpPr txBox="1">
+            <a:spLocks noGrp="1"/>
+          </p:cNvSpPr>
           <p:nvPr>
-            <p:ph idx="12" type="sldNum"/>
+            <p:ph type="sldNum" idx="12"/>
           </p:nvPr>
         </p:nvSpPr>
         <p:spPr>
@@ -3411,7 +3425,7 @@
           </a:prstGeom>
         </p:spPr>
         <p:txBody>
-          <a:bodyPr anchorCtr="0" anchor="ctr" bIns="91425" lIns="91425" spcFirstLastPara="1" rIns="91425" wrap="square" tIns="91425">
+          <a:bodyPr spcFirstLastPara="1" wrap="square" lIns="91425" tIns="91425" rIns="91425" bIns="91425" anchor="ctr" anchorCtr="0">
             <a:noAutofit/>
           </a:bodyPr>
           <a:lstStyle>
@@ -3453,7 +3467,7 @@
             </a:lvl9pPr>
           </a:lstStyle>
           <a:p>
-            <a:pPr indent="0" lvl="0" marL="0" rtl="0" algn="r">
+            <a:pPr marL="0" lvl="0" indent="0" algn="r" rtl="0">
               <a:spcBef>
                 <a:spcPts val="0"/>
               </a:spcBef>
@@ -3479,11 +3493,11 @@
 </file>
 
 <file path=ppt/slideLayouts/slideLayout5.xml><?xml version="1.0" encoding="utf-8"?>
-<p:sldLayout xmlns:a="http://schemas.openxmlformats.org/drawingml/2006/main" xmlns:r="http://schemas.openxmlformats.org/officeDocument/2006/relationships" xmlns:mc="http://schemas.openxmlformats.org/markup-compatibility/2006" xmlns:mv="urn:schemas-microsoft-com:mac:vml" xmlns:p="http://schemas.openxmlformats.org/presentationml/2006/main" xmlns:c="http://schemas.openxmlformats.org/drawingml/2006/chart" xmlns:dgm="http://schemas.openxmlformats.org/drawingml/2006/diagram" xmlns:o="urn:schemas-microsoft-com:office:office" xmlns:v="urn:schemas-microsoft-com:vml" xmlns:pvml="urn:schemas-microsoft-com:office:powerpoint" xmlns:com="http://schemas.openxmlformats.org/drawingml/2006/compatibility" xmlns:p14="http://schemas.microsoft.com/office/powerpoint/2010/main" xmlns:p15="http://schemas.microsoft.com/office/powerpoint/2012/main" matchingName="Title only" type="titleOnly">
+<p:sldLayout xmlns:a="http://schemas.openxmlformats.org/drawingml/2006/main" xmlns:r="http://schemas.openxmlformats.org/officeDocument/2006/relationships" xmlns:p="http://schemas.openxmlformats.org/presentationml/2006/main" matchingName="Title only" type="titleOnly">
   <p:cSld name="TITLE_ONLY">
     <p:spTree>
       <p:nvGrpSpPr>
-        <p:cNvPr id="26" name="Shape 26"/>
+        <p:cNvPr id="1" name="Shape 26"/>
         <p:cNvGrpSpPr/>
         <p:nvPr/>
       </p:nvGrpSpPr>
@@ -3498,7 +3512,9 @@
       <p:sp>
         <p:nvSpPr>
           <p:cNvPr id="27" name="Google Shape;27;p6"/>
-          <p:cNvSpPr txBox="1"/>
+          <p:cNvSpPr txBox="1">
+            <a:spLocks noGrp="1"/>
+          </p:cNvSpPr>
           <p:nvPr>
             <p:ph type="title"/>
           </p:nvPr>
@@ -3513,7 +3529,7 @@
           </a:prstGeom>
         </p:spPr>
         <p:txBody>
-          <a:bodyPr anchorCtr="0" anchor="t" bIns="91425" lIns="91425" spcFirstLastPara="1" rIns="91425" wrap="square" tIns="91425">
+          <a:bodyPr spcFirstLastPara="1" wrap="square" lIns="91425" tIns="91425" rIns="91425" bIns="91425" anchor="t" anchorCtr="0">
             <a:noAutofit/>
           </a:bodyPr>
           <a:lstStyle>
@@ -3617,15 +3633,19 @@
               <a:defRPr/>
             </a:lvl9pPr>
           </a:lstStyle>
-          <a:p/>
+          <a:p>
+            <a:endParaRPr/>
+          </a:p>
         </p:txBody>
       </p:sp>
       <p:sp>
         <p:nvSpPr>
           <p:cNvPr id="28" name="Google Shape;28;p6"/>
-          <p:cNvSpPr txBox="1"/>
+          <p:cNvSpPr txBox="1">
+            <a:spLocks noGrp="1"/>
+          </p:cNvSpPr>
           <p:nvPr>
-            <p:ph idx="12" type="sldNum"/>
+            <p:ph type="sldNum" idx="12"/>
           </p:nvPr>
         </p:nvSpPr>
         <p:spPr>
@@ -3638,7 +3658,7 @@
           </a:prstGeom>
         </p:spPr>
         <p:txBody>
-          <a:bodyPr anchorCtr="0" anchor="ctr" bIns="91425" lIns="91425" spcFirstLastPara="1" rIns="91425" wrap="square" tIns="91425">
+          <a:bodyPr spcFirstLastPara="1" wrap="square" lIns="91425" tIns="91425" rIns="91425" bIns="91425" anchor="ctr" anchorCtr="0">
             <a:noAutofit/>
           </a:bodyPr>
           <a:lstStyle>
@@ -3680,7 +3700,7 @@
             </a:lvl9pPr>
           </a:lstStyle>
           <a:p>
-            <a:pPr indent="0" lvl="0" marL="0" rtl="0" algn="r">
+            <a:pPr marL="0" lvl="0" indent="0" algn="r" rtl="0">
               <a:spcBef>
                 <a:spcPts val="0"/>
               </a:spcBef>
@@ -3706,11 +3726,11 @@
 </file>
 
 <file path=ppt/slideLayouts/slideLayout6.xml><?xml version="1.0" encoding="utf-8"?>
-<p:sldLayout xmlns:a="http://schemas.openxmlformats.org/drawingml/2006/main" xmlns:r="http://schemas.openxmlformats.org/officeDocument/2006/relationships" xmlns:mc="http://schemas.openxmlformats.org/markup-compatibility/2006" xmlns:mv="urn:schemas-microsoft-com:mac:vml" xmlns:p="http://schemas.openxmlformats.org/presentationml/2006/main" xmlns:c="http://schemas.openxmlformats.org/drawingml/2006/chart" xmlns:dgm="http://schemas.openxmlformats.org/drawingml/2006/diagram" xmlns:o="urn:schemas-microsoft-com:office:office" xmlns:v="urn:schemas-microsoft-com:vml" xmlns:pvml="urn:schemas-microsoft-com:office:powerpoint" xmlns:com="http://schemas.openxmlformats.org/drawingml/2006/compatibility" xmlns:p14="http://schemas.microsoft.com/office/powerpoint/2010/main" xmlns:p15="http://schemas.microsoft.com/office/powerpoint/2012/main" matchingName="One column text">
+<p:sldLayout xmlns:a="http://schemas.openxmlformats.org/drawingml/2006/main" xmlns:r="http://schemas.openxmlformats.org/officeDocument/2006/relationships" xmlns:p="http://schemas.openxmlformats.org/presentationml/2006/main" matchingName="One column text">
   <p:cSld name="ONE_COLUMN_TEXT">
     <p:spTree>
       <p:nvGrpSpPr>
-        <p:cNvPr id="29" name="Shape 29"/>
+        <p:cNvPr id="1" name="Shape 29"/>
         <p:cNvGrpSpPr/>
         <p:nvPr/>
       </p:nvGrpSpPr>
@@ -3725,7 +3745,9 @@
       <p:sp>
         <p:nvSpPr>
           <p:cNvPr id="30" name="Google Shape;30;p7"/>
-          <p:cNvSpPr txBox="1"/>
+          <p:cNvSpPr txBox="1">
+            <a:spLocks noGrp="1"/>
+          </p:cNvSpPr>
           <p:nvPr>
             <p:ph type="title"/>
           </p:nvPr>
@@ -3740,7 +3762,7 @@
           </a:prstGeom>
         </p:spPr>
         <p:txBody>
-          <a:bodyPr anchorCtr="0" anchor="b" bIns="91425" lIns="91425" spcFirstLastPara="1" rIns="91425" wrap="square" tIns="91425">
+          <a:bodyPr spcFirstLastPara="1" wrap="square" lIns="91425" tIns="91425" rIns="91425" bIns="91425" anchor="b" anchorCtr="0">
             <a:noAutofit/>
           </a:bodyPr>
           <a:lstStyle>
@@ -3844,15 +3866,19 @@
               <a:defRPr sz="2400"/>
             </a:lvl9pPr>
           </a:lstStyle>
-          <a:p/>
+          <a:p>
+            <a:endParaRPr/>
+          </a:p>
         </p:txBody>
       </p:sp>
       <p:sp>
         <p:nvSpPr>
           <p:cNvPr id="31" name="Google Shape;31;p7"/>
-          <p:cNvSpPr txBox="1"/>
+          <p:cNvSpPr txBox="1">
+            <a:spLocks noGrp="1"/>
+          </p:cNvSpPr>
           <p:nvPr>
-            <p:ph idx="1" type="body"/>
+            <p:ph type="body" idx="1"/>
           </p:nvPr>
         </p:nvSpPr>
         <p:spPr>
@@ -3865,11 +3891,11 @@
           </a:prstGeom>
         </p:spPr>
         <p:txBody>
-          <a:bodyPr anchorCtr="0" anchor="t" bIns="91425" lIns="91425" spcFirstLastPara="1" rIns="91425" wrap="square" tIns="91425">
+          <a:bodyPr spcFirstLastPara="1" wrap="square" lIns="91425" tIns="91425" rIns="91425" bIns="91425" anchor="t" anchorCtr="0">
             <a:noAutofit/>
           </a:bodyPr>
           <a:lstStyle>
-            <a:lvl1pPr indent="-304800" lvl="0" marL="457200">
+            <a:lvl1pPr marL="457200" lvl="0" indent="-304800">
               <a:spcBef>
                 <a:spcPts val="0"/>
               </a:spcBef>
@@ -3880,7 +3906,7 @@
               <a:buChar char="●"/>
               <a:defRPr sz="1200"/>
             </a:lvl1pPr>
-            <a:lvl2pPr indent="-304800" lvl="1" marL="914400">
+            <a:lvl2pPr marL="914400" lvl="1" indent="-304800">
               <a:spcBef>
                 <a:spcPts val="1600"/>
               </a:spcBef>
@@ -3891,7 +3917,7 @@
               <a:buChar char="○"/>
               <a:defRPr sz="1200"/>
             </a:lvl2pPr>
-            <a:lvl3pPr indent="-304800" lvl="2" marL="1371600">
+            <a:lvl3pPr marL="1371600" lvl="2" indent="-304800">
               <a:spcBef>
                 <a:spcPts val="1600"/>
               </a:spcBef>
@@ -3902,7 +3928,7 @@
               <a:buChar char="■"/>
               <a:defRPr sz="1200"/>
             </a:lvl3pPr>
-            <a:lvl4pPr indent="-304800" lvl="3" marL="1828800">
+            <a:lvl4pPr marL="1828800" lvl="3" indent="-304800">
               <a:spcBef>
                 <a:spcPts val="1600"/>
               </a:spcBef>
@@ -3913,7 +3939,7 @@
               <a:buChar char="●"/>
               <a:defRPr sz="1200"/>
             </a:lvl4pPr>
-            <a:lvl5pPr indent="-304800" lvl="4" marL="2286000">
+            <a:lvl5pPr marL="2286000" lvl="4" indent="-304800">
               <a:spcBef>
                 <a:spcPts val="1600"/>
               </a:spcBef>
@@ -3924,7 +3950,7 @@
               <a:buChar char="○"/>
               <a:defRPr sz="1200"/>
             </a:lvl5pPr>
-            <a:lvl6pPr indent="-304800" lvl="5" marL="2743200">
+            <a:lvl6pPr marL="2743200" lvl="5" indent="-304800">
               <a:spcBef>
                 <a:spcPts val="1600"/>
               </a:spcBef>
@@ -3935,7 +3961,7 @@
               <a:buChar char="■"/>
               <a:defRPr sz="1200"/>
             </a:lvl6pPr>
-            <a:lvl7pPr indent="-304800" lvl="6" marL="3200400">
+            <a:lvl7pPr marL="3200400" lvl="6" indent="-304800">
               <a:spcBef>
                 <a:spcPts val="1600"/>
               </a:spcBef>
@@ -3946,7 +3972,7 @@
               <a:buChar char="●"/>
               <a:defRPr sz="1200"/>
             </a:lvl7pPr>
-            <a:lvl8pPr indent="-304800" lvl="7" marL="3657600">
+            <a:lvl8pPr marL="3657600" lvl="7" indent="-304800">
               <a:spcBef>
                 <a:spcPts val="1600"/>
               </a:spcBef>
@@ -3957,7 +3983,7 @@
               <a:buChar char="○"/>
               <a:defRPr sz="1200"/>
             </a:lvl8pPr>
-            <a:lvl9pPr indent="-304800" lvl="8" marL="4114800">
+            <a:lvl9pPr marL="4114800" lvl="8" indent="-304800">
               <a:spcBef>
                 <a:spcPts val="1600"/>
               </a:spcBef>
@@ -3969,15 +3995,19 @@
               <a:defRPr sz="1200"/>
             </a:lvl9pPr>
           </a:lstStyle>
-          <a:p/>
+          <a:p>
+            <a:endParaRPr/>
+          </a:p>
         </p:txBody>
       </p:sp>
       <p:sp>
         <p:nvSpPr>
           <p:cNvPr id="32" name="Google Shape;32;p7"/>
-          <p:cNvSpPr txBox="1"/>
+          <p:cNvSpPr txBox="1">
+            <a:spLocks noGrp="1"/>
+          </p:cNvSpPr>
           <p:nvPr>
-            <p:ph idx="12" type="sldNum"/>
+            <p:ph type="sldNum" idx="12"/>
           </p:nvPr>
         </p:nvSpPr>
         <p:spPr>
@@ -3990,7 +4020,7 @@
           </a:prstGeom>
         </p:spPr>
         <p:txBody>
-          <a:bodyPr anchorCtr="0" anchor="ctr" bIns="91425" lIns="91425" spcFirstLastPara="1" rIns="91425" wrap="square" tIns="91425">
+          <a:bodyPr spcFirstLastPara="1" wrap="square" lIns="91425" tIns="91425" rIns="91425" bIns="91425" anchor="ctr" anchorCtr="0">
             <a:noAutofit/>
           </a:bodyPr>
           <a:lstStyle>
@@ -4032,7 +4062,7 @@
             </a:lvl9pPr>
           </a:lstStyle>
           <a:p>
-            <a:pPr indent="0" lvl="0" marL="0" rtl="0" algn="r">
+            <a:pPr marL="0" lvl="0" indent="0" algn="r" rtl="0">
               <a:spcBef>
                 <a:spcPts val="0"/>
               </a:spcBef>
@@ -4058,11 +4088,11 @@
 </file>
 
 <file path=ppt/slideLayouts/slideLayout7.xml><?xml version="1.0" encoding="utf-8"?>
-<p:sldLayout xmlns:a="http://schemas.openxmlformats.org/drawingml/2006/main" xmlns:r="http://schemas.openxmlformats.org/officeDocument/2006/relationships" xmlns:mc="http://schemas.openxmlformats.org/markup-compatibility/2006" xmlns:mv="urn:schemas-microsoft-com:mac:vml" xmlns:p="http://schemas.openxmlformats.org/presentationml/2006/main" xmlns:c="http://schemas.openxmlformats.org/drawingml/2006/chart" xmlns:dgm="http://schemas.openxmlformats.org/drawingml/2006/diagram" xmlns:o="urn:schemas-microsoft-com:office:office" xmlns:v="urn:schemas-microsoft-com:vml" xmlns:pvml="urn:schemas-microsoft-com:office:powerpoint" xmlns:com="http://schemas.openxmlformats.org/drawingml/2006/compatibility" xmlns:p14="http://schemas.microsoft.com/office/powerpoint/2010/main" xmlns:p15="http://schemas.microsoft.com/office/powerpoint/2012/main" matchingName="Main point">
+<p:sldLayout xmlns:a="http://schemas.openxmlformats.org/drawingml/2006/main" xmlns:r="http://schemas.openxmlformats.org/officeDocument/2006/relationships" xmlns:p="http://schemas.openxmlformats.org/presentationml/2006/main" matchingName="Main point">
   <p:cSld name="MAIN_POINT">
     <p:spTree>
       <p:nvGrpSpPr>
-        <p:cNvPr id="33" name="Shape 33"/>
+        <p:cNvPr id="1" name="Shape 33"/>
         <p:cNvGrpSpPr/>
         <p:nvPr/>
       </p:nvGrpSpPr>
@@ -4077,7 +4107,9 @@
       <p:sp>
         <p:nvSpPr>
           <p:cNvPr id="34" name="Google Shape;34;p8"/>
-          <p:cNvSpPr txBox="1"/>
+          <p:cNvSpPr txBox="1">
+            <a:spLocks noGrp="1"/>
+          </p:cNvSpPr>
           <p:nvPr>
             <p:ph type="title"/>
           </p:nvPr>
@@ -4092,7 +4124,7 @@
           </a:prstGeom>
         </p:spPr>
         <p:txBody>
-          <a:bodyPr anchorCtr="0" anchor="ctr" bIns="91425" lIns="91425" spcFirstLastPara="1" rIns="91425" wrap="square" tIns="91425">
+          <a:bodyPr spcFirstLastPara="1" wrap="square" lIns="91425" tIns="91425" rIns="91425" bIns="91425" anchor="ctr" anchorCtr="0">
             <a:noAutofit/>
           </a:bodyPr>
           <a:lstStyle>
@@ -4196,15 +4228,19 @@
               <a:defRPr sz="4800"/>
             </a:lvl9pPr>
           </a:lstStyle>
-          <a:p/>
+          <a:p>
+            <a:endParaRPr/>
+          </a:p>
         </p:txBody>
       </p:sp>
       <p:sp>
         <p:nvSpPr>
           <p:cNvPr id="35" name="Google Shape;35;p8"/>
-          <p:cNvSpPr txBox="1"/>
+          <p:cNvSpPr txBox="1">
+            <a:spLocks noGrp="1"/>
+          </p:cNvSpPr>
           <p:nvPr>
-            <p:ph idx="12" type="sldNum"/>
+            <p:ph type="sldNum" idx="12"/>
           </p:nvPr>
         </p:nvSpPr>
         <p:spPr>
@@ -4217,7 +4253,7 @@
           </a:prstGeom>
         </p:spPr>
         <p:txBody>
-          <a:bodyPr anchorCtr="0" anchor="ctr" bIns="91425" lIns="91425" spcFirstLastPara="1" rIns="91425" wrap="square" tIns="91425">
+          <a:bodyPr spcFirstLastPara="1" wrap="square" lIns="91425" tIns="91425" rIns="91425" bIns="91425" anchor="ctr" anchorCtr="0">
             <a:noAutofit/>
           </a:bodyPr>
           <a:lstStyle>
@@ -4259,7 +4295,7 @@
             </a:lvl9pPr>
           </a:lstStyle>
           <a:p>
-            <a:pPr indent="0" lvl="0" marL="0" rtl="0" algn="r">
+            <a:pPr marL="0" lvl="0" indent="0" algn="r" rtl="0">
               <a:spcBef>
                 <a:spcPts val="0"/>
               </a:spcBef>
@@ -4285,11 +4321,11 @@
 </file>
 
 <file path=ppt/slideLayouts/slideLayout8.xml><?xml version="1.0" encoding="utf-8"?>
-<p:sldLayout xmlns:a="http://schemas.openxmlformats.org/drawingml/2006/main" xmlns:r="http://schemas.openxmlformats.org/officeDocument/2006/relationships" xmlns:mc="http://schemas.openxmlformats.org/markup-compatibility/2006" xmlns:mv="urn:schemas-microsoft-com:mac:vml" xmlns:p="http://schemas.openxmlformats.org/presentationml/2006/main" xmlns:c="http://schemas.openxmlformats.org/drawingml/2006/chart" xmlns:dgm="http://schemas.openxmlformats.org/drawingml/2006/diagram" xmlns:o="urn:schemas-microsoft-com:office:office" xmlns:v="urn:schemas-microsoft-com:vml" xmlns:pvml="urn:schemas-microsoft-com:office:powerpoint" xmlns:com="http://schemas.openxmlformats.org/drawingml/2006/compatibility" xmlns:p14="http://schemas.microsoft.com/office/powerpoint/2010/main" xmlns:p15="http://schemas.microsoft.com/office/powerpoint/2012/main" matchingName="Section title and description">
+<p:sldLayout xmlns:a="http://schemas.openxmlformats.org/drawingml/2006/main" xmlns:r="http://schemas.openxmlformats.org/officeDocument/2006/relationships" xmlns:p="http://schemas.openxmlformats.org/presentationml/2006/main" matchingName="Section title and description">
   <p:cSld name="SECTION_TITLE_AND_DESCRIPTION">
     <p:spTree>
       <p:nvGrpSpPr>
-        <p:cNvPr id="36" name="Shape 36"/>
+        <p:cNvPr id="1" name="Shape 36"/>
         <p:cNvGrpSpPr/>
         <p:nvPr/>
       </p:nvGrpSpPr>
@@ -4323,12 +4359,12 @@
           </a:ln>
         </p:spPr>
         <p:txBody>
-          <a:bodyPr anchorCtr="0" anchor="ctr" bIns="91425" lIns="91425" spcFirstLastPara="1" rIns="91425" wrap="square" tIns="91425">
+          <a:bodyPr spcFirstLastPara="1" wrap="square" lIns="91425" tIns="91425" rIns="91425" bIns="91425" anchor="ctr" anchorCtr="0">
             <a:noAutofit/>
           </a:bodyPr>
           <a:lstStyle/>
           <a:p>
-            <a:pPr indent="0" lvl="0" marL="0" rtl="0" algn="l">
+            <a:pPr marL="0" lvl="0" indent="0" algn="l" rtl="0">
               <a:spcBef>
                 <a:spcPts val="0"/>
               </a:spcBef>
@@ -4337,9 +4373,6 @@
               </a:spcAft>
               <a:buNone/>
             </a:pPr>
-            <a:r>
-              <a:t/>
-            </a:r>
             <a:endParaRPr/>
           </a:p>
         </p:txBody>
@@ -4347,7 +4380,9 @@
       <p:sp>
         <p:nvSpPr>
           <p:cNvPr id="38" name="Google Shape;38;p9"/>
-          <p:cNvSpPr txBox="1"/>
+          <p:cNvSpPr txBox="1">
+            <a:spLocks noGrp="1"/>
+          </p:cNvSpPr>
           <p:nvPr>
             <p:ph type="title"/>
           </p:nvPr>
@@ -4362,7 +4397,7 @@
           </a:prstGeom>
         </p:spPr>
         <p:txBody>
-          <a:bodyPr anchorCtr="0" anchor="b" bIns="91425" lIns="91425" spcFirstLastPara="1" rIns="91425" wrap="square" tIns="91425">
+          <a:bodyPr spcFirstLastPara="1" wrap="square" lIns="91425" tIns="91425" rIns="91425" bIns="91425" anchor="b" anchorCtr="0">
             <a:noAutofit/>
           </a:bodyPr>
           <a:lstStyle>
@@ -4466,15 +4501,19 @@
               <a:defRPr sz="4200"/>
             </a:lvl9pPr>
           </a:lstStyle>
-          <a:p/>
+          <a:p>
+            <a:endParaRPr/>
+          </a:p>
         </p:txBody>
       </p:sp>
       <p:sp>
         <p:nvSpPr>
           <p:cNvPr id="39" name="Google Shape;39;p9"/>
-          <p:cNvSpPr txBox="1"/>
+          <p:cNvSpPr txBox="1">
+            <a:spLocks noGrp="1"/>
+          </p:cNvSpPr>
           <p:nvPr>
-            <p:ph idx="1" type="subTitle"/>
+            <p:ph type="subTitle" idx="1"/>
           </p:nvPr>
         </p:nvSpPr>
         <p:spPr>
@@ -4487,7 +4526,7 @@
           </a:prstGeom>
         </p:spPr>
         <p:txBody>
-          <a:bodyPr anchorCtr="0" anchor="t" bIns="91425" lIns="91425" spcFirstLastPara="1" rIns="91425" wrap="square" tIns="91425">
+          <a:bodyPr spcFirstLastPara="1" wrap="square" lIns="91425" tIns="91425" rIns="91425" bIns="91425" anchor="t" anchorCtr="0">
             <a:noAutofit/>
           </a:bodyPr>
           <a:lstStyle>
@@ -4618,15 +4657,19 @@
               <a:defRPr sz="2100"/>
             </a:lvl9pPr>
           </a:lstStyle>
-          <a:p/>
+          <a:p>
+            <a:endParaRPr/>
+          </a:p>
         </p:txBody>
       </p:sp>
       <p:sp>
         <p:nvSpPr>
           <p:cNvPr id="40" name="Google Shape;40;p9"/>
-          <p:cNvSpPr txBox="1"/>
+          <p:cNvSpPr txBox="1">
+            <a:spLocks noGrp="1"/>
+          </p:cNvSpPr>
           <p:nvPr>
-            <p:ph idx="2" type="body"/>
+            <p:ph type="body" idx="2"/>
           </p:nvPr>
         </p:nvSpPr>
         <p:spPr>
@@ -4639,11 +4682,11 @@
           </a:prstGeom>
         </p:spPr>
         <p:txBody>
-          <a:bodyPr anchorCtr="0" anchor="ctr" bIns="91425" lIns="91425" spcFirstLastPara="1" rIns="91425" wrap="square" tIns="91425">
+          <a:bodyPr spcFirstLastPara="1" wrap="square" lIns="91425" tIns="91425" rIns="91425" bIns="91425" anchor="ctr" anchorCtr="0">
             <a:noAutofit/>
           </a:bodyPr>
           <a:lstStyle>
-            <a:lvl1pPr indent="-342900" lvl="0" marL="457200">
+            <a:lvl1pPr marL="457200" lvl="0" indent="-342900">
               <a:spcBef>
                 <a:spcPts val="0"/>
               </a:spcBef>
@@ -4654,7 +4697,7 @@
               <a:buChar char="●"/>
               <a:defRPr/>
             </a:lvl1pPr>
-            <a:lvl2pPr indent="-317500" lvl="1" marL="914400">
+            <a:lvl2pPr marL="914400" lvl="1" indent="-317500">
               <a:spcBef>
                 <a:spcPts val="1600"/>
               </a:spcBef>
@@ -4665,7 +4708,7 @@
               <a:buChar char="○"/>
               <a:defRPr/>
             </a:lvl2pPr>
-            <a:lvl3pPr indent="-317500" lvl="2" marL="1371600">
+            <a:lvl3pPr marL="1371600" lvl="2" indent="-317500">
               <a:spcBef>
                 <a:spcPts val="1600"/>
               </a:spcBef>
@@ -4676,7 +4719,7 @@
               <a:buChar char="■"/>
               <a:defRPr/>
             </a:lvl3pPr>
-            <a:lvl4pPr indent="-317500" lvl="3" marL="1828800">
+            <a:lvl4pPr marL="1828800" lvl="3" indent="-317500">
               <a:spcBef>
                 <a:spcPts val="1600"/>
               </a:spcBef>
@@ -4687,7 +4730,7 @@
               <a:buChar char="●"/>
               <a:defRPr/>
             </a:lvl4pPr>
-            <a:lvl5pPr indent="-317500" lvl="4" marL="2286000">
+            <a:lvl5pPr marL="2286000" lvl="4" indent="-317500">
               <a:spcBef>
                 <a:spcPts val="1600"/>
               </a:spcBef>
@@ -4698,7 +4741,7 @@
               <a:buChar char="○"/>
               <a:defRPr/>
             </a:lvl5pPr>
-            <a:lvl6pPr indent="-317500" lvl="5" marL="2743200">
+            <a:lvl6pPr marL="2743200" lvl="5" indent="-317500">
               <a:spcBef>
                 <a:spcPts val="1600"/>
               </a:spcBef>
@@ -4709,7 +4752,7 @@
               <a:buChar char="■"/>
               <a:defRPr/>
             </a:lvl6pPr>
-            <a:lvl7pPr indent="-317500" lvl="6" marL="3200400">
+            <a:lvl7pPr marL="3200400" lvl="6" indent="-317500">
               <a:spcBef>
                 <a:spcPts val="1600"/>
               </a:spcBef>
@@ -4720,7 +4763,7 @@
               <a:buChar char="●"/>
               <a:defRPr/>
             </a:lvl7pPr>
-            <a:lvl8pPr indent="-317500" lvl="7" marL="3657600">
+            <a:lvl8pPr marL="3657600" lvl="7" indent="-317500">
               <a:spcBef>
                 <a:spcPts val="1600"/>
               </a:spcBef>
@@ -4731,7 +4774,7 @@
               <a:buChar char="○"/>
               <a:defRPr/>
             </a:lvl8pPr>
-            <a:lvl9pPr indent="-317500" lvl="8" marL="4114800">
+            <a:lvl9pPr marL="4114800" lvl="8" indent="-317500">
               <a:spcBef>
                 <a:spcPts val="1600"/>
               </a:spcBef>
@@ -4743,15 +4786,19 @@
               <a:defRPr/>
             </a:lvl9pPr>
           </a:lstStyle>
-          <a:p/>
+          <a:p>
+            <a:endParaRPr/>
+          </a:p>
         </p:txBody>
       </p:sp>
       <p:sp>
         <p:nvSpPr>
           <p:cNvPr id="41" name="Google Shape;41;p9"/>
-          <p:cNvSpPr txBox="1"/>
+          <p:cNvSpPr txBox="1">
+            <a:spLocks noGrp="1"/>
+          </p:cNvSpPr>
           <p:nvPr>
-            <p:ph idx="12" type="sldNum"/>
+            <p:ph type="sldNum" idx="12"/>
           </p:nvPr>
         </p:nvSpPr>
         <p:spPr>
@@ -4764,7 +4811,7 @@
           </a:prstGeom>
         </p:spPr>
         <p:txBody>
-          <a:bodyPr anchorCtr="0" anchor="ctr" bIns="91425" lIns="91425" spcFirstLastPara="1" rIns="91425" wrap="square" tIns="91425">
+          <a:bodyPr spcFirstLastPara="1" wrap="square" lIns="91425" tIns="91425" rIns="91425" bIns="91425" anchor="ctr" anchorCtr="0">
             <a:noAutofit/>
           </a:bodyPr>
           <a:lstStyle>
@@ -4806,7 +4853,7 @@
             </a:lvl9pPr>
           </a:lstStyle>
           <a:p>
-            <a:pPr indent="0" lvl="0" marL="0" rtl="0" algn="r">
+            <a:pPr marL="0" lvl="0" indent="0" algn="r" rtl="0">
               <a:spcBef>
                 <a:spcPts val="0"/>
               </a:spcBef>
@@ -4832,11 +4879,11 @@
 </file>
 
 <file path=ppt/slideLayouts/slideLayout9.xml><?xml version="1.0" encoding="utf-8"?>
-<p:sldLayout xmlns:a="http://schemas.openxmlformats.org/drawingml/2006/main" xmlns:r="http://schemas.openxmlformats.org/officeDocument/2006/relationships" xmlns:mc="http://schemas.openxmlformats.org/markup-compatibility/2006" xmlns:mv="urn:schemas-microsoft-com:mac:vml" xmlns:p="http://schemas.openxmlformats.org/presentationml/2006/main" xmlns:c="http://schemas.openxmlformats.org/drawingml/2006/chart" xmlns:dgm="http://schemas.openxmlformats.org/drawingml/2006/diagram" xmlns:o="urn:schemas-microsoft-com:office:office" xmlns:v="urn:schemas-microsoft-com:vml" xmlns:pvml="urn:schemas-microsoft-com:office:powerpoint" xmlns:com="http://schemas.openxmlformats.org/drawingml/2006/compatibility" xmlns:p14="http://schemas.microsoft.com/office/powerpoint/2010/main" xmlns:p15="http://schemas.microsoft.com/office/powerpoint/2012/main" matchingName="Caption">
+<p:sldLayout xmlns:a="http://schemas.openxmlformats.org/drawingml/2006/main" xmlns:r="http://schemas.openxmlformats.org/officeDocument/2006/relationships" xmlns:p="http://schemas.openxmlformats.org/presentationml/2006/main" matchingName="Caption">
   <p:cSld name="CAPTION_ONLY">
     <p:spTree>
       <p:nvGrpSpPr>
-        <p:cNvPr id="42" name="Shape 42"/>
+        <p:cNvPr id="1" name="Shape 42"/>
         <p:cNvGrpSpPr/>
         <p:nvPr/>
       </p:nvGrpSpPr>
@@ -4851,9 +4898,11 @@
       <p:sp>
         <p:nvSpPr>
           <p:cNvPr id="43" name="Google Shape;43;p10"/>
-          <p:cNvSpPr txBox="1"/>
+          <p:cNvSpPr txBox="1">
+            <a:spLocks noGrp="1"/>
+          </p:cNvSpPr>
           <p:nvPr>
-            <p:ph idx="1" type="body"/>
+            <p:ph type="body" idx="1"/>
           </p:nvPr>
         </p:nvSpPr>
         <p:spPr>
@@ -4866,11 +4915,11 @@
           </a:prstGeom>
         </p:spPr>
         <p:txBody>
-          <a:bodyPr anchorCtr="0" anchor="ctr" bIns="91425" lIns="91425" spcFirstLastPara="1" rIns="91425" wrap="square" tIns="91425">
+          <a:bodyPr spcFirstLastPara="1" wrap="square" lIns="91425" tIns="91425" rIns="91425" bIns="91425" anchor="ctr" anchorCtr="0">
             <a:noAutofit/>
           </a:bodyPr>
           <a:lstStyle>
-            <a:lvl1pPr indent="-228600" lvl="0" marL="457200">
+            <a:lvl1pPr marL="457200" lvl="0" indent="-228600">
               <a:lnSpc>
                 <a:spcPct val="100000"/>
               </a:lnSpc>
@@ -4885,15 +4934,19 @@
               <a:defRPr/>
             </a:lvl1pPr>
           </a:lstStyle>
-          <a:p/>
+          <a:p>
+            <a:endParaRPr/>
+          </a:p>
         </p:txBody>
       </p:sp>
       <p:sp>
         <p:nvSpPr>
           <p:cNvPr id="44" name="Google Shape;44;p10"/>
-          <p:cNvSpPr txBox="1"/>
+          <p:cNvSpPr txBox="1">
+            <a:spLocks noGrp="1"/>
+          </p:cNvSpPr>
           <p:nvPr>
-            <p:ph idx="12" type="sldNum"/>
+            <p:ph type="sldNum" idx="12"/>
           </p:nvPr>
         </p:nvSpPr>
         <p:spPr>
@@ -4906,7 +4959,7 @@
           </a:prstGeom>
         </p:spPr>
         <p:txBody>
-          <a:bodyPr anchorCtr="0" anchor="ctr" bIns="91425" lIns="91425" spcFirstLastPara="1" rIns="91425" wrap="square" tIns="91425">
+          <a:bodyPr spcFirstLastPara="1" wrap="square" lIns="91425" tIns="91425" rIns="91425" bIns="91425" anchor="ctr" anchorCtr="0">
             <a:noAutofit/>
           </a:bodyPr>
           <a:lstStyle>
@@ -4948,7 +5001,7 @@
             </a:lvl9pPr>
           </a:lstStyle>
           <a:p>
-            <a:pPr indent="0" lvl="0" marL="0" rtl="0" algn="r">
+            <a:pPr marL="0" lvl="0" indent="0" algn="r" rtl="0">
               <a:spcBef>
                 <a:spcPts val="0"/>
               </a:spcBef>
@@ -4974,18 +5027,19 @@
 </file>
 
 <file path=ppt/slideMasters/slideMaster1.xml><?xml version="1.0" encoding="utf-8"?>
-<p:sldMaster xmlns:a="http://schemas.openxmlformats.org/drawingml/2006/main" xmlns:r="http://schemas.openxmlformats.org/officeDocument/2006/relationships" xmlns:mc="http://schemas.openxmlformats.org/markup-compatibility/2006" xmlns:mv="urn:schemas-microsoft-com:mac:vml" xmlns:p="http://schemas.openxmlformats.org/presentationml/2006/main" xmlns:c="http://schemas.openxmlformats.org/drawingml/2006/chart" xmlns:dgm="http://schemas.openxmlformats.org/drawingml/2006/diagram" xmlns:o="urn:schemas-microsoft-com:office:office" xmlns:v="urn:schemas-microsoft-com:vml" xmlns:pvml="urn:schemas-microsoft-com:office:powerpoint" xmlns:com="http://schemas.openxmlformats.org/drawingml/2006/compatibility" xmlns:p14="http://schemas.microsoft.com/office/powerpoint/2010/main" xmlns:p15="http://schemas.microsoft.com/office/powerpoint/2012/main">
+<p:sldMaster xmlns:a="http://schemas.openxmlformats.org/drawingml/2006/main" xmlns:r="http://schemas.openxmlformats.org/officeDocument/2006/relationships" xmlns:p="http://schemas.openxmlformats.org/presentationml/2006/main">
   <p:cSld name="simple-light-2">
     <p:bg>
       <p:bgPr>
         <a:solidFill>
           <a:schemeClr val="lt1"/>
         </a:solidFill>
+        <a:effectLst/>
       </p:bgPr>
     </p:bg>
     <p:spTree>
       <p:nvGrpSpPr>
-        <p:cNvPr id="5" name="Shape 5"/>
+        <p:cNvPr id="1" name="Shape 5"/>
         <p:cNvGrpSpPr/>
         <p:nvPr/>
       </p:nvGrpSpPr>
@@ -5000,7 +5054,9 @@
       <p:sp>
         <p:nvSpPr>
           <p:cNvPr id="6" name="Google Shape;6;p1"/>
-          <p:cNvSpPr txBox="1"/>
+          <p:cNvSpPr txBox="1">
+            <a:spLocks noGrp="1"/>
+          </p:cNvSpPr>
           <p:nvPr>
             <p:ph type="title"/>
           </p:nvPr>
@@ -5019,7 +5075,7 @@
           </a:ln>
         </p:spPr>
         <p:txBody>
-          <a:bodyPr anchorCtr="0" anchor="t" bIns="91425" lIns="91425" spcFirstLastPara="1" rIns="91425" wrap="square" tIns="91425">
+          <a:bodyPr spcFirstLastPara="1" wrap="square" lIns="91425" tIns="91425" rIns="91425" bIns="91425" anchor="t" anchorCtr="0">
             <a:noAutofit/>
           </a:bodyPr>
           <a:lstStyle>
@@ -5186,15 +5242,19 @@
               </a:defRPr>
             </a:lvl9pPr>
           </a:lstStyle>
-          <a:p/>
+          <a:p>
+            <a:endParaRPr/>
+          </a:p>
         </p:txBody>
       </p:sp>
       <p:sp>
         <p:nvSpPr>
           <p:cNvPr id="7" name="Google Shape;7;p1"/>
-          <p:cNvSpPr txBox="1"/>
+          <p:cNvSpPr txBox="1">
+            <a:spLocks noGrp="1"/>
+          </p:cNvSpPr>
           <p:nvPr>
-            <p:ph idx="1" type="body"/>
+            <p:ph type="body" idx="1"/>
           </p:nvPr>
         </p:nvSpPr>
         <p:spPr>
@@ -5211,11 +5271,11 @@
           </a:ln>
         </p:spPr>
         <p:txBody>
-          <a:bodyPr anchorCtr="0" anchor="t" bIns="91425" lIns="91425" spcFirstLastPara="1" rIns="91425" wrap="square" tIns="91425">
+          <a:bodyPr spcFirstLastPara="1" wrap="square" lIns="91425" tIns="91425" rIns="91425" bIns="91425" anchor="t" anchorCtr="0">
             <a:noAutofit/>
           </a:bodyPr>
           <a:lstStyle>
-            <a:lvl1pPr indent="-342900" lvl="0" marL="457200">
+            <a:lvl1pPr marL="457200" lvl="0" indent="-342900">
               <a:lnSpc>
                 <a:spcPct val="115000"/>
               </a:lnSpc>
@@ -5236,7 +5296,7 @@
                 </a:solidFill>
               </a:defRPr>
             </a:lvl1pPr>
-            <a:lvl2pPr indent="-317500" lvl="1" marL="914400">
+            <a:lvl2pPr marL="914400" lvl="1" indent="-317500">
               <a:lnSpc>
                 <a:spcPct val="115000"/>
               </a:lnSpc>
@@ -5257,7 +5317,7 @@
                 </a:solidFill>
               </a:defRPr>
             </a:lvl2pPr>
-            <a:lvl3pPr indent="-317500" lvl="2" marL="1371600">
+            <a:lvl3pPr marL="1371600" lvl="2" indent="-317500">
               <a:lnSpc>
                 <a:spcPct val="115000"/>
               </a:lnSpc>
@@ -5278,7 +5338,7 @@
                 </a:solidFill>
               </a:defRPr>
             </a:lvl3pPr>
-            <a:lvl4pPr indent="-317500" lvl="3" marL="1828800">
+            <a:lvl4pPr marL="1828800" lvl="3" indent="-317500">
               <a:lnSpc>
                 <a:spcPct val="115000"/>
               </a:lnSpc>
@@ -5299,7 +5359,7 @@
                 </a:solidFill>
               </a:defRPr>
             </a:lvl4pPr>
-            <a:lvl5pPr indent="-317500" lvl="4" marL="2286000">
+            <a:lvl5pPr marL="2286000" lvl="4" indent="-317500">
               <a:lnSpc>
                 <a:spcPct val="115000"/>
               </a:lnSpc>
@@ -5320,7 +5380,7 @@
                 </a:solidFill>
               </a:defRPr>
             </a:lvl5pPr>
-            <a:lvl6pPr indent="-317500" lvl="5" marL="2743200">
+            <a:lvl6pPr marL="2743200" lvl="5" indent="-317500">
               <a:lnSpc>
                 <a:spcPct val="115000"/>
               </a:lnSpc>
@@ -5341,7 +5401,7 @@
                 </a:solidFill>
               </a:defRPr>
             </a:lvl6pPr>
-            <a:lvl7pPr indent="-317500" lvl="6" marL="3200400">
+            <a:lvl7pPr marL="3200400" lvl="6" indent="-317500">
               <a:lnSpc>
                 <a:spcPct val="115000"/>
               </a:lnSpc>
@@ -5362,7 +5422,7 @@
                 </a:solidFill>
               </a:defRPr>
             </a:lvl7pPr>
-            <a:lvl8pPr indent="-317500" lvl="7" marL="3657600">
+            <a:lvl8pPr marL="3657600" lvl="7" indent="-317500">
               <a:lnSpc>
                 <a:spcPct val="115000"/>
               </a:lnSpc>
@@ -5383,7 +5443,7 @@
                 </a:solidFill>
               </a:defRPr>
             </a:lvl8pPr>
-            <a:lvl9pPr indent="-317500" lvl="8" marL="4114800">
+            <a:lvl9pPr marL="4114800" lvl="8" indent="-317500">
               <a:lnSpc>
                 <a:spcPct val="115000"/>
               </a:lnSpc>
@@ -5405,15 +5465,19 @@
               </a:defRPr>
             </a:lvl9pPr>
           </a:lstStyle>
-          <a:p/>
+          <a:p>
+            <a:endParaRPr/>
+          </a:p>
         </p:txBody>
       </p:sp>
       <p:sp>
         <p:nvSpPr>
           <p:cNvPr id="8" name="Google Shape;8;p1"/>
-          <p:cNvSpPr txBox="1"/>
+          <p:cNvSpPr txBox="1">
+            <a:spLocks noGrp="1"/>
+          </p:cNvSpPr>
           <p:nvPr>
-            <p:ph idx="12" type="sldNum"/>
+            <p:ph type="sldNum" idx="12"/>
           </p:nvPr>
         </p:nvSpPr>
         <p:spPr>
@@ -5430,7 +5494,7 @@
           </a:ln>
         </p:spPr>
         <p:txBody>
-          <a:bodyPr anchorCtr="0" anchor="ctr" bIns="91425" lIns="91425" spcFirstLastPara="1" rIns="91425" wrap="square" tIns="91425">
+          <a:bodyPr spcFirstLastPara="1" wrap="square" lIns="91425" tIns="91425" rIns="91425" bIns="91425" anchor="ctr" anchorCtr="0">
             <a:noAutofit/>
           </a:bodyPr>
           <a:lstStyle>
@@ -5508,7 +5572,7 @@
             </a:lvl9pPr>
           </a:lstStyle>
           <a:p>
-            <a:pPr indent="0" lvl="0" marL="0" rtl="0" algn="r">
+            <a:pPr marL="0" lvl="0" indent="0" algn="r" rtl="0">
               <a:spcBef>
                 <a:spcPts val="0"/>
               </a:spcBef>
@@ -5525,54 +5589,33 @@
           </a:p>
         </p:txBody>
       </p:sp>
-      <p:pic>
-        <p:nvPicPr>
-          <p:cNvPr id="9" name="Google Shape;9;p1"/>
-          <p:cNvPicPr preferRelativeResize="0"/>
-          <p:nvPr/>
-        </p:nvPicPr>
-        <p:blipFill>
-          <a:blip r:embed="rId1">
-            <a:alphaModFix/>
-          </a:blip>
-          <a:stretch>
-            <a:fillRect/>
-          </a:stretch>
-        </p:blipFill>
-        <p:spPr>
-          <a:xfrm>
-            <a:off x="8219825" y="0"/>
-            <a:ext cx="924175" cy="924175"/>
-          </a:xfrm>
-          <a:prstGeom prst="rect">
-            <a:avLst/>
-          </a:prstGeom>
-          <a:noFill/>
-          <a:ln>
-            <a:noFill/>
-          </a:ln>
-        </p:spPr>
-      </p:pic>
     </p:spTree>
   </p:cSld>
-  <p:clrMap accent1="accent1" accent2="accent2" accent3="accent3" accent4="accent4" accent5="accent5" accent6="accent6" bg1="lt1" bg2="dk2" tx1="dk1" tx2="lt2" folHlink="folHlink" hlink="hlink"/>
+  <p:clrMap bg1="lt1" tx1="dk1" bg2="dk2" tx2="lt2" accent1="accent1" accent2="accent2" accent3="accent3" accent4="accent4" accent5="accent5" accent6="accent6" hlink="hlink" folHlink="folHlink"/>
   <p:sldLayoutIdLst>
-    <p:sldLayoutId id="2147483648" r:id="rId2"/>
-    <p:sldLayoutId id="2147483649" r:id="rId3"/>
-    <p:sldLayoutId id="2147483650" r:id="rId4"/>
-    <p:sldLayoutId id="2147483651" r:id="rId5"/>
-    <p:sldLayoutId id="2147483652" r:id="rId6"/>
-    <p:sldLayoutId id="2147483653" r:id="rId7"/>
-    <p:sldLayoutId id="2147483654" r:id="rId8"/>
-    <p:sldLayoutId id="2147483655" r:id="rId9"/>
-    <p:sldLayoutId id="2147483656" r:id="rId10"/>
-    <p:sldLayoutId id="2147483657" r:id="rId11"/>
-    <p:sldLayoutId id="2147483658" r:id="rId12"/>
+    <p:sldLayoutId id="2147483648" r:id="rId1"/>
+    <p:sldLayoutId id="2147483649" r:id="rId2"/>
+    <p:sldLayoutId id="2147483650" r:id="rId3"/>
+    <p:sldLayoutId id="2147483651" r:id="rId4"/>
+    <p:sldLayoutId id="2147483652" r:id="rId5"/>
+    <p:sldLayoutId id="2147483653" r:id="rId6"/>
+    <p:sldLayoutId id="2147483654" r:id="rId7"/>
+    <p:sldLayoutId id="2147483655" r:id="rId8"/>
+    <p:sldLayoutId id="2147483656" r:id="rId9"/>
+    <p:sldLayoutId id="2147483657" r:id="rId10"/>
+    <p:sldLayoutId id="2147483658" r:id="rId11"/>
   </p:sldLayoutIdLst>
-  <p:hf dt="0" ftr="0" hdr="0" sldNum="0"/>
+  <p:timing>
+    <p:tnLst>
+      <p:par>
+        <p:cTn id="1" dur="indefinite" restart="never" nodeType="tmRoot"/>
+      </p:par>
+    </p:tnLst>
+  </p:timing>
+  <p:hf sldNum="0" hdr="0" ftr="0" dt="0"/>
   <p:txStyles>
     <p:titleStyle>
-      <a:defPPr lvl="0" marR="0" rtl="0" algn="l">
+      <a:defPPr marR="0" lvl="0" algn="l" rtl="0">
         <a:lnSpc>
           <a:spcPct val="100000"/>
         </a:lnSpc>
@@ -5583,7 +5626,7 @@
           <a:spcPts val="0"/>
         </a:spcAft>
       </a:defPPr>
-      <a:lvl1pPr lvl="0" marR="0" rtl="0" algn="l">
+      <a:lvl1pPr marR="0" lvl="0" algn="l" rtl="0">
         <a:lnSpc>
           <a:spcPct val="100000"/>
         </a:lnSpc>
@@ -5597,7 +5640,7 @@
           <a:srgbClr val="000000"/>
         </a:buClr>
         <a:buFont typeface="Arial"/>
-        <a:defRPr b="0" i="0" sz="1400" u="none" cap="none" strike="noStrike">
+        <a:defRPr sz="1400" b="0" i="0" u="none" strike="noStrike" cap="none">
           <a:solidFill>
             <a:srgbClr val="000000"/>
           </a:solidFill>
@@ -5607,7 +5650,7 @@
           <a:sym typeface="Arial"/>
         </a:defRPr>
       </a:lvl1pPr>
-      <a:lvl2pPr lvl="1" marR="0" rtl="0" algn="l">
+      <a:lvl2pPr marR="0" lvl="1" algn="l" rtl="0">
         <a:lnSpc>
           <a:spcPct val="100000"/>
         </a:lnSpc>
@@ -5621,7 +5664,7 @@
           <a:srgbClr val="000000"/>
         </a:buClr>
         <a:buFont typeface="Arial"/>
-        <a:defRPr b="0" i="0" sz="1400" u="none" cap="none" strike="noStrike">
+        <a:defRPr sz="1400" b="0" i="0" u="none" strike="noStrike" cap="none">
           <a:solidFill>
             <a:srgbClr val="000000"/>
           </a:solidFill>
@@ -5631,7 +5674,7 @@
           <a:sym typeface="Arial"/>
         </a:defRPr>
       </a:lvl2pPr>
-      <a:lvl3pPr lvl="2" marR="0" rtl="0" algn="l">
+      <a:lvl3pPr marR="0" lvl="2" algn="l" rtl="0">
         <a:lnSpc>
           <a:spcPct val="100000"/>
         </a:lnSpc>
@@ -5645,7 +5688,7 @@
           <a:srgbClr val="000000"/>
         </a:buClr>
         <a:buFont typeface="Arial"/>
-        <a:defRPr b="0" i="0" sz="1400" u="none" cap="none" strike="noStrike">
+        <a:defRPr sz="1400" b="0" i="0" u="none" strike="noStrike" cap="none">
           <a:solidFill>
             <a:srgbClr val="000000"/>
           </a:solidFill>
@@ -5655,7 +5698,7 @@
           <a:sym typeface="Arial"/>
         </a:defRPr>
       </a:lvl3pPr>
-      <a:lvl4pPr lvl="3" marR="0" rtl="0" algn="l">
+      <a:lvl4pPr marR="0" lvl="3" algn="l" rtl="0">
         <a:lnSpc>
           <a:spcPct val="100000"/>
         </a:lnSpc>
@@ -5669,7 +5712,7 @@
           <a:srgbClr val="000000"/>
         </a:buClr>
         <a:buFont typeface="Arial"/>
-        <a:defRPr b="0" i="0" sz="1400" u="none" cap="none" strike="noStrike">
+        <a:defRPr sz="1400" b="0" i="0" u="none" strike="noStrike" cap="none">
           <a:solidFill>
             <a:srgbClr val="000000"/>
           </a:solidFill>
@@ -5679,7 +5722,7 @@
           <a:sym typeface="Arial"/>
         </a:defRPr>
       </a:lvl4pPr>
-      <a:lvl5pPr lvl="4" marR="0" rtl="0" algn="l">
+      <a:lvl5pPr marR="0" lvl="4" algn="l" rtl="0">
         <a:lnSpc>
           <a:spcPct val="100000"/>
         </a:lnSpc>
@@ -5693,7 +5736,7 @@
           <a:srgbClr val="000000"/>
         </a:buClr>
         <a:buFont typeface="Arial"/>
-        <a:defRPr b="0" i="0" sz="1400" u="none" cap="none" strike="noStrike">
+        <a:defRPr sz="1400" b="0" i="0" u="none" strike="noStrike" cap="none">
           <a:solidFill>
             <a:srgbClr val="000000"/>
           </a:solidFill>
@@ -5703,7 +5746,7 @@
           <a:sym typeface="Arial"/>
         </a:defRPr>
       </a:lvl5pPr>
-      <a:lvl6pPr lvl="5" marR="0" rtl="0" algn="l">
+      <a:lvl6pPr marR="0" lvl="5" algn="l" rtl="0">
         <a:lnSpc>
           <a:spcPct val="100000"/>
         </a:lnSpc>
@@ -5717,7 +5760,7 @@
           <a:srgbClr val="000000"/>
         </a:buClr>
         <a:buFont typeface="Arial"/>
-        <a:defRPr b="0" i="0" sz="1400" u="none" cap="none" strike="noStrike">
+        <a:defRPr sz="1400" b="0" i="0" u="none" strike="noStrike" cap="none">
           <a:solidFill>
             <a:srgbClr val="000000"/>
           </a:solidFill>
@@ -5727,7 +5770,7 @@
           <a:sym typeface="Arial"/>
         </a:defRPr>
       </a:lvl6pPr>
-      <a:lvl7pPr lvl="6" marR="0" rtl="0" algn="l">
+      <a:lvl7pPr marR="0" lvl="6" algn="l" rtl="0">
         <a:lnSpc>
           <a:spcPct val="100000"/>
         </a:lnSpc>
@@ -5741,7 +5784,7 @@
           <a:srgbClr val="000000"/>
         </a:buClr>
         <a:buFont typeface="Arial"/>
-        <a:defRPr b="0" i="0" sz="1400" u="none" cap="none" strike="noStrike">
+        <a:defRPr sz="1400" b="0" i="0" u="none" strike="noStrike" cap="none">
           <a:solidFill>
             <a:srgbClr val="000000"/>
           </a:solidFill>
@@ -5751,7 +5794,7 @@
           <a:sym typeface="Arial"/>
         </a:defRPr>
       </a:lvl7pPr>
-      <a:lvl8pPr lvl="7" marR="0" rtl="0" algn="l">
+      <a:lvl8pPr marR="0" lvl="7" algn="l" rtl="0">
         <a:lnSpc>
           <a:spcPct val="100000"/>
         </a:lnSpc>
@@ -5765,7 +5808,7 @@
           <a:srgbClr val="000000"/>
         </a:buClr>
         <a:buFont typeface="Arial"/>
-        <a:defRPr b="0" i="0" sz="1400" u="none" cap="none" strike="noStrike">
+        <a:defRPr sz="1400" b="0" i="0" u="none" strike="noStrike" cap="none">
           <a:solidFill>
             <a:srgbClr val="000000"/>
           </a:solidFill>
@@ -5775,7 +5818,7 @@
           <a:sym typeface="Arial"/>
         </a:defRPr>
       </a:lvl8pPr>
-      <a:lvl9pPr lvl="8" marR="0" rtl="0" algn="l">
+      <a:lvl9pPr marR="0" lvl="8" algn="l" rtl="0">
         <a:lnSpc>
           <a:spcPct val="100000"/>
         </a:lnSpc>
@@ -5789,7 +5832,7 @@
           <a:srgbClr val="000000"/>
         </a:buClr>
         <a:buFont typeface="Arial"/>
-        <a:defRPr b="0" i="0" sz="1400" u="none" cap="none" strike="noStrike">
+        <a:defRPr sz="1400" b="0" i="0" u="none" strike="noStrike" cap="none">
           <a:solidFill>
             <a:srgbClr val="000000"/>
           </a:solidFill>
@@ -5801,7 +5844,7 @@
       </a:lvl9pPr>
     </p:titleStyle>
     <p:bodyStyle>
-      <a:defPPr lvl="0" marR="0" rtl="0" algn="l">
+      <a:defPPr marR="0" lvl="0" algn="l" rtl="0">
         <a:lnSpc>
           <a:spcPct val="100000"/>
         </a:lnSpc>
@@ -5812,7 +5855,7 @@
           <a:spcPts val="0"/>
         </a:spcAft>
       </a:defPPr>
-      <a:lvl1pPr lvl="0" marR="0" rtl="0" algn="l">
+      <a:lvl1pPr marR="0" lvl="0" algn="l" rtl="0">
         <a:lnSpc>
           <a:spcPct val="100000"/>
         </a:lnSpc>
@@ -5826,7 +5869,7 @@
           <a:srgbClr val="000000"/>
         </a:buClr>
         <a:buFont typeface="Arial"/>
-        <a:defRPr b="0" i="0" sz="1400" u="none" cap="none" strike="noStrike">
+        <a:defRPr sz="1400" b="0" i="0" u="none" strike="noStrike" cap="none">
           <a:solidFill>
             <a:srgbClr val="000000"/>
           </a:solidFill>
@@ -5836,7 +5879,7 @@
           <a:sym typeface="Arial"/>
         </a:defRPr>
       </a:lvl1pPr>
-      <a:lvl2pPr lvl="1" marR="0" rtl="0" algn="l">
+      <a:lvl2pPr marR="0" lvl="1" algn="l" rtl="0">
         <a:lnSpc>
           <a:spcPct val="100000"/>
         </a:lnSpc>
@@ -5850,7 +5893,7 @@
           <a:srgbClr val="000000"/>
         </a:buClr>
         <a:buFont typeface="Arial"/>
-        <a:defRPr b="0" i="0" sz="1400" u="none" cap="none" strike="noStrike">
+        <a:defRPr sz="1400" b="0" i="0" u="none" strike="noStrike" cap="none">
           <a:solidFill>
             <a:srgbClr val="000000"/>
           </a:solidFill>
@@ -5860,7 +5903,7 @@
           <a:sym typeface="Arial"/>
         </a:defRPr>
       </a:lvl2pPr>
-      <a:lvl3pPr lvl="2" marR="0" rtl="0" algn="l">
+      <a:lvl3pPr marR="0" lvl="2" algn="l" rtl="0">
         <a:lnSpc>
           <a:spcPct val="100000"/>
         </a:lnSpc>
@@ -5874,7 +5917,7 @@
           <a:srgbClr val="000000"/>
         </a:buClr>
         <a:buFont typeface="Arial"/>
-        <a:defRPr b="0" i="0" sz="1400" u="none" cap="none" strike="noStrike">
+        <a:defRPr sz="1400" b="0" i="0" u="none" strike="noStrike" cap="none">
           <a:solidFill>
             <a:srgbClr val="000000"/>
           </a:solidFill>
@@ -5884,7 +5927,7 @@
           <a:sym typeface="Arial"/>
         </a:defRPr>
       </a:lvl3pPr>
-      <a:lvl4pPr lvl="3" marR="0" rtl="0" algn="l">
+      <a:lvl4pPr marR="0" lvl="3" algn="l" rtl="0">
         <a:lnSpc>
           <a:spcPct val="100000"/>
         </a:lnSpc>
@@ -5898,7 +5941,7 @@
           <a:srgbClr val="000000"/>
         </a:buClr>
         <a:buFont typeface="Arial"/>
-        <a:defRPr b="0" i="0" sz="1400" u="none" cap="none" strike="noStrike">
+        <a:defRPr sz="1400" b="0" i="0" u="none" strike="noStrike" cap="none">
           <a:solidFill>
             <a:srgbClr val="000000"/>
           </a:solidFill>
@@ -5908,7 +5951,7 @@
           <a:sym typeface="Arial"/>
         </a:defRPr>
       </a:lvl4pPr>
-      <a:lvl5pPr lvl="4" marR="0" rtl="0" algn="l">
+      <a:lvl5pPr marR="0" lvl="4" algn="l" rtl="0">
         <a:lnSpc>
           <a:spcPct val="100000"/>
         </a:lnSpc>
@@ -5922,7 +5965,7 @@
           <a:srgbClr val="000000"/>
         </a:buClr>
         <a:buFont typeface="Arial"/>
-        <a:defRPr b="0" i="0" sz="1400" u="none" cap="none" strike="noStrike">
+        <a:defRPr sz="1400" b="0" i="0" u="none" strike="noStrike" cap="none">
           <a:solidFill>
             <a:srgbClr val="000000"/>
           </a:solidFill>
@@ -5932,7 +5975,7 @@
           <a:sym typeface="Arial"/>
         </a:defRPr>
       </a:lvl5pPr>
-      <a:lvl6pPr lvl="5" marR="0" rtl="0" algn="l">
+      <a:lvl6pPr marR="0" lvl="5" algn="l" rtl="0">
         <a:lnSpc>
           <a:spcPct val="100000"/>
         </a:lnSpc>
@@ -5946,7 +5989,7 @@
           <a:srgbClr val="000000"/>
         </a:buClr>
         <a:buFont typeface="Arial"/>
-        <a:defRPr b="0" i="0" sz="1400" u="none" cap="none" strike="noStrike">
+        <a:defRPr sz="1400" b="0" i="0" u="none" strike="noStrike" cap="none">
           <a:solidFill>
             <a:srgbClr val="000000"/>
           </a:solidFill>
@@ -5956,7 +5999,7 @@
           <a:sym typeface="Arial"/>
         </a:defRPr>
       </a:lvl6pPr>
-      <a:lvl7pPr lvl="6" marR="0" rtl="0" algn="l">
+      <a:lvl7pPr marR="0" lvl="6" algn="l" rtl="0">
         <a:lnSpc>
           <a:spcPct val="100000"/>
         </a:lnSpc>
@@ -5970,7 +6013,7 @@
           <a:srgbClr val="000000"/>
         </a:buClr>
         <a:buFont typeface="Arial"/>
-        <a:defRPr b="0" i="0" sz="1400" u="none" cap="none" strike="noStrike">
+        <a:defRPr sz="1400" b="0" i="0" u="none" strike="noStrike" cap="none">
           <a:solidFill>
             <a:srgbClr val="000000"/>
           </a:solidFill>
@@ -5980,7 +6023,7 @@
           <a:sym typeface="Arial"/>
         </a:defRPr>
       </a:lvl7pPr>
-      <a:lvl8pPr lvl="7" marR="0" rtl="0" algn="l">
+      <a:lvl8pPr marR="0" lvl="7" algn="l" rtl="0">
         <a:lnSpc>
           <a:spcPct val="100000"/>
         </a:lnSpc>
@@ -5994,7 +6037,7 @@
           <a:srgbClr val="000000"/>
         </a:buClr>
         <a:buFont typeface="Arial"/>
-        <a:defRPr b="0" i="0" sz="1400" u="none" cap="none" strike="noStrike">
+        <a:defRPr sz="1400" b="0" i="0" u="none" strike="noStrike" cap="none">
           <a:solidFill>
             <a:srgbClr val="000000"/>
           </a:solidFill>
@@ -6004,7 +6047,7 @@
           <a:sym typeface="Arial"/>
         </a:defRPr>
       </a:lvl8pPr>
-      <a:lvl9pPr lvl="8" marR="0" rtl="0" algn="l">
+      <a:lvl9pPr marR="0" lvl="8" algn="l" rtl="0">
         <a:lnSpc>
           <a:spcPct val="100000"/>
         </a:lnSpc>
@@ -6018,7 +6061,7 @@
           <a:srgbClr val="000000"/>
         </a:buClr>
         <a:buFont typeface="Arial"/>
-        <a:defRPr b="0" i="0" sz="1400" u="none" cap="none" strike="noStrike">
+        <a:defRPr sz="1400" b="0" i="0" u="none" strike="noStrike" cap="none">
           <a:solidFill>
             <a:srgbClr val="000000"/>
           </a:solidFill>
@@ -6030,7 +6073,7 @@
       </a:lvl9pPr>
     </p:bodyStyle>
     <p:otherStyle>
-      <a:defPPr lvl="0" marR="0" rtl="0" algn="l">
+      <a:defPPr marR="0" lvl="0" algn="l" rtl="0">
         <a:lnSpc>
           <a:spcPct val="100000"/>
         </a:lnSpc>
@@ -6041,7 +6084,7 @@
           <a:spcPts val="0"/>
         </a:spcAft>
       </a:defPPr>
-      <a:lvl1pPr lvl="0" marR="0" rtl="0" algn="l">
+      <a:lvl1pPr marR="0" lvl="0" algn="l" rtl="0">
         <a:lnSpc>
           <a:spcPct val="100000"/>
         </a:lnSpc>
@@ -6055,7 +6098,7 @@
           <a:srgbClr val="000000"/>
         </a:buClr>
         <a:buFont typeface="Arial"/>
-        <a:defRPr b="0" i="0" sz="1400" u="none" cap="none" strike="noStrike">
+        <a:defRPr sz="1400" b="0" i="0" u="none" strike="noStrike" cap="none">
           <a:solidFill>
             <a:srgbClr val="000000"/>
           </a:solidFill>
@@ -6065,7 +6108,7 @@
           <a:sym typeface="Arial"/>
         </a:defRPr>
       </a:lvl1pPr>
-      <a:lvl2pPr lvl="1" marR="0" rtl="0" algn="l">
+      <a:lvl2pPr marR="0" lvl="1" algn="l" rtl="0">
         <a:lnSpc>
           <a:spcPct val="100000"/>
         </a:lnSpc>
@@ -6079,7 +6122,7 @@
           <a:srgbClr val="000000"/>
         </a:buClr>
         <a:buFont typeface="Arial"/>
-        <a:defRPr b="0" i="0" sz="1400" u="none" cap="none" strike="noStrike">
+        <a:defRPr sz="1400" b="0" i="0" u="none" strike="noStrike" cap="none">
           <a:solidFill>
             <a:srgbClr val="000000"/>
           </a:solidFill>
@@ -6089,7 +6132,7 @@
           <a:sym typeface="Arial"/>
         </a:defRPr>
       </a:lvl2pPr>
-      <a:lvl3pPr lvl="2" marR="0" rtl="0" algn="l">
+      <a:lvl3pPr marR="0" lvl="2" algn="l" rtl="0">
         <a:lnSpc>
           <a:spcPct val="100000"/>
         </a:lnSpc>
@@ -6103,7 +6146,7 @@
           <a:srgbClr val="000000"/>
         </a:buClr>
         <a:buFont typeface="Arial"/>
-        <a:defRPr b="0" i="0" sz="1400" u="none" cap="none" strike="noStrike">
+        <a:defRPr sz="1400" b="0" i="0" u="none" strike="noStrike" cap="none">
           <a:solidFill>
             <a:srgbClr val="000000"/>
           </a:solidFill>
@@ -6113,7 +6156,7 @@
           <a:sym typeface="Arial"/>
         </a:defRPr>
       </a:lvl3pPr>
-      <a:lvl4pPr lvl="3" marR="0" rtl="0" algn="l">
+      <a:lvl4pPr marR="0" lvl="3" algn="l" rtl="0">
         <a:lnSpc>
           <a:spcPct val="100000"/>
         </a:lnSpc>
@@ -6127,7 +6170,7 @@
           <a:srgbClr val="000000"/>
         </a:buClr>
         <a:buFont typeface="Arial"/>
-        <a:defRPr b="0" i="0" sz="1400" u="none" cap="none" strike="noStrike">
+        <a:defRPr sz="1400" b="0" i="0" u="none" strike="noStrike" cap="none">
           <a:solidFill>
             <a:srgbClr val="000000"/>
           </a:solidFill>
@@ -6137,7 +6180,7 @@
           <a:sym typeface="Arial"/>
         </a:defRPr>
       </a:lvl4pPr>
-      <a:lvl5pPr lvl="4" marR="0" rtl="0" algn="l">
+      <a:lvl5pPr marR="0" lvl="4" algn="l" rtl="0">
         <a:lnSpc>
           <a:spcPct val="100000"/>
         </a:lnSpc>
@@ -6151,7 +6194,7 @@
           <a:srgbClr val="000000"/>
         </a:buClr>
         <a:buFont typeface="Arial"/>
-        <a:defRPr b="0" i="0" sz="1400" u="none" cap="none" strike="noStrike">
+        <a:defRPr sz="1400" b="0" i="0" u="none" strike="noStrike" cap="none">
           <a:solidFill>
             <a:srgbClr val="000000"/>
           </a:solidFill>
@@ -6161,7 +6204,7 @@
           <a:sym typeface="Arial"/>
         </a:defRPr>
       </a:lvl5pPr>
-      <a:lvl6pPr lvl="5" marR="0" rtl="0" algn="l">
+      <a:lvl6pPr marR="0" lvl="5" algn="l" rtl="0">
         <a:lnSpc>
           <a:spcPct val="100000"/>
         </a:lnSpc>
@@ -6175,7 +6218,7 @@
           <a:srgbClr val="000000"/>
         </a:buClr>
         <a:buFont typeface="Arial"/>
-        <a:defRPr b="0" i="0" sz="1400" u="none" cap="none" strike="noStrike">
+        <a:defRPr sz="1400" b="0" i="0" u="none" strike="noStrike" cap="none">
           <a:solidFill>
             <a:srgbClr val="000000"/>
           </a:solidFill>
@@ -6185,7 +6228,7 @@
           <a:sym typeface="Arial"/>
         </a:defRPr>
       </a:lvl6pPr>
-      <a:lvl7pPr lvl="6" marR="0" rtl="0" algn="l">
+      <a:lvl7pPr marR="0" lvl="6" algn="l" rtl="0">
         <a:lnSpc>
           <a:spcPct val="100000"/>
         </a:lnSpc>
@@ -6199,7 +6242,7 @@
           <a:srgbClr val="000000"/>
         </a:buClr>
         <a:buFont typeface="Arial"/>
-        <a:defRPr b="0" i="0" sz="1400" u="none" cap="none" strike="noStrike">
+        <a:defRPr sz="1400" b="0" i="0" u="none" strike="noStrike" cap="none">
           <a:solidFill>
             <a:srgbClr val="000000"/>
           </a:solidFill>
@@ -6209,7 +6252,7 @@
           <a:sym typeface="Arial"/>
         </a:defRPr>
       </a:lvl7pPr>
-      <a:lvl8pPr lvl="7" marR="0" rtl="0" algn="l">
+      <a:lvl8pPr marR="0" lvl="7" algn="l" rtl="0">
         <a:lnSpc>
           <a:spcPct val="100000"/>
         </a:lnSpc>
@@ -6223,7 +6266,7 @@
           <a:srgbClr val="000000"/>
         </a:buClr>
         <a:buFont typeface="Arial"/>
-        <a:defRPr b="0" i="0" sz="1400" u="none" cap="none" strike="noStrike">
+        <a:defRPr sz="1400" b="0" i="0" u="none" strike="noStrike" cap="none">
           <a:solidFill>
             <a:srgbClr val="000000"/>
           </a:solidFill>
@@ -6233,7 +6276,7 @@
           <a:sym typeface="Arial"/>
         </a:defRPr>
       </a:lvl8pPr>
-      <a:lvl9pPr lvl="8" marR="0" rtl="0" algn="l">
+      <a:lvl9pPr marR="0" lvl="8" algn="l" rtl="0">
         <a:lnSpc>
           <a:spcPct val="100000"/>
         </a:lnSpc>
@@ -6247,7 +6290,7 @@
           <a:srgbClr val="000000"/>
         </a:buClr>
         <a:buFont typeface="Arial"/>
-        <a:defRPr b="0" i="0" sz="1400" u="none" cap="none" strike="noStrike">
+        <a:defRPr sz="1400" b="0" i="0" u="none" strike="noStrike" cap="none">
           <a:solidFill>
             <a:srgbClr val="000000"/>
           </a:solidFill>
@@ -6263,11 +6306,11 @@
 </file>
 
 <file path=ppt/slides/slide1.xml><?xml version="1.0" encoding="utf-8"?>
-<p:sld xmlns:a="http://schemas.openxmlformats.org/drawingml/2006/main" xmlns:r="http://schemas.openxmlformats.org/officeDocument/2006/relationships" xmlns:mc="http://schemas.openxmlformats.org/markup-compatibility/2006" xmlns:mv="urn:schemas-microsoft-com:mac:vml" xmlns:p="http://schemas.openxmlformats.org/presentationml/2006/main" xmlns:c="http://schemas.openxmlformats.org/drawingml/2006/chart" xmlns:dgm="http://schemas.openxmlformats.org/drawingml/2006/diagram" xmlns:o="urn:schemas-microsoft-com:office:office" xmlns:v="urn:schemas-microsoft-com:vml" xmlns:pvml="urn:schemas-microsoft-com:office:powerpoint" xmlns:com="http://schemas.openxmlformats.org/drawingml/2006/compatibility" xmlns:p14="http://schemas.microsoft.com/office/powerpoint/2010/main" xmlns:p15="http://schemas.microsoft.com/office/powerpoint/2012/main">
+<p:sld xmlns:a="http://schemas.openxmlformats.org/drawingml/2006/main" xmlns:r="http://schemas.openxmlformats.org/officeDocument/2006/relationships" xmlns:p="http://schemas.openxmlformats.org/presentationml/2006/main">
   <p:cSld>
     <p:spTree>
       <p:nvGrpSpPr>
-        <p:cNvPr id="54" name="Shape 54"/>
+        <p:cNvPr id="1" name=""/>
         <p:cNvGrpSpPr/>
         <p:nvPr/>
       </p:nvGrpSpPr>
@@ -6281,28 +6324,218 @@
       </p:grpSpPr>
       <p:sp>
         <p:nvSpPr>
-          <p:cNvPr id="55" name="Google Shape;55;p13"/>
-          <p:cNvSpPr txBox="1"/>
+          <p:cNvPr id="2" name="Title 1"/>
+          <p:cNvSpPr>
+            <a:spLocks noGrp="1"/>
+          </p:cNvSpPr>
           <p:nvPr>
             <p:ph type="ctrTitle"/>
           </p:nvPr>
         </p:nvSpPr>
         <p:spPr>
           <a:xfrm>
-            <a:off x="311708" y="744575"/>
-            <a:ext cx="8520600" cy="2052600"/>
+            <a:off x="566059" y="0"/>
+            <a:ext cx="8011886" cy="5143500"/>
+          </a:xfrm>
+        </p:spPr>
+        <p:txBody>
+          <a:bodyPr anchor="ctr">
+            <a:noAutofit/>
+          </a:bodyPr>
+          <a:lstStyle/>
+          <a:p>
+            <a:pPr algn="l" fontAlgn="ctr">
+              <a:lnSpc>
+                <a:spcPct val="150000"/>
+              </a:lnSpc>
+            </a:pPr>
+            <a:r>
+              <a:rPr lang="en-US" sz="2700" b="1" dirty="0">
+                <a:latin typeface="Times New Roman" charset="0"/>
+                <a:ea typeface="Times New Roman" charset="0"/>
+                <a:cs typeface="Times New Roman" charset="0"/>
+              </a:rPr>
+              <a:t>Blue Waters Petascale</a:t>
+            </a:r>
+            <a:r>
+              <a:rPr lang="en-US" sz="2700" b="1" dirty="0">
+                <a:latin typeface="Times New Roman" charset="0"/>
+                <a:ea typeface="Times New Roman" charset="0"/>
+                <a:cs typeface="Times New Roman" charset="0"/>
+              </a:rPr>
+              <a:t> Semester Curriculum v1.0</a:t>
+            </a:r>
+            <a:r>
+              <a:rPr lang="en-US" sz="2700" dirty="0">
+                <a:latin typeface="Times New Roman" charset="0"/>
+                <a:ea typeface="Times New Roman" charset="0"/>
+                <a:cs typeface="Times New Roman" charset="0"/>
+              </a:rPr>
+              <a:t/>
+            </a:r>
+            <a:br>
+              <a:rPr lang="en-US" sz="2700" dirty="0">
+                <a:latin typeface="Times New Roman" charset="0"/>
+                <a:ea typeface="Times New Roman" charset="0"/>
+                <a:cs typeface="Times New Roman" charset="0"/>
+              </a:rPr>
+            </a:br>
+            <a:r>
+              <a:rPr lang="en-US" sz="2700" b="1" dirty="0">
+                <a:latin typeface="Times New Roman" charset="0"/>
+                <a:ea typeface="Times New Roman" charset="0"/>
+                <a:cs typeface="Times New Roman" charset="0"/>
+              </a:rPr>
+              <a:t>Unit 3: Using a Cluster</a:t>
+            </a:r>
+            <a:r>
+              <a:rPr lang="en-US" sz="2700" dirty="0">
+                <a:latin typeface="Times New Roman" charset="0"/>
+                <a:ea typeface="Times New Roman" charset="0"/>
+                <a:cs typeface="Times New Roman" charset="0"/>
+              </a:rPr>
+              <a:t/>
+            </a:r>
+            <a:br>
+              <a:rPr lang="en-US" sz="2700" dirty="0">
+                <a:latin typeface="Times New Roman" charset="0"/>
+                <a:ea typeface="Times New Roman" charset="0"/>
+                <a:cs typeface="Times New Roman" charset="0"/>
+              </a:rPr>
+            </a:br>
+            <a:r>
+              <a:rPr lang="en-US" sz="2700" b="1" dirty="0">
+                <a:latin typeface="Times New Roman" charset="0"/>
+                <a:ea typeface="Times New Roman" charset="0"/>
+                <a:cs typeface="Times New Roman" charset="0"/>
+              </a:rPr>
+              <a:t>Lesson </a:t>
+            </a:r>
+            <a:r>
+              <a:rPr lang="en-US" sz="2700" b="1" dirty="0" smtClean="0">
+                <a:latin typeface="Times New Roman" charset="0"/>
+                <a:ea typeface="Times New Roman" charset="0"/>
+                <a:cs typeface="Times New Roman" charset="0"/>
+              </a:rPr>
+              <a:t>3</a:t>
+            </a:r>
+            <a:r>
+              <a:rPr lang="en-US" sz="2700" b="1" dirty="0">
+                <a:latin typeface="Times New Roman" charset="0"/>
+                <a:ea typeface="Times New Roman" charset="0"/>
+                <a:cs typeface="Times New Roman" charset="0"/>
+              </a:rPr>
+              <a:t>: Using a Linux Command Line</a:t>
+            </a:r>
+            <a:br>
+              <a:rPr lang="en-US" sz="2700" b="1" dirty="0">
+                <a:latin typeface="Times New Roman" charset="0"/>
+                <a:ea typeface="Times New Roman" charset="0"/>
+                <a:cs typeface="Times New Roman" charset="0"/>
+              </a:rPr>
+            </a:br>
+            <a:r>
+              <a:rPr lang="en-US" sz="2700" i="1" dirty="0">
+                <a:latin typeface="Times New Roman" charset="0"/>
+                <a:ea typeface="Times New Roman" charset="0"/>
+                <a:cs typeface="Times New Roman" charset="0"/>
+              </a:rPr>
+              <a:t>Developed by Linh B. Ngo</a:t>
+            </a:r>
+            <a:r>
+              <a:rPr lang="en-US" sz="2700" i="1" dirty="0">
+                <a:latin typeface="Times New Roman" charset="0"/>
+                <a:ea typeface="Times New Roman" charset="0"/>
+                <a:cs typeface="Times New Roman" charset="0"/>
+              </a:rPr>
+              <a:t/>
+            </a:r>
+            <a:br>
+              <a:rPr lang="en-US" sz="2700" i="1" dirty="0">
+                <a:latin typeface="Times New Roman" charset="0"/>
+                <a:ea typeface="Times New Roman" charset="0"/>
+                <a:cs typeface="Times New Roman" charset="0"/>
+              </a:rPr>
+            </a:br>
+            <a:r>
+              <a:rPr lang="en-US" sz="2700" i="1" dirty="0">
+                <a:latin typeface="Times New Roman" charset="0"/>
+                <a:ea typeface="Times New Roman" charset="0"/>
+                <a:cs typeface="Times New Roman" charset="0"/>
+              </a:rPr>
+              <a:t>for the Shodor Education Foundation, Inc.</a:t>
+            </a:r>
+            <a:endParaRPr lang="en-US" sz="2700" i="1" dirty="0">
+              <a:latin typeface="Times New Roman" charset="0"/>
+              <a:ea typeface="Times New Roman" charset="0"/>
+              <a:cs typeface="Times New Roman" charset="0"/>
+            </a:endParaRPr>
+          </a:p>
+        </p:txBody>
+      </p:sp>
+    </p:spTree>
+    <p:extLst>
+      <p:ext uri="{BB962C8B-B14F-4D97-AF65-F5344CB8AC3E}">
+        <p14:creationId xmlns:p14="http://schemas.microsoft.com/office/powerpoint/2010/main" val="1938319642"/>
+      </p:ext>
+    </p:extLst>
+  </p:cSld>
+  <p:clrMapOvr>
+    <a:masterClrMapping/>
+  </p:clrMapOvr>
+  <p:timing>
+    <p:tnLst>
+      <p:par>
+        <p:cTn id="1" dur="indefinite" restart="never" nodeType="tmRoot"/>
+      </p:par>
+    </p:tnLst>
+  </p:timing>
+</p:sld>
+</file>
+
+<file path=ppt/slides/slide10.xml><?xml version="1.0" encoding="utf-8"?>
+<p:sld xmlns:a="http://schemas.openxmlformats.org/drawingml/2006/main" xmlns:r="http://schemas.openxmlformats.org/officeDocument/2006/relationships" xmlns:p="http://schemas.openxmlformats.org/presentationml/2006/main">
+  <p:cSld>
+    <p:spTree>
+      <p:nvGrpSpPr>
+        <p:cNvPr id="1" name="Shape 103"/>
+        <p:cNvGrpSpPr/>
+        <p:nvPr/>
+      </p:nvGrpSpPr>
+      <p:grpSpPr>
+        <a:xfrm>
+          <a:off x="0" y="0"/>
+          <a:ext cx="0" cy="0"/>
+          <a:chOff x="0" y="0"/>
+          <a:chExt cx="0" cy="0"/>
+        </a:xfrm>
+      </p:grpSpPr>
+      <p:sp>
+        <p:nvSpPr>
+          <p:cNvPr id="104" name="Google Shape;104;p21"/>
+          <p:cNvSpPr txBox="1">
+            <a:spLocks noGrp="1"/>
+          </p:cNvSpPr>
+          <p:nvPr>
+            <p:ph type="title"/>
+          </p:nvPr>
+        </p:nvSpPr>
+        <p:spPr>
+          <a:xfrm>
+            <a:off x="311700" y="445025"/>
+            <a:ext cx="8520600" cy="572700"/>
           </a:xfrm>
           <a:prstGeom prst="rect">
             <a:avLst/>
           </a:prstGeom>
         </p:spPr>
         <p:txBody>
-          <a:bodyPr anchorCtr="0" anchor="b" bIns="91425" lIns="91425" spcFirstLastPara="1" rIns="91425" wrap="square" tIns="91425">
+          <a:bodyPr spcFirstLastPara="1" wrap="square" lIns="91425" tIns="91425" rIns="91425" bIns="91425" anchor="t" anchorCtr="0">
             <a:noAutofit/>
           </a:bodyPr>
           <a:lstStyle/>
           <a:p>
-            <a:pPr indent="0" lvl="0" marL="0" rtl="0" algn="ctr">
+            <a:pPr marL="0" lvl="0" indent="0" algn="l" rtl="0">
               <a:spcBef>
                 <a:spcPts val="0"/>
               </a:spcBef>
@@ -6313,7 +6546,7 @@
             </a:pPr>
             <a:r>
               <a:rPr lang="en-GB"/>
-              <a:t>Introduction to Linux Command Line Interface (Terminal)</a:t>
+              <a:t>Delete file and directories</a:t>
             </a:r>
             <a:endParaRPr/>
           </a:p>
@@ -6321,41 +6554,129 @@
       </p:sp>
       <p:sp>
         <p:nvSpPr>
-          <p:cNvPr id="56" name="Google Shape;56;p13"/>
-          <p:cNvSpPr txBox="1"/>
+          <p:cNvPr id="105" name="Google Shape;105;p21"/>
+          <p:cNvSpPr txBox="1">
+            <a:spLocks noGrp="1"/>
+          </p:cNvSpPr>
           <p:nvPr>
-            <p:ph idx="1" type="subTitle"/>
+            <p:ph type="body" idx="1"/>
           </p:nvPr>
         </p:nvSpPr>
         <p:spPr>
           <a:xfrm>
-            <a:off x="311700" y="2834125"/>
-            <a:ext cx="8520600" cy="792600"/>
+            <a:off x="311700" y="1152475"/>
+            <a:ext cx="8520600" cy="3416400"/>
           </a:xfrm>
           <a:prstGeom prst="rect">
             <a:avLst/>
           </a:prstGeom>
         </p:spPr>
         <p:txBody>
-          <a:bodyPr anchorCtr="0" anchor="t" bIns="91425" lIns="91425" spcFirstLastPara="1" rIns="91425" wrap="square" tIns="91425">
+          <a:bodyPr spcFirstLastPara="1" wrap="square" lIns="91425" tIns="91425" rIns="91425" bIns="91425" anchor="t" anchorCtr="0">
             <a:noAutofit/>
           </a:bodyPr>
           <a:lstStyle/>
           <a:p>
-            <a:pPr indent="0" lvl="0" marL="0" rtl="0" algn="ctr">
-              <a:spcBef>
-                <a:spcPts val="0"/>
-              </a:spcBef>
-              <a:spcAft>
-                <a:spcPts val="0"/>
-              </a:spcAft>
-              <a:buNone/>
+            <a:pPr marL="457200" lvl="0" indent="-342900" algn="l" rtl="0">
+              <a:spcBef>
+                <a:spcPts val="0"/>
+              </a:spcBef>
+              <a:spcAft>
+                <a:spcPts val="0"/>
+              </a:spcAft>
+              <a:buSzPts val="1800"/>
+              <a:buFont typeface="Consolas"/>
+              <a:buChar char="-"/>
             </a:pPr>
             <a:r>
-              <a:rPr lang="en-GB"/>
-              <a:t>Linh B. Ngo</a:t>
+              <a:rPr lang="en-GB" b="1">
+                <a:highlight>
+                  <a:srgbClr val="EFEFEF"/>
+                </a:highlight>
+                <a:latin typeface="Consolas"/>
+                <a:ea typeface="Consolas"/>
+                <a:cs typeface="Consolas"/>
+                <a:sym typeface="Consolas"/>
+              </a:rPr>
+              <a:t>rm</a:t>
             </a:r>
-            <a:endParaRPr/>
+            <a:endParaRPr b="1">
+              <a:highlight>
+                <a:srgbClr val="EFEFEF"/>
+              </a:highlight>
+              <a:latin typeface="Consolas"/>
+              <a:ea typeface="Consolas"/>
+              <a:cs typeface="Consolas"/>
+              <a:sym typeface="Consolas"/>
+            </a:endParaRPr>
+          </a:p>
+          <a:p>
+            <a:pPr marL="457200" lvl="0" indent="-342900" algn="l" rtl="0">
+              <a:spcBef>
+                <a:spcPts val="0"/>
+              </a:spcBef>
+              <a:spcAft>
+                <a:spcPts val="0"/>
+              </a:spcAft>
+              <a:buSzPts val="1800"/>
+              <a:buFont typeface="Consolas"/>
+              <a:buChar char="-"/>
+            </a:pPr>
+            <a:r>
+              <a:rPr lang="en-GB" b="1">
+                <a:highlight>
+                  <a:srgbClr val="EFEFEF"/>
+                </a:highlight>
+                <a:latin typeface="Consolas"/>
+                <a:ea typeface="Consolas"/>
+                <a:cs typeface="Consolas"/>
+                <a:sym typeface="Consolas"/>
+              </a:rPr>
+              <a:t>rm -R</a:t>
+            </a:r>
+            <a:endParaRPr b="1">
+              <a:highlight>
+                <a:srgbClr val="EFEFEF"/>
+              </a:highlight>
+              <a:latin typeface="Consolas"/>
+              <a:ea typeface="Consolas"/>
+              <a:cs typeface="Consolas"/>
+              <a:sym typeface="Consolas"/>
+            </a:endParaRPr>
+          </a:p>
+          <a:p>
+            <a:pPr marL="457200" lvl="0" indent="-342900" algn="l" rtl="0">
+              <a:spcBef>
+                <a:spcPts val="0"/>
+              </a:spcBef>
+              <a:spcAft>
+                <a:spcPts val="0"/>
+              </a:spcAft>
+              <a:buSzPts val="1800"/>
+              <a:buFont typeface="Consolas"/>
+              <a:buChar char="-"/>
+            </a:pPr>
+            <a:r>
+              <a:rPr lang="en-GB" b="1">
+                <a:highlight>
+                  <a:srgbClr val="EFEFEF"/>
+                </a:highlight>
+                <a:latin typeface="Consolas"/>
+                <a:ea typeface="Consolas"/>
+                <a:cs typeface="Consolas"/>
+                <a:sym typeface="Consolas"/>
+              </a:rPr>
+              <a:t>rm -Rf</a:t>
+            </a:r>
+            <a:endParaRPr b="1">
+              <a:highlight>
+                <a:srgbClr val="EFEFEF"/>
+              </a:highlight>
+              <a:latin typeface="Consolas"/>
+              <a:ea typeface="Consolas"/>
+              <a:cs typeface="Consolas"/>
+              <a:sym typeface="Consolas"/>
+            </a:endParaRPr>
           </a:p>
         </p:txBody>
       </p:sp>
@@ -6364,15 +6685,278 @@
   <p:clrMapOvr>
     <a:masterClrMapping/>
   </p:clrMapOvr>
+  <p:timing>
+    <p:tnLst>
+      <p:par>
+        <p:cTn id="1" dur="indefinite" restart="never" nodeType="tmRoot"/>
+      </p:par>
+    </p:tnLst>
+  </p:timing>
 </p:sld>
 </file>
 
 <file path=ppt/slides/slide2.xml><?xml version="1.0" encoding="utf-8"?>
-<p:sld xmlns:a="http://schemas.openxmlformats.org/drawingml/2006/main" xmlns:r="http://schemas.openxmlformats.org/officeDocument/2006/relationships" xmlns:mc="http://schemas.openxmlformats.org/markup-compatibility/2006" xmlns:mv="urn:schemas-microsoft-com:mac:vml" xmlns:p="http://schemas.openxmlformats.org/presentationml/2006/main" xmlns:c="http://schemas.openxmlformats.org/drawingml/2006/chart" xmlns:dgm="http://schemas.openxmlformats.org/drawingml/2006/diagram" xmlns:o="urn:schemas-microsoft-com:office:office" xmlns:v="urn:schemas-microsoft-com:vml" xmlns:pvml="urn:schemas-microsoft-com:office:powerpoint" xmlns:com="http://schemas.openxmlformats.org/drawingml/2006/compatibility" xmlns:p14="http://schemas.microsoft.com/office/powerpoint/2010/main" xmlns:p15="http://schemas.microsoft.com/office/powerpoint/2012/main">
+<p:sld xmlns:a="http://schemas.openxmlformats.org/drawingml/2006/main" xmlns:r="http://schemas.openxmlformats.org/officeDocument/2006/relationships" xmlns:p="http://schemas.openxmlformats.org/presentationml/2006/main">
   <p:cSld>
     <p:spTree>
       <p:nvGrpSpPr>
-        <p:cNvPr id="60" name="Shape 60"/>
+        <p:cNvPr id="1" name=""/>
+        <p:cNvGrpSpPr/>
+        <p:nvPr/>
+      </p:nvGrpSpPr>
+      <p:grpSpPr>
+        <a:xfrm>
+          <a:off x="0" y="0"/>
+          <a:ext cx="0" cy="0"/>
+          <a:chOff x="0" y="0"/>
+          <a:chExt cx="0" cy="0"/>
+        </a:xfrm>
+      </p:grpSpPr>
+      <p:sp>
+        <p:nvSpPr>
+          <p:cNvPr id="2" name="Title 1"/>
+          <p:cNvSpPr>
+            <a:spLocks noGrp="1"/>
+          </p:cNvSpPr>
+          <p:nvPr>
+            <p:ph type="ctrTitle"/>
+          </p:nvPr>
+        </p:nvSpPr>
+        <p:spPr>
+          <a:xfrm>
+            <a:off x="566059" y="0"/>
+            <a:ext cx="8011886" cy="5143500"/>
+          </a:xfrm>
+        </p:spPr>
+        <p:txBody>
+          <a:bodyPr anchor="ctr">
+            <a:noAutofit/>
+          </a:bodyPr>
+          <a:lstStyle/>
+          <a:p>
+            <a:pPr algn="l" fontAlgn="ctr"/>
+            <a:r>
+              <a:rPr lang="en-US" sz="2100" dirty="0">
+                <a:latin typeface="Times New Roman" charset="0"/>
+                <a:ea typeface="Times New Roman" charset="0"/>
+                <a:cs typeface="Times New Roman" charset="0"/>
+              </a:rPr>
+              <a:t>Except where otherwise noted, this work by</a:t>
+            </a:r>
+            <a:br>
+              <a:rPr lang="en-US" sz="2100" dirty="0">
+                <a:latin typeface="Times New Roman" charset="0"/>
+                <a:ea typeface="Times New Roman" charset="0"/>
+                <a:cs typeface="Times New Roman" charset="0"/>
+              </a:rPr>
+            </a:br>
+            <a:r>
+              <a:rPr lang="en-US" sz="2100" dirty="0">
+                <a:latin typeface="Times New Roman" charset="0"/>
+                <a:ea typeface="Times New Roman" charset="0"/>
+                <a:cs typeface="Times New Roman" charset="0"/>
+              </a:rPr>
+              <a:t>The Shodor Education Foundation, Inc. is licensed under</a:t>
+            </a:r>
+            <a:br>
+              <a:rPr lang="en-US" sz="2100" dirty="0">
+                <a:latin typeface="Times New Roman" charset="0"/>
+                <a:ea typeface="Times New Roman" charset="0"/>
+                <a:cs typeface="Times New Roman" charset="0"/>
+              </a:rPr>
+            </a:br>
+            <a:r>
+              <a:rPr lang="en-US" sz="2100" dirty="0">
+                <a:latin typeface="Times New Roman" charset="0"/>
+                <a:ea typeface="Times New Roman" charset="0"/>
+                <a:cs typeface="Times New Roman" charset="0"/>
+              </a:rPr>
+              <a:t>CC BY-NC 4.0. To view a copy of this license, visit </a:t>
+            </a:r>
+            <a:r>
+              <a:rPr lang="en-US" sz="2100" dirty="0">
+                <a:latin typeface="Times New Roman" charset="0"/>
+                <a:ea typeface="Times New Roman" charset="0"/>
+                <a:cs typeface="Times New Roman" charset="0"/>
+                <a:hlinkClick r:id="rId2"/>
+              </a:rPr>
+              <a:t>https://creativecommons.org/licenses/by-nc/4.0</a:t>
+            </a:r>
+            <a:r>
+              <a:rPr lang="en-US" sz="2100" dirty="0">
+                <a:latin typeface="Times New Roman" charset="0"/>
+                <a:ea typeface="Times New Roman" charset="0"/>
+                <a:cs typeface="Times New Roman" charset="0"/>
+              </a:rPr>
+              <a:t/>
+            </a:r>
+            <a:br>
+              <a:rPr lang="en-US" sz="2100" dirty="0">
+                <a:latin typeface="Times New Roman" charset="0"/>
+                <a:ea typeface="Times New Roman" charset="0"/>
+                <a:cs typeface="Times New Roman" charset="0"/>
+              </a:rPr>
+            </a:br>
+            <a:r>
+              <a:rPr lang="en-US" sz="2100" dirty="0">
+                <a:latin typeface="Times New Roman" charset="0"/>
+                <a:ea typeface="Times New Roman" charset="0"/>
+                <a:cs typeface="Times New Roman" charset="0"/>
+              </a:rPr>
+              <a:t/>
+            </a:r>
+            <a:br>
+              <a:rPr lang="en-US" sz="2100" dirty="0">
+                <a:latin typeface="Times New Roman" charset="0"/>
+                <a:ea typeface="Times New Roman" charset="0"/>
+                <a:cs typeface="Times New Roman" charset="0"/>
+              </a:rPr>
+            </a:br>
+            <a:r>
+              <a:rPr lang="en-US" sz="2100" dirty="0">
+                <a:latin typeface="Times New Roman" charset="0"/>
+                <a:ea typeface="Times New Roman" charset="0"/>
+                <a:cs typeface="Times New Roman" charset="0"/>
+              </a:rPr>
+              <a:t>Browse and search the full curriculum at </a:t>
+            </a:r>
+            <a:r>
+              <a:rPr lang="en-US" sz="2100" dirty="0">
+                <a:latin typeface="Times New Roman" charset="0"/>
+                <a:ea typeface="Times New Roman" charset="0"/>
+                <a:cs typeface="Times New Roman" charset="0"/>
+                <a:hlinkClick r:id="rId3"/>
+              </a:rPr>
+              <a:t>http://shodor.org/petascale/materials/semester-curriculum</a:t>
+            </a:r>
+            <a:r>
+              <a:rPr lang="en-US" sz="2100" dirty="0">
+                <a:latin typeface="Times New Roman" charset="0"/>
+                <a:ea typeface="Times New Roman" charset="0"/>
+                <a:cs typeface="Times New Roman" charset="0"/>
+              </a:rPr>
+              <a:t/>
+            </a:r>
+            <a:br>
+              <a:rPr lang="en-US" sz="2100" dirty="0">
+                <a:latin typeface="Times New Roman" charset="0"/>
+                <a:ea typeface="Times New Roman" charset="0"/>
+                <a:cs typeface="Times New Roman" charset="0"/>
+              </a:rPr>
+            </a:br>
+            <a:r>
+              <a:rPr lang="en-US" sz="2100" dirty="0">
+                <a:latin typeface="Times New Roman" charset="0"/>
+                <a:ea typeface="Times New Roman" charset="0"/>
+                <a:cs typeface="Times New Roman" charset="0"/>
+              </a:rPr>
+              <a:t/>
+            </a:r>
+            <a:br>
+              <a:rPr lang="en-US" sz="2100" dirty="0">
+                <a:latin typeface="Times New Roman" charset="0"/>
+                <a:ea typeface="Times New Roman" charset="0"/>
+                <a:cs typeface="Times New Roman" charset="0"/>
+              </a:rPr>
+            </a:br>
+            <a:r>
+              <a:rPr lang="en-US" sz="2100" dirty="0">
+                <a:latin typeface="Times New Roman" charset="0"/>
+                <a:ea typeface="Times New Roman" charset="0"/>
+                <a:cs typeface="Times New Roman" charset="0"/>
+              </a:rPr>
+              <a:t>We welcome your improvements! You can submit your proposed changes to this material and the rest of the curriculum in our GitHub repository at </a:t>
+            </a:r>
+            <a:r>
+              <a:rPr lang="en-US" sz="2100" dirty="0">
+                <a:latin typeface="Times New Roman" charset="0"/>
+                <a:ea typeface="Times New Roman" charset="0"/>
+                <a:cs typeface="Times New Roman" charset="0"/>
+                <a:hlinkClick r:id="rId4"/>
+              </a:rPr>
+              <a:t>https://github.com/shodor-education/petascale-semester-curriculum</a:t>
+            </a:r>
+            <a:r>
+              <a:rPr lang="en-US" sz="2100" dirty="0">
+                <a:latin typeface="Times New Roman" charset="0"/>
+                <a:ea typeface="Times New Roman" charset="0"/>
+                <a:cs typeface="Times New Roman" charset="0"/>
+              </a:rPr>
+              <a:t/>
+            </a:r>
+            <a:br>
+              <a:rPr lang="en-US" sz="2100" dirty="0">
+                <a:latin typeface="Times New Roman" charset="0"/>
+                <a:ea typeface="Times New Roman" charset="0"/>
+                <a:cs typeface="Times New Roman" charset="0"/>
+              </a:rPr>
+            </a:br>
+            <a:r>
+              <a:rPr lang="en-US" sz="2100" dirty="0">
+                <a:latin typeface="Times New Roman" charset="0"/>
+                <a:ea typeface="Times New Roman" charset="0"/>
+                <a:cs typeface="Times New Roman" charset="0"/>
+              </a:rPr>
+              <a:t/>
+            </a:r>
+            <a:br>
+              <a:rPr lang="en-US" sz="2100" dirty="0">
+                <a:latin typeface="Times New Roman" charset="0"/>
+                <a:ea typeface="Times New Roman" charset="0"/>
+                <a:cs typeface="Times New Roman" charset="0"/>
+              </a:rPr>
+            </a:br>
+            <a:r>
+              <a:rPr lang="en-US" sz="2100" dirty="0">
+                <a:latin typeface="Times New Roman" charset="0"/>
+                <a:ea typeface="Times New Roman" charset="0"/>
+                <a:cs typeface="Times New Roman" charset="0"/>
+              </a:rPr>
+              <a:t>We want to hear from you! Please let us know your experiences using this material by sending email to </a:t>
+            </a:r>
+            <a:r>
+              <a:rPr lang="en-US" sz="2100" dirty="0">
+                <a:latin typeface="Times New Roman" charset="0"/>
+                <a:ea typeface="Times New Roman" charset="0"/>
+                <a:cs typeface="Times New Roman" charset="0"/>
+                <a:hlinkClick r:id="rId5"/>
+              </a:rPr>
+              <a:t>petascale@shodor.org</a:t>
+            </a:r>
+            <a:endParaRPr lang="en-US" sz="2700" dirty="0">
+              <a:latin typeface="Times New Roman" charset="0"/>
+              <a:ea typeface="Times New Roman" charset="0"/>
+              <a:cs typeface="Times New Roman" charset="0"/>
+            </a:endParaRPr>
+          </a:p>
+        </p:txBody>
+      </p:sp>
+    </p:spTree>
+    <p:extLst>
+      <p:ext uri="{BB962C8B-B14F-4D97-AF65-F5344CB8AC3E}">
+        <p14:creationId xmlns:p14="http://schemas.microsoft.com/office/powerpoint/2010/main" val="11298104"/>
+      </p:ext>
+    </p:extLst>
+  </p:cSld>
+  <p:clrMapOvr>
+    <a:masterClrMapping/>
+  </p:clrMapOvr>
+  <p:timing>
+    <p:tnLst>
+      <p:par>
+        <p:cTn id="1" dur="indefinite" restart="never" nodeType="tmRoot"/>
+      </p:par>
+    </p:tnLst>
+  </p:timing>
+</p:sld>
+</file>
+
+<file path=ppt/slides/slide3.xml><?xml version="1.0" encoding="utf-8"?>
+<p:sld xmlns:a="http://schemas.openxmlformats.org/drawingml/2006/main" xmlns:r="http://schemas.openxmlformats.org/officeDocument/2006/relationships" xmlns:p="http://schemas.openxmlformats.org/presentationml/2006/main">
+  <p:cSld>
+    <p:spTree>
+      <p:nvGrpSpPr>
+        <p:cNvPr id="1" name="Shape 60"/>
         <p:cNvGrpSpPr/>
         <p:nvPr/>
       </p:nvGrpSpPr>
@@ -6387,7 +6971,9 @@
       <p:sp>
         <p:nvSpPr>
           <p:cNvPr id="61" name="Google Shape;61;p14"/>
-          <p:cNvSpPr txBox="1"/>
+          <p:cNvSpPr txBox="1">
+            <a:spLocks noGrp="1"/>
+          </p:cNvSpPr>
           <p:nvPr>
             <p:ph type="title"/>
           </p:nvPr>
@@ -6402,12 +6988,12 @@
           </a:prstGeom>
         </p:spPr>
         <p:txBody>
-          <a:bodyPr anchorCtr="0" anchor="t" bIns="91425" lIns="91425" spcFirstLastPara="1" rIns="91425" wrap="square" tIns="91425">
+          <a:bodyPr spcFirstLastPara="1" wrap="square" lIns="91425" tIns="91425" rIns="91425" bIns="91425" anchor="t" anchorCtr="0">
             <a:noAutofit/>
           </a:bodyPr>
           <a:lstStyle/>
           <a:p>
-            <a:pPr indent="0" lvl="0" marL="0" rtl="0" algn="l">
+            <a:pPr marL="0" lvl="0" indent="0" algn="l" rtl="0">
               <a:spcBef>
                 <a:spcPts val="0"/>
               </a:spcBef>
@@ -6427,9 +7013,11 @@
       <p:sp>
         <p:nvSpPr>
           <p:cNvPr id="62" name="Google Shape;62;p14"/>
-          <p:cNvSpPr txBox="1"/>
+          <p:cNvSpPr txBox="1">
+            <a:spLocks noGrp="1"/>
+          </p:cNvSpPr>
           <p:nvPr>
-            <p:ph idx="1" type="body"/>
+            <p:ph type="body" idx="1"/>
           </p:nvPr>
         </p:nvSpPr>
         <p:spPr>
@@ -6442,12 +7030,12 @@
           </a:prstGeom>
         </p:spPr>
         <p:txBody>
-          <a:bodyPr anchorCtr="0" anchor="t" bIns="91425" lIns="91425" spcFirstLastPara="1" rIns="91425" wrap="square" tIns="91425">
+          <a:bodyPr spcFirstLastPara="1" wrap="square" lIns="91425" tIns="91425" rIns="91425" bIns="91425" anchor="t" anchorCtr="0">
             <a:noAutofit/>
           </a:bodyPr>
           <a:lstStyle/>
           <a:p>
-            <a:pPr indent="-342900" lvl="0" marL="457200" rtl="0" algn="l">
+            <a:pPr marL="457200" lvl="0" indent="-342900" algn="l" rtl="0">
               <a:spcBef>
                 <a:spcPts val="0"/>
               </a:spcBef>
@@ -6475,7 +7063,7 @@
             </a:endParaRPr>
           </a:p>
           <a:p>
-            <a:pPr indent="-342900" lvl="0" marL="457200" rtl="0" algn="l">
+            <a:pPr marL="457200" lvl="0" indent="-342900" algn="l" rtl="0">
               <a:spcBef>
                 <a:spcPts val="0"/>
               </a:spcBef>
@@ -6503,7 +7091,7 @@
             </a:endParaRPr>
           </a:p>
           <a:p>
-            <a:pPr indent="0" lvl="0" marL="0" rtl="0" algn="l">
+            <a:pPr marL="0" lvl="0" indent="0" algn="l" rtl="0">
               <a:spcBef>
                 <a:spcPts val="0"/>
               </a:spcBef>
@@ -6512,9 +7100,6 @@
               </a:spcAft>
               <a:buNone/>
             </a:pPr>
-            <a:r>
-              <a:t/>
-            </a:r>
             <a:endParaRPr/>
           </a:p>
         </p:txBody>
@@ -6552,15 +7137,22 @@
   <p:clrMapOvr>
     <a:masterClrMapping/>
   </p:clrMapOvr>
+  <p:timing>
+    <p:tnLst>
+      <p:par>
+        <p:cTn id="1" dur="indefinite" restart="never" nodeType="tmRoot"/>
+      </p:par>
+    </p:tnLst>
+  </p:timing>
 </p:sld>
 </file>
 
-<file path=ppt/slides/slide3.xml><?xml version="1.0" encoding="utf-8"?>
-<p:sld xmlns:a="http://schemas.openxmlformats.org/drawingml/2006/main" xmlns:r="http://schemas.openxmlformats.org/officeDocument/2006/relationships" xmlns:mc="http://schemas.openxmlformats.org/markup-compatibility/2006" xmlns:mv="urn:schemas-microsoft-com:mac:vml" xmlns:p="http://schemas.openxmlformats.org/presentationml/2006/main" xmlns:c="http://schemas.openxmlformats.org/drawingml/2006/chart" xmlns:dgm="http://schemas.openxmlformats.org/drawingml/2006/diagram" xmlns:o="urn:schemas-microsoft-com:office:office" xmlns:v="urn:schemas-microsoft-com:vml" xmlns:pvml="urn:schemas-microsoft-com:office:powerpoint" xmlns:com="http://schemas.openxmlformats.org/drawingml/2006/compatibility" xmlns:p14="http://schemas.microsoft.com/office/powerpoint/2010/main" xmlns:p15="http://schemas.microsoft.com/office/powerpoint/2012/main">
+<file path=ppt/slides/slide4.xml><?xml version="1.0" encoding="utf-8"?>
+<p:sld xmlns:a="http://schemas.openxmlformats.org/drawingml/2006/main" xmlns:r="http://schemas.openxmlformats.org/officeDocument/2006/relationships" xmlns:p="http://schemas.openxmlformats.org/presentationml/2006/main">
   <p:cSld>
     <p:spTree>
       <p:nvGrpSpPr>
-        <p:cNvPr id="67" name="Shape 67"/>
+        <p:cNvPr id="1" name="Shape 67"/>
         <p:cNvGrpSpPr/>
         <p:nvPr/>
       </p:nvGrpSpPr>
@@ -6575,7 +7167,9 @@
       <p:sp>
         <p:nvSpPr>
           <p:cNvPr id="68" name="Google Shape;68;p15"/>
-          <p:cNvSpPr txBox="1"/>
+          <p:cNvSpPr txBox="1">
+            <a:spLocks noGrp="1"/>
+          </p:cNvSpPr>
           <p:nvPr>
             <p:ph type="title"/>
           </p:nvPr>
@@ -6590,12 +7184,12 @@
           </a:prstGeom>
         </p:spPr>
         <p:txBody>
-          <a:bodyPr anchorCtr="0" anchor="t" bIns="91425" lIns="91425" spcFirstLastPara="1" rIns="91425" wrap="square" tIns="91425">
+          <a:bodyPr spcFirstLastPara="1" wrap="square" lIns="91425" tIns="91425" rIns="91425" bIns="91425" anchor="t" anchorCtr="0">
             <a:noAutofit/>
           </a:bodyPr>
           <a:lstStyle/>
           <a:p>
-            <a:pPr indent="0" lvl="0" marL="0" rtl="0" algn="l">
+            <a:pPr marL="0" lvl="0" indent="0" algn="l" rtl="0">
               <a:spcBef>
                 <a:spcPts val="0"/>
               </a:spcBef>
@@ -6615,9 +7209,11 @@
       <p:sp>
         <p:nvSpPr>
           <p:cNvPr id="69" name="Google Shape;69;p15"/>
-          <p:cNvSpPr txBox="1"/>
+          <p:cNvSpPr txBox="1">
+            <a:spLocks noGrp="1"/>
+          </p:cNvSpPr>
           <p:nvPr>
-            <p:ph idx="1" type="body"/>
+            <p:ph type="body" idx="1"/>
           </p:nvPr>
         </p:nvSpPr>
         <p:spPr>
@@ -6630,12 +7226,12 @@
           </a:prstGeom>
         </p:spPr>
         <p:txBody>
-          <a:bodyPr anchorCtr="0" anchor="t" bIns="91425" lIns="91425" spcFirstLastPara="1" rIns="91425" wrap="square" tIns="91425">
+          <a:bodyPr spcFirstLastPara="1" wrap="square" lIns="91425" tIns="91425" rIns="91425" bIns="91425" anchor="t" anchorCtr="0">
             <a:noAutofit/>
           </a:bodyPr>
           <a:lstStyle/>
           <a:p>
-            <a:pPr indent="-342900" lvl="0" marL="457200" rtl="0" algn="l">
+            <a:pPr marL="457200" lvl="0" indent="-342900" algn="l" rtl="0">
               <a:spcBef>
                 <a:spcPts val="0"/>
               </a:spcBef>
@@ -6652,7 +7248,7 @@
             <a:endParaRPr/>
           </a:p>
           <a:p>
-            <a:pPr indent="-317500" lvl="1" marL="914400" rtl="0" algn="l">
+            <a:pPr marL="914400" lvl="1" indent="-317500" algn="l" rtl="0">
               <a:spcBef>
                 <a:spcPts val="0"/>
               </a:spcBef>
@@ -6669,7 +7265,7 @@
             <a:endParaRPr/>
           </a:p>
           <a:p>
-            <a:pPr indent="-317500" lvl="1" marL="914400" rtl="0" algn="l">
+            <a:pPr marL="914400" lvl="1" indent="-317500" algn="l" rtl="0">
               <a:spcBef>
                 <a:spcPts val="0"/>
               </a:spcBef>
@@ -6686,7 +7282,7 @@
             <a:endParaRPr/>
           </a:p>
           <a:p>
-            <a:pPr indent="-317500" lvl="1" marL="914400" rtl="0" algn="l">
+            <a:pPr marL="914400" lvl="1" indent="-317500" algn="l" rtl="0">
               <a:spcBef>
                 <a:spcPts val="0"/>
               </a:spcBef>
@@ -6703,7 +7299,7 @@
             <a:endParaRPr/>
           </a:p>
           <a:p>
-            <a:pPr indent="-317500" lvl="1" marL="914400" rtl="0" algn="l">
+            <a:pPr marL="914400" lvl="1" indent="-317500" algn="l" rtl="0">
               <a:spcBef>
                 <a:spcPts val="0"/>
               </a:spcBef>
@@ -6726,15 +7322,22 @@
   <p:clrMapOvr>
     <a:masterClrMapping/>
   </p:clrMapOvr>
+  <p:timing>
+    <p:tnLst>
+      <p:par>
+        <p:cTn id="1" dur="indefinite" restart="never" nodeType="tmRoot"/>
+      </p:par>
+    </p:tnLst>
+  </p:timing>
 </p:sld>
 </file>
 
-<file path=ppt/slides/slide4.xml><?xml version="1.0" encoding="utf-8"?>
-<p:sld xmlns:a="http://schemas.openxmlformats.org/drawingml/2006/main" xmlns:r="http://schemas.openxmlformats.org/officeDocument/2006/relationships" xmlns:mc="http://schemas.openxmlformats.org/markup-compatibility/2006" xmlns:mv="urn:schemas-microsoft-com:mac:vml" xmlns:p="http://schemas.openxmlformats.org/presentationml/2006/main" xmlns:c="http://schemas.openxmlformats.org/drawingml/2006/chart" xmlns:dgm="http://schemas.openxmlformats.org/drawingml/2006/diagram" xmlns:o="urn:schemas-microsoft-com:office:office" xmlns:v="urn:schemas-microsoft-com:vml" xmlns:pvml="urn:schemas-microsoft-com:office:powerpoint" xmlns:com="http://schemas.openxmlformats.org/drawingml/2006/compatibility" xmlns:p14="http://schemas.microsoft.com/office/powerpoint/2010/main" xmlns:p15="http://schemas.microsoft.com/office/powerpoint/2012/main">
+<file path=ppt/slides/slide5.xml><?xml version="1.0" encoding="utf-8"?>
+<p:sld xmlns:a="http://schemas.openxmlformats.org/drawingml/2006/main" xmlns:r="http://schemas.openxmlformats.org/officeDocument/2006/relationships" xmlns:p="http://schemas.openxmlformats.org/presentationml/2006/main">
   <p:cSld>
     <p:spTree>
       <p:nvGrpSpPr>
-        <p:cNvPr id="73" name="Shape 73"/>
+        <p:cNvPr id="1" name="Shape 73"/>
         <p:cNvGrpSpPr/>
         <p:nvPr/>
       </p:nvGrpSpPr>
@@ -6749,7 +7352,9 @@
       <p:sp>
         <p:nvSpPr>
           <p:cNvPr id="74" name="Google Shape;74;p16"/>
-          <p:cNvSpPr txBox="1"/>
+          <p:cNvSpPr txBox="1">
+            <a:spLocks noGrp="1"/>
+          </p:cNvSpPr>
           <p:nvPr>
             <p:ph type="title"/>
           </p:nvPr>
@@ -6764,12 +7369,12 @@
           </a:prstGeom>
         </p:spPr>
         <p:txBody>
-          <a:bodyPr anchorCtr="0" anchor="t" bIns="91425" lIns="91425" spcFirstLastPara="1" rIns="91425" wrap="square" tIns="91425">
+          <a:bodyPr spcFirstLastPara="1" wrap="square" lIns="91425" tIns="91425" rIns="91425" bIns="91425" anchor="t" anchorCtr="0">
             <a:noAutofit/>
           </a:bodyPr>
           <a:lstStyle/>
           <a:p>
-            <a:pPr indent="0" lvl="0" marL="0" rtl="0" algn="l">
+            <a:pPr marL="0" lvl="0" indent="0" algn="l" rtl="0">
               <a:spcBef>
                 <a:spcPts val="0"/>
               </a:spcBef>
@@ -6789,9 +7394,11 @@
       <p:sp>
         <p:nvSpPr>
           <p:cNvPr id="75" name="Google Shape;75;p16"/>
-          <p:cNvSpPr txBox="1"/>
+          <p:cNvSpPr txBox="1">
+            <a:spLocks noGrp="1"/>
+          </p:cNvSpPr>
           <p:nvPr>
-            <p:ph idx="1" type="body"/>
+            <p:ph type="body" idx="1"/>
           </p:nvPr>
         </p:nvSpPr>
         <p:spPr>
@@ -6804,12 +7411,12 @@
           </a:prstGeom>
         </p:spPr>
         <p:txBody>
-          <a:bodyPr anchorCtr="0" anchor="t" bIns="91425" lIns="91425" spcFirstLastPara="1" rIns="91425" wrap="square" tIns="91425">
+          <a:bodyPr spcFirstLastPara="1" wrap="square" lIns="91425" tIns="91425" rIns="91425" bIns="91425" anchor="t" anchorCtr="0">
             <a:noAutofit/>
           </a:bodyPr>
           <a:lstStyle/>
           <a:p>
-            <a:pPr indent="-342900" lvl="0" marL="457200" rtl="0" algn="l">
+            <a:pPr marL="457200" lvl="0" indent="-342900" algn="l" rtl="0">
               <a:spcBef>
                 <a:spcPts val="0"/>
               </a:spcBef>
@@ -6856,7 +7463,7 @@
             </a:endParaRPr>
           </a:p>
           <a:p>
-            <a:pPr indent="-317500" lvl="1" marL="914400" rtl="0" algn="l">
+            <a:pPr marL="914400" lvl="1" indent="-317500" algn="l" rtl="0">
               <a:spcBef>
                 <a:spcPts val="0"/>
               </a:spcBef>
@@ -6884,7 +7491,7 @@
             </a:endParaRPr>
           </a:p>
           <a:p>
-            <a:pPr indent="-342900" lvl="0" marL="457200" rtl="0" algn="l">
+            <a:pPr marL="457200" lvl="0" indent="-342900" algn="l" rtl="0">
               <a:spcBef>
                 <a:spcPts val="0"/>
               </a:spcBef>
@@ -6931,7 +7538,7 @@
             </a:endParaRPr>
           </a:p>
           <a:p>
-            <a:pPr indent="-317500" lvl="1" marL="914400" rtl="0" algn="l">
+            <a:pPr marL="914400" lvl="1" indent="-317500" algn="l" rtl="0">
               <a:spcBef>
                 <a:spcPts val="0"/>
               </a:spcBef>
@@ -6959,7 +7566,7 @@
             </a:endParaRPr>
           </a:p>
           <a:p>
-            <a:pPr indent="-342900" lvl="0" marL="457200" rtl="0" algn="l">
+            <a:pPr marL="457200" lvl="0" indent="-342900" algn="l" rtl="0">
               <a:spcBef>
                 <a:spcPts val="0"/>
               </a:spcBef>
@@ -6989,15 +7596,22 @@
   <p:clrMapOvr>
     <a:masterClrMapping/>
   </p:clrMapOvr>
+  <p:timing>
+    <p:tnLst>
+      <p:par>
+        <p:cTn id="1" dur="indefinite" restart="never" nodeType="tmRoot"/>
+      </p:par>
+    </p:tnLst>
+  </p:timing>
 </p:sld>
 </file>
 
-<file path=ppt/slides/slide5.xml><?xml version="1.0" encoding="utf-8"?>
-<p:sld xmlns:a="http://schemas.openxmlformats.org/drawingml/2006/main" xmlns:r="http://schemas.openxmlformats.org/officeDocument/2006/relationships" xmlns:mc="http://schemas.openxmlformats.org/markup-compatibility/2006" xmlns:mv="urn:schemas-microsoft-com:mac:vml" xmlns:p="http://schemas.openxmlformats.org/presentationml/2006/main" xmlns:c="http://schemas.openxmlformats.org/drawingml/2006/chart" xmlns:dgm="http://schemas.openxmlformats.org/drawingml/2006/diagram" xmlns:o="urn:schemas-microsoft-com:office:office" xmlns:v="urn:schemas-microsoft-com:vml" xmlns:pvml="urn:schemas-microsoft-com:office:powerpoint" xmlns:com="http://schemas.openxmlformats.org/drawingml/2006/compatibility" xmlns:p14="http://schemas.microsoft.com/office/powerpoint/2010/main" xmlns:p15="http://schemas.microsoft.com/office/powerpoint/2012/main">
+<file path=ppt/slides/slide6.xml><?xml version="1.0" encoding="utf-8"?>
+<p:sld xmlns:a="http://schemas.openxmlformats.org/drawingml/2006/main" xmlns:r="http://schemas.openxmlformats.org/officeDocument/2006/relationships" xmlns:p="http://schemas.openxmlformats.org/presentationml/2006/main">
   <p:cSld>
     <p:spTree>
       <p:nvGrpSpPr>
-        <p:cNvPr id="79" name="Shape 79"/>
+        <p:cNvPr id="1" name="Shape 79"/>
         <p:cNvGrpSpPr/>
         <p:nvPr/>
       </p:nvGrpSpPr>
@@ -7012,7 +7626,9 @@
       <p:sp>
         <p:nvSpPr>
           <p:cNvPr id="80" name="Google Shape;80;p17"/>
-          <p:cNvSpPr txBox="1"/>
+          <p:cNvSpPr txBox="1">
+            <a:spLocks noGrp="1"/>
+          </p:cNvSpPr>
           <p:nvPr>
             <p:ph type="title"/>
           </p:nvPr>
@@ -7027,12 +7643,12 @@
           </a:prstGeom>
         </p:spPr>
         <p:txBody>
-          <a:bodyPr anchorCtr="0" anchor="t" bIns="91425" lIns="91425" spcFirstLastPara="1" rIns="91425" wrap="square" tIns="91425">
+          <a:bodyPr spcFirstLastPara="1" wrap="square" lIns="91425" tIns="91425" rIns="91425" bIns="91425" anchor="t" anchorCtr="0">
             <a:noAutofit/>
           </a:bodyPr>
           <a:lstStyle/>
           <a:p>
-            <a:pPr indent="0" lvl="0" marL="0" rtl="0" algn="l">
+            <a:pPr marL="0" lvl="0" indent="0" algn="l" rtl="0">
               <a:spcBef>
                 <a:spcPts val="0"/>
               </a:spcBef>
@@ -7052,9 +7668,11 @@
       <p:sp>
         <p:nvSpPr>
           <p:cNvPr id="81" name="Google Shape;81;p17"/>
-          <p:cNvSpPr txBox="1"/>
+          <p:cNvSpPr txBox="1">
+            <a:spLocks noGrp="1"/>
+          </p:cNvSpPr>
           <p:nvPr>
-            <p:ph idx="1" type="body"/>
+            <p:ph type="body" idx="1"/>
           </p:nvPr>
         </p:nvSpPr>
         <p:spPr>
@@ -7067,12 +7685,12 @@
           </a:prstGeom>
         </p:spPr>
         <p:txBody>
-          <a:bodyPr anchorCtr="0" anchor="t" bIns="91425" lIns="91425" spcFirstLastPara="1" rIns="91425" wrap="square" tIns="91425">
+          <a:bodyPr spcFirstLastPara="1" wrap="square" lIns="91425" tIns="91425" rIns="91425" bIns="91425" anchor="t" anchorCtr="0">
             <a:noAutofit/>
           </a:bodyPr>
           <a:lstStyle/>
           <a:p>
-            <a:pPr indent="-342900" lvl="0" marL="457200" rtl="0" algn="l">
+            <a:pPr marL="457200" lvl="0" indent="-342900" algn="l" rtl="0">
               <a:spcBef>
                 <a:spcPts val="0"/>
               </a:spcBef>
@@ -7086,7 +7704,7 @@
               <a:buChar char="-"/>
             </a:pPr>
             <a:r>
-              <a:rPr b="1" lang="en-GB">
+              <a:rPr lang="en-GB" b="1">
                 <a:solidFill>
                   <a:schemeClr val="dk1"/>
                 </a:solidFill>
@@ -7108,7 +7726,7 @@
             </a:endParaRPr>
           </a:p>
           <a:p>
-            <a:pPr indent="-342900" lvl="1" marL="914400" rtl="0" algn="l">
+            <a:pPr marL="914400" lvl="1" indent="-342900" algn="l" rtl="0">
               <a:spcBef>
                 <a:spcPts val="0"/>
               </a:spcBef>
@@ -7136,7 +7754,7 @@
             </a:endParaRPr>
           </a:p>
           <a:p>
-            <a:pPr indent="-342900" lvl="1" marL="914400" rtl="0" algn="l">
+            <a:pPr marL="914400" lvl="1" indent="-342900" algn="l" rtl="0">
               <a:spcBef>
                 <a:spcPts val="0"/>
               </a:spcBef>
@@ -7150,7 +7768,7 @@
               <a:buChar char="-"/>
             </a:pPr>
             <a:r>
-              <a:rPr b="1" lang="en-GB" sz="1800">
+              <a:rPr lang="en-GB" sz="1800" b="1">
                 <a:solidFill>
                   <a:schemeClr val="dk1"/>
                 </a:solidFill>
@@ -7172,7 +7790,7 @@
             </a:endParaRPr>
           </a:p>
           <a:p>
-            <a:pPr indent="-342900" lvl="1" marL="914400" rtl="0" algn="l">
+            <a:pPr marL="914400" lvl="1" indent="-342900" algn="l" rtl="0">
               <a:spcBef>
                 <a:spcPts val="0"/>
               </a:spcBef>
@@ -7194,7 +7812,7 @@
               <a:t>R</a:t>
             </a:r>
             <a:r>
-              <a:rPr b="1" lang="en-GB" sz="1800">
+              <a:rPr lang="en-GB" sz="1800" b="1">
                 <a:solidFill>
                   <a:schemeClr val="dk1"/>
                 </a:solidFill>
@@ -7216,7 +7834,7 @@
             </a:endParaRPr>
           </a:p>
           <a:p>
-            <a:pPr indent="-342900" lvl="0" marL="457200" rtl="0" algn="l">
+            <a:pPr marL="457200" lvl="0" indent="-342900" algn="l" rtl="0">
               <a:spcBef>
                 <a:spcPts val="0"/>
               </a:spcBef>
@@ -7230,7 +7848,7 @@
               <a:buChar char="-"/>
             </a:pPr>
             <a:r>
-              <a:rPr b="1" lang="en-GB">
+              <a:rPr lang="en-GB" b="1">
                 <a:solidFill>
                   <a:schemeClr val="dk1"/>
                 </a:solidFill>
@@ -7246,7 +7864,7 @@
               <a:t>:  “</a:t>
             </a:r>
             <a:r>
-              <a:rPr b="1" lang="en-GB">
+              <a:rPr lang="en-GB" b="1">
                 <a:solidFill>
                   <a:schemeClr val="dk1"/>
                 </a:solidFill>
@@ -7271,7 +7889,7 @@
             </a:endParaRPr>
           </a:p>
           <a:p>
-            <a:pPr indent="-342900" lvl="0" marL="457200" rtl="0" algn="l">
+            <a:pPr marL="457200" lvl="0" indent="-342900" algn="l" rtl="0">
               <a:spcBef>
                 <a:spcPts val="0"/>
               </a:spcBef>
@@ -7299,7 +7917,7 @@
             </a:endParaRPr>
           </a:p>
           <a:p>
-            <a:pPr indent="-317500" lvl="1" marL="914400" rtl="0" algn="l">
+            <a:pPr marL="914400" lvl="1" indent="-317500" algn="l" rtl="0">
               <a:spcBef>
                 <a:spcPts val="0"/>
               </a:spcBef>
@@ -7327,7 +7945,7 @@
             </a:endParaRPr>
           </a:p>
           <a:p>
-            <a:pPr indent="-342900" lvl="1" marL="914400" rtl="0" algn="l">
+            <a:pPr marL="914400" lvl="1" indent="-342900" algn="l" rtl="0">
               <a:spcBef>
                 <a:spcPts val="0"/>
               </a:spcBef>
@@ -7355,7 +7973,7 @@
             </a:endParaRPr>
           </a:p>
           <a:p>
-            <a:pPr indent="-342900" lvl="1" marL="914400" rtl="0" algn="l">
+            <a:pPr marL="914400" lvl="1" indent="-342900" algn="l" rtl="0">
               <a:spcBef>
                 <a:spcPts val="0"/>
               </a:spcBef>
@@ -7383,7 +8001,7 @@
             </a:endParaRPr>
           </a:p>
           <a:p>
-            <a:pPr indent="-342900" lvl="0" marL="457200" rtl="0" algn="l">
+            <a:pPr marL="457200" lvl="0" indent="-342900" algn="l" rtl="0">
               <a:spcBef>
                 <a:spcPts val="0"/>
               </a:spcBef>
@@ -7405,7 +8023,7 @@
               <a:t>To view directory and file contents, we can use the “</a:t>
             </a:r>
             <a:r>
-              <a:rPr b="1" lang="en-GB">
+              <a:rPr lang="en-GB" b="1">
                 <a:solidFill>
                   <a:schemeClr val="dk1"/>
                 </a:solidFill>
@@ -7427,7 +8045,7 @@
             </a:endParaRPr>
           </a:p>
           <a:p>
-            <a:pPr indent="0" lvl="0" marL="0" rtl="0" algn="l">
+            <a:pPr marL="0" lvl="0" indent="0" algn="l" rtl="0">
               <a:spcBef>
                 <a:spcPts val="0"/>
               </a:spcBef>
@@ -7436,9 +8054,6 @@
               </a:spcAft>
               <a:buNone/>
             </a:pPr>
-            <a:r>
-              <a:t/>
-            </a:r>
             <a:endParaRPr sz="1800"/>
           </a:p>
         </p:txBody>
@@ -7448,15 +8063,22 @@
   <p:clrMapOvr>
     <a:masterClrMapping/>
   </p:clrMapOvr>
+  <p:timing>
+    <p:tnLst>
+      <p:par>
+        <p:cTn id="1" dur="indefinite" restart="never" nodeType="tmRoot"/>
+      </p:par>
+    </p:tnLst>
+  </p:timing>
 </p:sld>
 </file>
 
-<file path=ppt/slides/slide6.xml><?xml version="1.0" encoding="utf-8"?>
-<p:sld xmlns:a="http://schemas.openxmlformats.org/drawingml/2006/main" xmlns:r="http://schemas.openxmlformats.org/officeDocument/2006/relationships" xmlns:mc="http://schemas.openxmlformats.org/markup-compatibility/2006" xmlns:mv="urn:schemas-microsoft-com:mac:vml" xmlns:p="http://schemas.openxmlformats.org/presentationml/2006/main" xmlns:c="http://schemas.openxmlformats.org/drawingml/2006/chart" xmlns:dgm="http://schemas.openxmlformats.org/drawingml/2006/diagram" xmlns:o="urn:schemas-microsoft-com:office:office" xmlns:v="urn:schemas-microsoft-com:vml" xmlns:pvml="urn:schemas-microsoft-com:office:powerpoint" xmlns:com="http://schemas.openxmlformats.org/drawingml/2006/compatibility" xmlns:p14="http://schemas.microsoft.com/office/powerpoint/2010/main" xmlns:p15="http://schemas.microsoft.com/office/powerpoint/2012/main">
+<file path=ppt/slides/slide7.xml><?xml version="1.0" encoding="utf-8"?>
+<p:sld xmlns:a="http://schemas.openxmlformats.org/drawingml/2006/main" xmlns:r="http://schemas.openxmlformats.org/officeDocument/2006/relationships" xmlns:p="http://schemas.openxmlformats.org/presentationml/2006/main">
   <p:cSld>
     <p:spTree>
       <p:nvGrpSpPr>
-        <p:cNvPr id="85" name="Shape 85"/>
+        <p:cNvPr id="1" name="Shape 85"/>
         <p:cNvGrpSpPr/>
         <p:nvPr/>
       </p:nvGrpSpPr>
@@ -7471,7 +8093,9 @@
       <p:sp>
         <p:nvSpPr>
           <p:cNvPr id="86" name="Google Shape;86;p18"/>
-          <p:cNvSpPr txBox="1"/>
+          <p:cNvSpPr txBox="1">
+            <a:spLocks noGrp="1"/>
+          </p:cNvSpPr>
           <p:nvPr>
             <p:ph type="title"/>
           </p:nvPr>
@@ -7486,12 +8110,12 @@
           </a:prstGeom>
         </p:spPr>
         <p:txBody>
-          <a:bodyPr anchorCtr="0" anchor="t" bIns="91425" lIns="91425" spcFirstLastPara="1" rIns="91425" wrap="square" tIns="91425">
+          <a:bodyPr spcFirstLastPara="1" wrap="square" lIns="91425" tIns="91425" rIns="91425" bIns="91425" anchor="t" anchorCtr="0">
             <a:noAutofit/>
           </a:bodyPr>
           <a:lstStyle/>
           <a:p>
-            <a:pPr indent="0" lvl="0" marL="0" rtl="0" algn="l">
+            <a:pPr marL="0" lvl="0" indent="0" algn="l" rtl="0">
               <a:spcBef>
                 <a:spcPts val="0"/>
               </a:spcBef>
@@ -7511,9 +8135,11 @@
       <p:sp>
         <p:nvSpPr>
           <p:cNvPr id="87" name="Google Shape;87;p18"/>
-          <p:cNvSpPr txBox="1"/>
+          <p:cNvSpPr txBox="1">
+            <a:spLocks noGrp="1"/>
+          </p:cNvSpPr>
           <p:nvPr>
-            <p:ph idx="1" type="body"/>
+            <p:ph type="body" idx="1"/>
           </p:nvPr>
         </p:nvSpPr>
         <p:spPr>
@@ -7526,12 +8152,12 @@
           </a:prstGeom>
         </p:spPr>
         <p:txBody>
-          <a:bodyPr anchorCtr="0" anchor="t" bIns="91425" lIns="91425" spcFirstLastPara="1" rIns="91425" wrap="square" tIns="91425">
+          <a:bodyPr spcFirstLastPara="1" wrap="square" lIns="91425" tIns="91425" rIns="91425" bIns="91425" anchor="t" anchorCtr="0">
             <a:noAutofit/>
           </a:bodyPr>
           <a:lstStyle/>
           <a:p>
-            <a:pPr indent="-342900" lvl="0" marL="457200" rtl="0" algn="l">
+            <a:pPr marL="457200" lvl="0" indent="-342900" algn="l" rtl="0">
               <a:spcBef>
                 <a:spcPts val="0"/>
               </a:spcBef>
@@ -7548,7 +8174,7 @@
             <a:endParaRPr/>
           </a:p>
           <a:p>
-            <a:pPr indent="-342900" lvl="0" marL="457200" rtl="0" algn="l">
+            <a:pPr marL="457200" lvl="0" indent="-342900" algn="l" rtl="0">
               <a:spcBef>
                 <a:spcPts val="0"/>
               </a:spcBef>
@@ -7563,7 +8189,7 @@
               <a:t>Command: “</a:t>
             </a:r>
             <a:r>
-              <a:rPr b="1" lang="en-GB"/>
+              <a:rPr lang="en-GB" b="1"/>
               <a:t>cd</a:t>
             </a:r>
             <a:r>
@@ -7579,15 +8205,22 @@
   <p:clrMapOvr>
     <a:masterClrMapping/>
   </p:clrMapOvr>
+  <p:timing>
+    <p:tnLst>
+      <p:par>
+        <p:cTn id="1" dur="indefinite" restart="never" nodeType="tmRoot"/>
+      </p:par>
+    </p:tnLst>
+  </p:timing>
 </p:sld>
 </file>
 
-<file path=ppt/slides/slide7.xml><?xml version="1.0" encoding="utf-8"?>
-<p:sld xmlns:a="http://schemas.openxmlformats.org/drawingml/2006/main" xmlns:r="http://schemas.openxmlformats.org/officeDocument/2006/relationships" xmlns:mc="http://schemas.openxmlformats.org/markup-compatibility/2006" xmlns:mv="urn:schemas-microsoft-com:mac:vml" xmlns:p="http://schemas.openxmlformats.org/presentationml/2006/main" xmlns:c="http://schemas.openxmlformats.org/drawingml/2006/chart" xmlns:dgm="http://schemas.openxmlformats.org/drawingml/2006/diagram" xmlns:o="urn:schemas-microsoft-com:office:office" xmlns:v="urn:schemas-microsoft-com:vml" xmlns:pvml="urn:schemas-microsoft-com:office:powerpoint" xmlns:com="http://schemas.openxmlformats.org/drawingml/2006/compatibility" xmlns:p14="http://schemas.microsoft.com/office/powerpoint/2010/main" xmlns:p15="http://schemas.microsoft.com/office/powerpoint/2012/main">
+<file path=ppt/slides/slide8.xml><?xml version="1.0" encoding="utf-8"?>
+<p:sld xmlns:a="http://schemas.openxmlformats.org/drawingml/2006/main" xmlns:r="http://schemas.openxmlformats.org/officeDocument/2006/relationships" xmlns:p="http://schemas.openxmlformats.org/presentationml/2006/main">
   <p:cSld>
     <p:spTree>
       <p:nvGrpSpPr>
-        <p:cNvPr id="91" name="Shape 91"/>
+        <p:cNvPr id="1" name="Shape 91"/>
         <p:cNvGrpSpPr/>
         <p:nvPr/>
       </p:nvGrpSpPr>
@@ -7602,7 +8235,9 @@
       <p:sp>
         <p:nvSpPr>
           <p:cNvPr id="92" name="Google Shape;92;p19"/>
-          <p:cNvSpPr txBox="1"/>
+          <p:cNvSpPr txBox="1">
+            <a:spLocks noGrp="1"/>
+          </p:cNvSpPr>
           <p:nvPr>
             <p:ph type="title"/>
           </p:nvPr>
@@ -7617,12 +8252,12 @@
           </a:prstGeom>
         </p:spPr>
         <p:txBody>
-          <a:bodyPr anchorCtr="0" anchor="t" bIns="91425" lIns="91425" spcFirstLastPara="1" rIns="91425" wrap="square" tIns="91425">
+          <a:bodyPr spcFirstLastPara="1" wrap="square" lIns="91425" tIns="91425" rIns="91425" bIns="91425" anchor="t" anchorCtr="0">
             <a:noAutofit/>
           </a:bodyPr>
           <a:lstStyle/>
           <a:p>
-            <a:pPr indent="0" lvl="0" marL="0" rtl="0" algn="l">
+            <a:pPr marL="0" lvl="0" indent="0" algn="l" rtl="0">
               <a:spcBef>
                 <a:spcPts val="0"/>
               </a:spcBef>
@@ -7642,9 +8277,11 @@
       <p:sp>
         <p:nvSpPr>
           <p:cNvPr id="93" name="Google Shape;93;p19"/>
-          <p:cNvSpPr txBox="1"/>
+          <p:cNvSpPr txBox="1">
+            <a:spLocks noGrp="1"/>
+          </p:cNvSpPr>
           <p:nvPr>
-            <p:ph idx="1" type="body"/>
+            <p:ph type="body" idx="1"/>
           </p:nvPr>
         </p:nvSpPr>
         <p:spPr>
@@ -7657,12 +8294,12 @@
           </a:prstGeom>
         </p:spPr>
         <p:txBody>
-          <a:bodyPr anchorCtr="0" anchor="t" bIns="91425" lIns="91425" spcFirstLastPara="1" rIns="91425" wrap="square" tIns="91425">
+          <a:bodyPr spcFirstLastPara="1" wrap="square" lIns="91425" tIns="91425" rIns="91425" bIns="91425" anchor="t" anchorCtr="0">
             <a:noAutofit/>
           </a:bodyPr>
           <a:lstStyle/>
           <a:p>
-            <a:pPr indent="-342900" lvl="0" marL="457200" rtl="0" algn="l">
+            <a:pPr marL="457200" lvl="0" indent="-342900" algn="l" rtl="0">
               <a:spcBef>
                 <a:spcPts val="0"/>
               </a:spcBef>
@@ -7674,7 +8311,7 @@
               <a:buChar char="-"/>
             </a:pPr>
             <a:r>
-              <a:rPr b="1" lang="en-GB">
+              <a:rPr lang="en-GB" b="1">
                 <a:highlight>
                   <a:srgbClr val="EFEFEF"/>
                 </a:highlight>
@@ -7696,7 +8333,7 @@
             </a:endParaRPr>
           </a:p>
           <a:p>
-            <a:pPr indent="-342900" lvl="0" marL="457200" rtl="0" algn="l">
+            <a:pPr marL="457200" lvl="0" indent="-342900" algn="l" rtl="0">
               <a:spcBef>
                 <a:spcPts val="0"/>
               </a:spcBef>
@@ -7708,7 +8345,7 @@
               <a:buChar char="-"/>
             </a:pPr>
             <a:r>
-              <a:rPr b="1" lang="en-GB">
+              <a:rPr lang="en-GB" b="1">
                 <a:highlight>
                   <a:srgbClr val="EFEFEF"/>
                 </a:highlight>
@@ -7736,15 +8373,22 @@
   <p:clrMapOvr>
     <a:masterClrMapping/>
   </p:clrMapOvr>
+  <p:timing>
+    <p:tnLst>
+      <p:par>
+        <p:cTn id="1" dur="indefinite" restart="never" nodeType="tmRoot"/>
+      </p:par>
+    </p:tnLst>
+  </p:timing>
 </p:sld>
 </file>
 
-<file path=ppt/slides/slide8.xml><?xml version="1.0" encoding="utf-8"?>
-<p:sld xmlns:a="http://schemas.openxmlformats.org/drawingml/2006/main" xmlns:r="http://schemas.openxmlformats.org/officeDocument/2006/relationships" xmlns:mc="http://schemas.openxmlformats.org/markup-compatibility/2006" xmlns:mv="urn:schemas-microsoft-com:mac:vml" xmlns:p="http://schemas.openxmlformats.org/presentationml/2006/main" xmlns:c="http://schemas.openxmlformats.org/drawingml/2006/chart" xmlns:dgm="http://schemas.openxmlformats.org/drawingml/2006/diagram" xmlns:o="urn:schemas-microsoft-com:office:office" xmlns:v="urn:schemas-microsoft-com:vml" xmlns:pvml="urn:schemas-microsoft-com:office:powerpoint" xmlns:com="http://schemas.openxmlformats.org/drawingml/2006/compatibility" xmlns:p14="http://schemas.microsoft.com/office/powerpoint/2010/main" xmlns:p15="http://schemas.microsoft.com/office/powerpoint/2012/main">
+<file path=ppt/slides/slide9.xml><?xml version="1.0" encoding="utf-8"?>
+<p:sld xmlns:a="http://schemas.openxmlformats.org/drawingml/2006/main" xmlns:r="http://schemas.openxmlformats.org/officeDocument/2006/relationships" xmlns:p="http://schemas.openxmlformats.org/presentationml/2006/main">
   <p:cSld>
     <p:spTree>
       <p:nvGrpSpPr>
-        <p:cNvPr id="97" name="Shape 97"/>
+        <p:cNvPr id="1" name="Shape 97"/>
         <p:cNvGrpSpPr/>
         <p:nvPr/>
       </p:nvGrpSpPr>
@@ -7759,7 +8403,9 @@
       <p:sp>
         <p:nvSpPr>
           <p:cNvPr id="98" name="Google Shape;98;p20"/>
-          <p:cNvSpPr txBox="1"/>
+          <p:cNvSpPr txBox="1">
+            <a:spLocks noGrp="1"/>
+          </p:cNvSpPr>
           <p:nvPr>
             <p:ph type="title"/>
           </p:nvPr>
@@ -7774,12 +8420,12 @@
           </a:prstGeom>
         </p:spPr>
         <p:txBody>
-          <a:bodyPr anchorCtr="0" anchor="t" bIns="91425" lIns="91425" spcFirstLastPara="1" rIns="91425" wrap="square" tIns="91425">
+          <a:bodyPr spcFirstLastPara="1" wrap="square" lIns="91425" tIns="91425" rIns="91425" bIns="91425" anchor="t" anchorCtr="0">
             <a:noAutofit/>
           </a:bodyPr>
           <a:lstStyle/>
           <a:p>
-            <a:pPr indent="0" lvl="0" marL="0" rtl="0" algn="l">
+            <a:pPr marL="0" lvl="0" indent="0" algn="l" rtl="0">
               <a:spcBef>
                 <a:spcPts val="0"/>
               </a:spcBef>
@@ -7829,202 +8475,18 @@
   <p:clrMapOvr>
     <a:masterClrMapping/>
   </p:clrMapOvr>
-</p:sld>
-</file>
-
-<file path=ppt/slides/slide9.xml><?xml version="1.0" encoding="utf-8"?>
-<p:sld xmlns:a="http://schemas.openxmlformats.org/drawingml/2006/main" xmlns:r="http://schemas.openxmlformats.org/officeDocument/2006/relationships" xmlns:mc="http://schemas.openxmlformats.org/markup-compatibility/2006" xmlns:mv="urn:schemas-microsoft-com:mac:vml" xmlns:p="http://schemas.openxmlformats.org/presentationml/2006/main" xmlns:c="http://schemas.openxmlformats.org/drawingml/2006/chart" xmlns:dgm="http://schemas.openxmlformats.org/drawingml/2006/diagram" xmlns:o="urn:schemas-microsoft-com:office:office" xmlns:v="urn:schemas-microsoft-com:vml" xmlns:pvml="urn:schemas-microsoft-com:office:powerpoint" xmlns:com="http://schemas.openxmlformats.org/drawingml/2006/compatibility" xmlns:p14="http://schemas.microsoft.com/office/powerpoint/2010/main" xmlns:p15="http://schemas.microsoft.com/office/powerpoint/2012/main">
-  <p:cSld>
-    <p:spTree>
-      <p:nvGrpSpPr>
-        <p:cNvPr id="103" name="Shape 103"/>
-        <p:cNvGrpSpPr/>
-        <p:nvPr/>
-      </p:nvGrpSpPr>
-      <p:grpSpPr>
-        <a:xfrm>
-          <a:off x="0" y="0"/>
-          <a:ext cx="0" cy="0"/>
-          <a:chOff x="0" y="0"/>
-          <a:chExt cx="0" cy="0"/>
-        </a:xfrm>
-      </p:grpSpPr>
-      <p:sp>
-        <p:nvSpPr>
-          <p:cNvPr id="104" name="Google Shape;104;p21"/>
-          <p:cNvSpPr txBox="1"/>
-          <p:nvPr>
-            <p:ph type="title"/>
-          </p:nvPr>
-        </p:nvSpPr>
-        <p:spPr>
-          <a:xfrm>
-            <a:off x="311700" y="445025"/>
-            <a:ext cx="8520600" cy="572700"/>
-          </a:xfrm>
-          <a:prstGeom prst="rect">
-            <a:avLst/>
-          </a:prstGeom>
-        </p:spPr>
-        <p:txBody>
-          <a:bodyPr anchorCtr="0" anchor="t" bIns="91425" lIns="91425" spcFirstLastPara="1" rIns="91425" wrap="square" tIns="91425">
-            <a:noAutofit/>
-          </a:bodyPr>
-          <a:lstStyle/>
-          <a:p>
-            <a:pPr indent="0" lvl="0" marL="0" rtl="0" algn="l">
-              <a:spcBef>
-                <a:spcPts val="0"/>
-              </a:spcBef>
-              <a:spcAft>
-                <a:spcPts val="0"/>
-              </a:spcAft>
-              <a:buNone/>
-            </a:pPr>
-            <a:r>
-              <a:rPr lang="en-GB"/>
-              <a:t>Delete file and directories</a:t>
-            </a:r>
-            <a:endParaRPr/>
-          </a:p>
-        </p:txBody>
-      </p:sp>
-      <p:sp>
-        <p:nvSpPr>
-          <p:cNvPr id="105" name="Google Shape;105;p21"/>
-          <p:cNvSpPr txBox="1"/>
-          <p:nvPr>
-            <p:ph idx="1" type="body"/>
-          </p:nvPr>
-        </p:nvSpPr>
-        <p:spPr>
-          <a:xfrm>
-            <a:off x="311700" y="1152475"/>
-            <a:ext cx="8520600" cy="3416400"/>
-          </a:xfrm>
-          <a:prstGeom prst="rect">
-            <a:avLst/>
-          </a:prstGeom>
-        </p:spPr>
-        <p:txBody>
-          <a:bodyPr anchorCtr="0" anchor="t" bIns="91425" lIns="91425" spcFirstLastPara="1" rIns="91425" wrap="square" tIns="91425">
-            <a:noAutofit/>
-          </a:bodyPr>
-          <a:lstStyle/>
-          <a:p>
-            <a:pPr indent="-342900" lvl="0" marL="457200" rtl="0" algn="l">
-              <a:spcBef>
-                <a:spcPts val="0"/>
-              </a:spcBef>
-              <a:spcAft>
-                <a:spcPts val="0"/>
-              </a:spcAft>
-              <a:buSzPts val="1800"/>
-              <a:buFont typeface="Consolas"/>
-              <a:buChar char="-"/>
-            </a:pPr>
-            <a:r>
-              <a:rPr b="1" lang="en-GB">
-                <a:highlight>
-                  <a:srgbClr val="EFEFEF"/>
-                </a:highlight>
-                <a:latin typeface="Consolas"/>
-                <a:ea typeface="Consolas"/>
-                <a:cs typeface="Consolas"/>
-                <a:sym typeface="Consolas"/>
-              </a:rPr>
-              <a:t>rm</a:t>
-            </a:r>
-            <a:endParaRPr b="1">
-              <a:highlight>
-                <a:srgbClr val="EFEFEF"/>
-              </a:highlight>
-              <a:latin typeface="Consolas"/>
-              <a:ea typeface="Consolas"/>
-              <a:cs typeface="Consolas"/>
-              <a:sym typeface="Consolas"/>
-            </a:endParaRPr>
-          </a:p>
-          <a:p>
-            <a:pPr indent="-342900" lvl="0" marL="457200" rtl="0" algn="l">
-              <a:spcBef>
-                <a:spcPts val="0"/>
-              </a:spcBef>
-              <a:spcAft>
-                <a:spcPts val="0"/>
-              </a:spcAft>
-              <a:buSzPts val="1800"/>
-              <a:buFont typeface="Consolas"/>
-              <a:buChar char="-"/>
-            </a:pPr>
-            <a:r>
-              <a:rPr b="1" lang="en-GB">
-                <a:highlight>
-                  <a:srgbClr val="EFEFEF"/>
-                </a:highlight>
-                <a:latin typeface="Consolas"/>
-                <a:ea typeface="Consolas"/>
-                <a:cs typeface="Consolas"/>
-                <a:sym typeface="Consolas"/>
-              </a:rPr>
-              <a:t>rm -R</a:t>
-            </a:r>
-            <a:endParaRPr b="1">
-              <a:highlight>
-                <a:srgbClr val="EFEFEF"/>
-              </a:highlight>
-              <a:latin typeface="Consolas"/>
-              <a:ea typeface="Consolas"/>
-              <a:cs typeface="Consolas"/>
-              <a:sym typeface="Consolas"/>
-            </a:endParaRPr>
-          </a:p>
-          <a:p>
-            <a:pPr indent="-342900" lvl="0" marL="457200" rtl="0" algn="l">
-              <a:spcBef>
-                <a:spcPts val="0"/>
-              </a:spcBef>
-              <a:spcAft>
-                <a:spcPts val="0"/>
-              </a:spcAft>
-              <a:buSzPts val="1800"/>
-              <a:buFont typeface="Consolas"/>
-              <a:buChar char="-"/>
-            </a:pPr>
-            <a:r>
-              <a:rPr b="1" lang="en-GB">
-                <a:highlight>
-                  <a:srgbClr val="EFEFEF"/>
-                </a:highlight>
-                <a:latin typeface="Consolas"/>
-                <a:ea typeface="Consolas"/>
-                <a:cs typeface="Consolas"/>
-                <a:sym typeface="Consolas"/>
-              </a:rPr>
-              <a:t>rm -Rf</a:t>
-            </a:r>
-            <a:endParaRPr b="1">
-              <a:highlight>
-                <a:srgbClr val="EFEFEF"/>
-              </a:highlight>
-              <a:latin typeface="Consolas"/>
-              <a:ea typeface="Consolas"/>
-              <a:cs typeface="Consolas"/>
-              <a:sym typeface="Consolas"/>
-            </a:endParaRPr>
-          </a:p>
-        </p:txBody>
-      </p:sp>
-    </p:spTree>
-  </p:cSld>
-  <p:clrMapOvr>
-    <a:masterClrMapping/>
-  </p:clrMapOvr>
+  <p:timing>
+    <p:tnLst>
+      <p:par>
+        <p:cTn id="1" dur="indefinite" restart="never" nodeType="tmRoot"/>
+      </p:par>
+    </p:tnLst>
+  </p:timing>
 </p:sld>
 </file>
 
 <file path=ppt/theme/theme1.xml><?xml version="1.0" encoding="utf-8"?>
-<a:theme xmlns:a="http://schemas.openxmlformats.org/drawingml/2006/main" xmlns:r="http://schemas.openxmlformats.org/officeDocument/2006/relationships" name="Simple Light">
+<a:theme xmlns:a="http://schemas.openxmlformats.org/drawingml/2006/main" name="Simple Light">
   <a:themeElements>
     <a:clrScheme name="Simple Light">
       <a:dk1>
@@ -8299,11 +8761,13 @@
       </a:bgFillStyleLst>
     </a:fmtScheme>
   </a:themeElements>
+  <a:objectDefaults/>
+  <a:extraClrSchemeLst/>
 </a:theme>
 </file>
 
 <file path=ppt/theme/theme2.xml><?xml version="1.0" encoding="utf-8"?>
-<a:theme xmlns:a="http://schemas.openxmlformats.org/drawingml/2006/main" xmlns:r="http://schemas.openxmlformats.org/officeDocument/2006/relationships">
+<a:theme xmlns:a="http://schemas.openxmlformats.org/drawingml/2006/main">
   <a:themeElements>
     <a:clrScheme name="Default">
       <a:dk1>
@@ -8578,5 +9042,7 @@
       </a:bgFillStyleLst>
     </a:fmtScheme>
   </a:themeElements>
+  <a:objectDefaults/>
+  <a:extraClrSchemeLst/>
 </a:theme>
 </file>
--- a/units/3/lessons/3/resources/petascale-lesson-3.3-slides.pptx
+++ b/units/3/lessons/3/resources/petascale-lesson-3.3-slides.pptx
@@ -9,7 +9,7 @@
   </p:notesMasterIdLst>
   <p:sldIdLst>
     <p:sldId id="265" r:id="rId2"/>
-    <p:sldId id="266" r:id="rId3"/>
+    <p:sldId id="267" r:id="rId3"/>
     <p:sldId id="257" r:id="rId4"/>
     <p:sldId id="258" r:id="rId5"/>
     <p:sldId id="259" r:id="rId6"/>
@@ -6355,15 +6355,7 @@
                 <a:ea typeface="Times New Roman" charset="0"/>
                 <a:cs typeface="Times New Roman" charset="0"/>
               </a:rPr>
-              <a:t>Blue Waters Petascale</a:t>
-            </a:r>
-            <a:r>
-              <a:rPr lang="en-US" sz="2700" b="1" dirty="0">
-                <a:latin typeface="Times New Roman" charset="0"/>
-                <a:ea typeface="Times New Roman" charset="0"/>
-                <a:cs typeface="Times New Roman" charset="0"/>
-              </a:rPr>
-              <a:t> Semester Curriculum v1.0</a:t>
+              <a:t>Blue Waters Petascale Semester Curriculum v1.0</a:t>
             </a:r>
             <a:r>
               <a:rPr lang="en-US" sz="2700" dirty="0">
@@ -6442,14 +6434,6 @@
               </a:rPr>
               <a:t>Developed by Linh B. Ngo</a:t>
             </a:r>
-            <a:r>
-              <a:rPr lang="en-US" sz="2700" i="1" dirty="0">
-                <a:latin typeface="Times New Roman" charset="0"/>
-                <a:ea typeface="Times New Roman" charset="0"/>
-                <a:cs typeface="Times New Roman" charset="0"/>
-              </a:rPr>
-              <a:t/>
-            </a:r>
             <a:br>
               <a:rPr lang="en-US" sz="2700" i="1" dirty="0">
                 <a:latin typeface="Times New Roman" charset="0"/>
@@ -6465,11 +6449,6 @@
               </a:rPr>
               <a:t>for the Shodor Education Foundation, Inc.</a:t>
             </a:r>
-            <a:endParaRPr lang="en-US" sz="2700" i="1" dirty="0">
-              <a:latin typeface="Times New Roman" charset="0"/>
-              <a:ea typeface="Times New Roman" charset="0"/>
-              <a:cs typeface="Times New Roman" charset="0"/>
-            </a:endParaRPr>
           </a:p>
         </p:txBody>
       </p:sp>
@@ -6724,7 +6703,7 @@
         </p:nvSpPr>
         <p:spPr>
           <a:xfrm>
-            <a:off x="566059" y="0"/>
+            <a:off x="566057" y="0"/>
             <a:ext cx="8011886" cy="5143500"/>
           </a:xfrm>
         </p:spPr>
@@ -6771,7 +6750,23 @@
                 <a:ea typeface="Times New Roman" charset="0"/>
                 <a:cs typeface="Times New Roman" charset="0"/>
               </a:rPr>
-              <a:t>CC BY-NC 4.0. To view a copy of this license, visit </a:t>
+              <a:t>CC </a:t>
+            </a:r>
+            <a:r>
+              <a:rPr lang="en-US" sz="2100" dirty="0" smtClean="0">
+                <a:latin typeface="Times New Roman" charset="0"/>
+                <a:ea typeface="Times New Roman" charset="0"/>
+                <a:cs typeface="Times New Roman" charset="0"/>
+              </a:rPr>
+              <a:t>BY-SA </a:t>
+            </a:r>
+            <a:r>
+              <a:rPr lang="en-US" sz="2100" dirty="0">
+                <a:latin typeface="Times New Roman" charset="0"/>
+                <a:ea typeface="Times New Roman" charset="0"/>
+                <a:cs typeface="Times New Roman" charset="0"/>
+              </a:rPr>
+              <a:t>4.0. To view a copy of this license, visit </a:t>
             </a:r>
             <a:r>
               <a:rPr lang="en-US" sz="2100" dirty="0">
@@ -6780,7 +6775,16 @@
                 <a:cs typeface="Times New Roman" charset="0"/>
                 <a:hlinkClick r:id="rId2"/>
               </a:rPr>
-              <a:t>https://creativecommons.org/licenses/by-nc/4.0</a:t>
+              <a:t>https://</a:t>
+            </a:r>
+            <a:r>
+              <a:rPr lang="en-US" sz="2100" dirty="0" smtClean="0">
+                <a:latin typeface="Times New Roman" charset="0"/>
+                <a:ea typeface="Times New Roman" charset="0"/>
+                <a:cs typeface="Times New Roman" charset="0"/>
+                <a:hlinkClick r:id="rId2"/>
+              </a:rPr>
+              <a:t>creativecommons.org/licenses/by-sa/4.0</a:t>
             </a:r>
             <a:r>
               <a:rPr lang="en-US" sz="2100" dirty="0">
@@ -6934,20 +6938,13 @@
     </p:spTree>
     <p:extLst>
       <p:ext uri="{BB962C8B-B14F-4D97-AF65-F5344CB8AC3E}">
-        <p14:creationId xmlns:p14="http://schemas.microsoft.com/office/powerpoint/2010/main" val="11298104"/>
+        <p14:creationId xmlns:p14="http://schemas.microsoft.com/office/powerpoint/2010/main" val="215024"/>
       </p:ext>
     </p:extLst>
   </p:cSld>
   <p:clrMapOvr>
     <a:masterClrMapping/>
   </p:clrMapOvr>
-  <p:timing>
-    <p:tnLst>
-      <p:par>
-        <p:cTn id="1" dur="indefinite" restart="never" nodeType="tmRoot"/>
-      </p:par>
-    </p:tnLst>
-  </p:timing>
 </p:sld>
 </file>
 
